--- a/320.pptx
+++ b/320.pptx
@@ -250,7 +250,7 @@
               <a:pPr>
                 <a:defRPr/>
               </a:pPr>
-              <a:t>7/17/11</a:t>
+              <a:t>7/21/11</a:t>
             </a:fld>
             <a:endParaRPr lang="en-US"/>
           </a:p>
@@ -433,7 +433,7 @@
               <a:pPr>
                 <a:defRPr/>
               </a:pPr>
-              <a:t>7/17/11</a:t>
+              <a:t>7/21/11</a:t>
             </a:fld>
             <a:endParaRPr lang="en-US"/>
           </a:p>
@@ -1448,29 +1448,33 @@
           <a:lstStyle/>
           <a:p>
             <a:r>
+              <a:rPr lang="en-US" dirty="0" err="1" smtClean="0"/>
+              <a:t>iOS</a:t>
+            </a:r>
+            <a:r>
               <a:rPr lang="en-US" dirty="0" smtClean="0"/>
-              <a:t>Use these events to create dynamic scrolling, also called continuous or infinite scrolling</a:t>
-            </a:r>
-          </a:p>
-          <a:p>
-            <a:endParaRPr lang="en-US" dirty="0" smtClean="0"/>
-          </a:p>
-          <a:p>
-            <a:r>
-              <a:rPr lang="en-US" dirty="0" smtClean="0"/>
-              <a:t>See these</a:t>
+              <a:t> only</a:t>
             </a:r>
             <a:r>
               <a:rPr lang="en-US" baseline="0" dirty="0" smtClean="0"/>
-              <a:t> </a:t>
+              <a:t> properties (</a:t>
             </a:r>
             <a:r>
               <a:rPr lang="en-US" baseline="0" dirty="0" err="1" smtClean="0"/>
-              <a:t>gists</a:t>
+              <a:t>table.editable</a:t>
             </a:r>
             <a:r>
               <a:rPr lang="en-US" baseline="0" dirty="0" smtClean="0"/>
-              <a:t> as well as the Q&amp;A forums for more info on creating cross-platform infinite scrolling solutions</a:t>
+              <a:t> = true) will be ignored on Android</a:t>
+            </a:r>
+          </a:p>
+          <a:p>
+            <a:endParaRPr lang="en-US" baseline="0" dirty="0" smtClean="0"/>
+          </a:p>
+          <a:p>
+            <a:r>
+              <a:rPr lang="en-US" baseline="0" dirty="0" smtClean="0"/>
+              <a:t>You listen for the delete/move events and take action based on that</a:t>
             </a:r>
             <a:endParaRPr lang="en-US" dirty="0"/>
           </a:p>
@@ -1499,7 +1503,7 @@
               <a:pPr>
                 <a:defRPr/>
               </a:pPr>
-              <a:t>15</a:t>
+              <a:t>13</a:t>
             </a:fld>
             <a:endParaRPr lang="en-US"/>
           </a:p>
@@ -1508,7 +1512,7 @@
     </p:spTree>
     <p:extLst>
       <p:ext uri="{BB962C8B-B14F-4D97-AF65-F5344CB8AC3E}">
-        <p14:creationId xmlns:p14="http://schemas.microsoft.com/office/powerpoint/2010/main" val="3273908932"/>
+        <p14:creationId xmlns:p14="http://schemas.microsoft.com/office/powerpoint/2010/main" val="3253832810"/>
       </p:ext>
     </p:extLst>
   </p:cSld>
@@ -1564,7 +1568,247 @@
           <a:p>
             <a:r>
               <a:rPr lang="en-US" dirty="0" smtClean="0"/>
-              <a:t>In this</a:t>
+              <a:t>Generally,</a:t>
+            </a:r>
+            <a:r>
+              <a:rPr lang="en-US" baseline="0" dirty="0" smtClean="0"/>
+              <a:t> you’ll handle table events on the table rather than the rows or children</a:t>
+            </a:r>
+          </a:p>
+          <a:p>
+            <a:r>
+              <a:rPr lang="en-US" baseline="0" dirty="0" smtClean="0"/>
+              <a:t>Determine which row clicked by using the </a:t>
+            </a:r>
+            <a:r>
+              <a:rPr lang="en-US" baseline="0" dirty="0" err="1" smtClean="0"/>
+              <a:t>e.row</a:t>
+            </a:r>
+            <a:r>
+              <a:rPr lang="en-US" baseline="0" dirty="0" smtClean="0"/>
+              <a:t> property instead</a:t>
+            </a:r>
+          </a:p>
+          <a:p>
+            <a:endParaRPr lang="en-US" baseline="0" dirty="0" smtClean="0"/>
+          </a:p>
+          <a:p>
+            <a:r>
+              <a:rPr lang="en-US" baseline="0" dirty="0" smtClean="0"/>
+              <a:t>Titanium 1.8 will include native long-press support so the gist workaround won’t be needed</a:t>
+            </a:r>
+            <a:endParaRPr lang="en-US" dirty="0"/>
+          </a:p>
+        </p:txBody>
+      </p:sp>
+      <p:sp>
+        <p:nvSpPr>
+          <p:cNvPr id="4" name="Slide Number Placeholder 3"/>
+          <p:cNvSpPr>
+            <a:spLocks noGrp="1"/>
+          </p:cNvSpPr>
+          <p:nvPr>
+            <p:ph type="sldNum" sz="quarter" idx="10"/>
+          </p:nvPr>
+        </p:nvSpPr>
+        <p:spPr/>
+        <p:txBody>
+          <a:bodyPr/>
+          <a:lstStyle/>
+          <a:p>
+            <a:pPr>
+              <a:defRPr/>
+            </a:pPr>
+            <a:fld id="{C704D923-8FB6-2040-A5D7-BD75ED8E8368}" type="slidenum">
+              <a:rPr lang="en-US" smtClean="0"/>
+              <a:pPr>
+                <a:defRPr/>
+              </a:pPr>
+              <a:t>14</a:t>
+            </a:fld>
+            <a:endParaRPr lang="en-US"/>
+          </a:p>
+        </p:txBody>
+      </p:sp>
+    </p:spTree>
+    <p:extLst>
+      <p:ext uri="{BB962C8B-B14F-4D97-AF65-F5344CB8AC3E}">
+        <p14:creationId xmlns:p14="http://schemas.microsoft.com/office/powerpoint/2010/main" val="753085124"/>
+      </p:ext>
+    </p:extLst>
+  </p:cSld>
+  <p:clrMapOvr>
+    <a:masterClrMapping/>
+  </p:clrMapOvr>
+</p:notes>
+</file>
+
+<file path=ppt/notesSlides/notesSlide15.xml><?xml version="1.0" encoding="utf-8"?>
+<p:notes xmlns:a="http://schemas.openxmlformats.org/drawingml/2006/main" xmlns:r="http://schemas.openxmlformats.org/officeDocument/2006/relationships" xmlns:p="http://schemas.openxmlformats.org/presentationml/2006/main">
+  <p:cSld>
+    <p:spTree>
+      <p:nvGrpSpPr>
+        <p:cNvPr id="1" name=""/>
+        <p:cNvGrpSpPr/>
+        <p:nvPr/>
+      </p:nvGrpSpPr>
+      <p:grpSpPr>
+        <a:xfrm>
+          <a:off x="0" y="0"/>
+          <a:ext cx="0" cy="0"/>
+          <a:chOff x="0" y="0"/>
+          <a:chExt cx="0" cy="0"/>
+        </a:xfrm>
+      </p:grpSpPr>
+      <p:sp>
+        <p:nvSpPr>
+          <p:cNvPr id="2" name="Slide Image Placeholder 1"/>
+          <p:cNvSpPr>
+            <a:spLocks noGrp="1" noRot="1" noChangeAspect="1"/>
+          </p:cNvSpPr>
+          <p:nvPr>
+            <p:ph type="sldImg"/>
+          </p:nvPr>
+        </p:nvSpPr>
+        <p:spPr/>
+      </p:sp>
+      <p:sp>
+        <p:nvSpPr>
+          <p:cNvPr id="3" name="Notes Placeholder 2"/>
+          <p:cNvSpPr>
+            <a:spLocks noGrp="1"/>
+          </p:cNvSpPr>
+          <p:nvPr>
+            <p:ph type="body" idx="1"/>
+          </p:nvPr>
+        </p:nvSpPr>
+        <p:spPr/>
+        <p:txBody>
+          <a:bodyPr/>
+          <a:lstStyle/>
+          <a:p>
+            <a:r>
+              <a:rPr lang="en-US" dirty="0" smtClean="0"/>
+              <a:t>Use these events to create dynamic scrolling, also called continuous or infinite scrolling</a:t>
+            </a:r>
+          </a:p>
+          <a:p>
+            <a:endParaRPr lang="en-US" dirty="0" smtClean="0"/>
+          </a:p>
+          <a:p>
+            <a:r>
+              <a:rPr lang="en-US" dirty="0" smtClean="0"/>
+              <a:t>See these</a:t>
+            </a:r>
+            <a:r>
+              <a:rPr lang="en-US" baseline="0" dirty="0" smtClean="0"/>
+              <a:t> </a:t>
+            </a:r>
+            <a:r>
+              <a:rPr lang="en-US" baseline="0" dirty="0" err="1" smtClean="0"/>
+              <a:t>gists</a:t>
+            </a:r>
+            <a:r>
+              <a:rPr lang="en-US" baseline="0" dirty="0" smtClean="0"/>
+              <a:t> as well as the Q&amp;A forums for more info on creating cross-platform infinite scrolling solutions</a:t>
+            </a:r>
+            <a:endParaRPr lang="en-US" dirty="0"/>
+          </a:p>
+        </p:txBody>
+      </p:sp>
+      <p:sp>
+        <p:nvSpPr>
+          <p:cNvPr id="4" name="Slide Number Placeholder 3"/>
+          <p:cNvSpPr>
+            <a:spLocks noGrp="1"/>
+          </p:cNvSpPr>
+          <p:nvPr>
+            <p:ph type="sldNum" sz="quarter" idx="10"/>
+          </p:nvPr>
+        </p:nvSpPr>
+        <p:spPr/>
+        <p:txBody>
+          <a:bodyPr/>
+          <a:lstStyle/>
+          <a:p>
+            <a:pPr>
+              <a:defRPr/>
+            </a:pPr>
+            <a:fld id="{C704D923-8FB6-2040-A5D7-BD75ED8E8368}" type="slidenum">
+              <a:rPr lang="en-US" smtClean="0"/>
+              <a:pPr>
+                <a:defRPr/>
+              </a:pPr>
+              <a:t>15</a:t>
+            </a:fld>
+            <a:endParaRPr lang="en-US"/>
+          </a:p>
+        </p:txBody>
+      </p:sp>
+    </p:spTree>
+    <p:extLst>
+      <p:ext uri="{BB962C8B-B14F-4D97-AF65-F5344CB8AC3E}">
+        <p14:creationId xmlns:p14="http://schemas.microsoft.com/office/powerpoint/2010/main" val="3273908932"/>
+      </p:ext>
+    </p:extLst>
+  </p:cSld>
+  <p:clrMapOvr>
+    <a:masterClrMapping/>
+  </p:clrMapOvr>
+</p:notes>
+</file>
+
+<file path=ppt/notesSlides/notesSlide16.xml><?xml version="1.0" encoding="utf-8"?>
+<p:notes xmlns:a="http://schemas.openxmlformats.org/drawingml/2006/main" xmlns:r="http://schemas.openxmlformats.org/officeDocument/2006/relationships" xmlns:p="http://schemas.openxmlformats.org/presentationml/2006/main">
+  <p:cSld>
+    <p:spTree>
+      <p:nvGrpSpPr>
+        <p:cNvPr id="1" name=""/>
+        <p:cNvGrpSpPr/>
+        <p:nvPr/>
+      </p:nvGrpSpPr>
+      <p:grpSpPr>
+        <a:xfrm>
+          <a:off x="0" y="0"/>
+          <a:ext cx="0" cy="0"/>
+          <a:chOff x="0" y="0"/>
+          <a:chExt cx="0" cy="0"/>
+        </a:xfrm>
+      </p:grpSpPr>
+      <p:sp>
+        <p:nvSpPr>
+          <p:cNvPr id="2" name="Slide Image Placeholder 1"/>
+          <p:cNvSpPr>
+            <a:spLocks noGrp="1" noRot="1" noChangeAspect="1"/>
+          </p:cNvSpPr>
+          <p:nvPr>
+            <p:ph type="sldImg"/>
+          </p:nvPr>
+        </p:nvSpPr>
+        <p:spPr/>
+      </p:sp>
+      <p:sp>
+        <p:nvSpPr>
+          <p:cNvPr id="3" name="Notes Placeholder 2"/>
+          <p:cNvSpPr>
+            <a:spLocks noGrp="1"/>
+          </p:cNvSpPr>
+          <p:nvPr>
+            <p:ph type="body" idx="1"/>
+          </p:nvPr>
+        </p:nvSpPr>
+        <p:spPr/>
+        <p:txBody>
+          <a:bodyPr/>
+          <a:lstStyle/>
+          <a:p>
+            <a:r>
+              <a:rPr lang="en-US" smtClean="0"/>
+              <a:t>In </a:t>
+            </a:r>
+            <a:r>
+              <a:rPr lang="en-US" dirty="0" smtClean="0"/>
+              <a:t>this</a:t>
             </a:r>
             <a:r>
               <a:rPr lang="en-US" baseline="0" dirty="0" smtClean="0"/>
@@ -3258,7 +3502,20 @@
             </a:r>
             <a:r>
               <a:rPr lang="en-US" baseline="0" dirty="0" smtClean="0"/>
-              <a:t> but the row’s foreground (text) color also set</a:t>
+              <a:t> but the row’s foreground (text) color also </a:t>
+            </a:r>
+            <a:r>
+              <a:rPr lang="en-US" baseline="0" dirty="0" smtClean="0"/>
+              <a:t>set</a:t>
+            </a:r>
+          </a:p>
+          <a:p>
+            <a:endParaRPr lang="en-US" baseline="0" dirty="0" smtClean="0"/>
+          </a:p>
+          <a:p>
+            <a:r>
+              <a:rPr lang="en-US" baseline="0" dirty="0" smtClean="0"/>
+              <a:t>The “other information…” text is added as a label rather than a standard row property</a:t>
             </a:r>
             <a:endParaRPr lang="en-US" dirty="0"/>
           </a:p>
@@ -3752,7 +4009,7 @@
               <a:pPr>
                 <a:defRPr/>
               </a:pPr>
-              <a:t>7/17/11</a:t>
+              <a:t>7/21/11</a:t>
             </a:fld>
             <a:endParaRPr lang="en-US"/>
           </a:p>
@@ -4240,7 +4497,7 @@
               <a:pPr>
                 <a:defRPr/>
               </a:pPr>
-              <a:t>7/17/11</a:t>
+              <a:t>7/21/11</a:t>
             </a:fld>
             <a:endParaRPr lang="en-US"/>
           </a:p>
@@ -4802,7 +5059,7 @@
               <a:pPr>
                 <a:defRPr/>
               </a:pPr>
-              <a:t>7/17/11</a:t>
+              <a:t>7/21/11</a:t>
             </a:fld>
             <a:endParaRPr lang="en-US"/>
           </a:p>
@@ -5412,7 +5669,7 @@
               <a:pPr>
                 <a:defRPr/>
               </a:pPr>
-              <a:t>7/17/11</a:t>
+              <a:t>7/21/11</a:t>
             </a:fld>
             <a:endParaRPr lang="en-US"/>
           </a:p>
@@ -5534,7 +5791,7 @@
               <a:pPr>
                 <a:defRPr/>
               </a:pPr>
-              <a:t>7/17/11</a:t>
+              <a:t>7/21/11</a:t>
             </a:fld>
             <a:endParaRPr lang="en-US"/>
           </a:p>
@@ -5821,7 +6078,7 @@
               <a:pPr>
                 <a:defRPr/>
               </a:pPr>
-              <a:t>7/17/11</a:t>
+              <a:t>7/21/11</a:t>
             </a:fld>
             <a:endParaRPr lang="en-US"/>
           </a:p>
@@ -9203,6 +9460,60 @@
           </a:effectLst>
         </p:spPr>
       </p:pic>
+      <p:pic>
+        <p:nvPicPr>
+          <p:cNvPr id="9" name="Picture 36" descr="tv_advert.png"/>
+          <p:cNvPicPr>
+            <a:picLocks noChangeAspect="1"/>
+          </p:cNvPicPr>
+          <p:nvPr/>
+        </p:nvPicPr>
+        <p:blipFill>
+          <a:blip r:embed="rId5">
+            <a:extLst>
+              <a:ext uri="{28A0092B-C50C-407E-A947-70E740481C1C}">
+                <a14:useLocalDpi xmlns:a14="http://schemas.microsoft.com/office/drawing/2010/main" val="0"/>
+              </a:ext>
+            </a:extLst>
+          </a:blip>
+          <a:srcRect/>
+          <a:stretch>
+            <a:fillRect/>
+          </a:stretch>
+        </p:blipFill>
+        <p:spPr bwMode="auto">
+          <a:xfrm>
+            <a:off x="8543606" y="0"/>
+            <a:ext cx="480315" cy="481263"/>
+          </a:xfrm>
+          <a:prstGeom prst="rect">
+            <a:avLst/>
+          </a:prstGeom>
+          <a:noFill/>
+          <a:ln>
+            <a:noFill/>
+          </a:ln>
+          <a:extLst>
+            <a:ext uri="{909E8E84-426E-40dd-AFC4-6F175D3DCCD1}">
+              <a14:hiddenFill xmlns:a14="http://schemas.microsoft.com/office/drawing/2010/main">
+                <a:solidFill>
+                  <a:srgbClr val="FFFFFF"/>
+                </a:solidFill>
+              </a14:hiddenFill>
+            </a:ext>
+            <a:ext uri="{91240B29-F687-4f45-9708-019B960494DF}">
+              <a14:hiddenLine xmlns:a14="http://schemas.microsoft.com/office/drawing/2010/main" w="9525">
+                <a:solidFill>
+                  <a:srgbClr val="000000"/>
+                </a:solidFill>
+                <a:miter lim="800000"/>
+                <a:headEnd/>
+                <a:tailEnd/>
+              </a14:hiddenLine>
+            </a:ext>
+          </a:extLst>
+        </p:spPr>
+      </p:pic>
     </p:spTree>
     <p:extLst>
       <p:ext uri="{BB962C8B-B14F-4D97-AF65-F5344CB8AC3E}">
@@ -9491,6 +9802,41 @@
                                   </p:childTnLst>
                                 </p:cTn>
                               </p:par>
+                              <p:par>
+                                <p:cTn id="21" presetID="9" presetClass="exit" presetSubtype="0" fill="hold" nodeType="withEffect">
+                                  <p:stCondLst>
+                                    <p:cond delay="0"/>
+                                  </p:stCondLst>
+                                  <p:childTnLst>
+                                    <p:animEffect transition="out" filter="dissolve">
+                                      <p:cBhvr>
+                                        <p:cTn id="22" dur="500"/>
+                                        <p:tgtEl>
+                                          <p:spTgt spid="9"/>
+                                        </p:tgtEl>
+                                      </p:cBhvr>
+                                    </p:animEffect>
+                                    <p:set>
+                                      <p:cBhvr>
+                                        <p:cTn id="23" dur="1" fill="hold">
+                                          <p:stCondLst>
+                                            <p:cond delay="499"/>
+                                          </p:stCondLst>
+                                        </p:cTn>
+                                        <p:tgtEl>
+                                          <p:spTgt spid="9"/>
+                                        </p:tgtEl>
+                                        <p:attrNameLst>
+                                          <p:attrName>style.visibility</p:attrName>
+                                        </p:attrNameLst>
+                                      </p:cBhvr>
+                                      <p:to>
+                                        <p:strVal val="hidden"/>
+                                      </p:to>
+                                    </p:set>
+                                  </p:childTnLst>
+                                </p:cTn>
+                              </p:par>
                             </p:childTnLst>
                           </p:cTn>
                         </p:par>
@@ -9650,7 +9996,7 @@
             <p:nvPr/>
           </p:nvPicPr>
           <p:blipFill>
-            <a:blip r:embed="rId2">
+            <a:blip r:embed="rId3">
               <a:extLst>
                 <a:ext uri="{28A0092B-C50C-407E-A947-70E740481C1C}">
                   <a14:useLocalDpi xmlns:a14="http://schemas.microsoft.com/office/drawing/2010/main" val="0"/>
@@ -9803,10 +10149,10 @@
         </p:nvGrpSpPr>
         <p:grpSpPr>
           <a:xfrm>
-            <a:off x="458294" y="1346200"/>
-            <a:ext cx="7606177" cy="4381500"/>
-            <a:chOff x="396140" y="1419466"/>
-            <a:chExt cx="7606177" cy="4381500"/>
+            <a:off x="457200" y="1346200"/>
+            <a:ext cx="7607271" cy="4643060"/>
+            <a:chOff x="395046" y="1419466"/>
+            <a:chExt cx="7607271" cy="4643060"/>
           </a:xfrm>
         </p:grpSpPr>
         <p:pic>
@@ -9818,7 +10164,7 @@
             <p:nvPr/>
           </p:nvPicPr>
           <p:blipFill>
-            <a:blip r:embed="rId3">
+            <a:blip r:embed="rId4">
               <a:extLst>
                 <a:ext uri="{28A0092B-C50C-407E-A947-70E740481C1C}">
                   <a14:useLocalDpi xmlns:a14="http://schemas.microsoft.com/office/drawing/2010/main" val="0"/>
@@ -9847,7 +10193,7 @@
           </p:nvSpPr>
           <p:spPr>
             <a:xfrm>
-              <a:off x="396140" y="4167843"/>
+              <a:off x="395046" y="4492866"/>
               <a:ext cx="6435911" cy="1569660"/>
             </a:xfrm>
             <a:prstGeom prst="rect">
@@ -10009,7 +10355,7 @@
             <p:nvPr/>
           </p:nvPicPr>
           <p:blipFill>
-            <a:blip r:embed="rId4">
+            <a:blip r:embed="rId5">
               <a:extLst>
                 <a:ext uri="{28A0092B-C50C-407E-A947-70E740481C1C}">
                   <a14:useLocalDpi xmlns:a14="http://schemas.microsoft.com/office/drawing/2010/main" val="0"/>
@@ -10236,7 +10582,7 @@
           <p:nvPr/>
         </p:nvPicPr>
         <p:blipFill>
-          <a:blip r:embed="rId5">
+          <a:blip r:embed="rId6">
             <a:extLst>
               <a:ext uri="{28A0092B-C50C-407E-A947-70E740481C1C}">
                 <a14:useLocalDpi xmlns:a14="http://schemas.microsoft.com/office/drawing/2010/main" val="0"/>
@@ -10289,10 +10635,10 @@
         </p:nvGrpSpPr>
         <p:grpSpPr>
           <a:xfrm>
-            <a:off x="455257" y="1346200"/>
-            <a:ext cx="7607271" cy="4381500"/>
-            <a:chOff x="396140" y="1419466"/>
-            <a:chExt cx="7607271" cy="4381500"/>
+            <a:off x="457200" y="1346200"/>
+            <a:ext cx="7605328" cy="4795460"/>
+            <a:chOff x="398083" y="1419466"/>
+            <a:chExt cx="7605328" cy="4795460"/>
           </a:xfrm>
         </p:grpSpPr>
         <p:pic>
@@ -10304,7 +10650,7 @@
             <p:nvPr/>
           </p:nvPicPr>
           <p:blipFill>
-            <a:blip r:embed="rId6">
+            <a:blip r:embed="rId7">
               <a:extLst>
                 <a:ext uri="{28A0092B-C50C-407E-A947-70E740481C1C}">
                   <a14:useLocalDpi xmlns:a14="http://schemas.microsoft.com/office/drawing/2010/main" val="0"/>
@@ -10333,7 +10679,7 @@
           </p:nvSpPr>
           <p:spPr>
             <a:xfrm>
-              <a:off x="396140" y="4167843"/>
+              <a:off x="398083" y="4645266"/>
               <a:ext cx="6435911" cy="1569660"/>
             </a:xfrm>
             <a:prstGeom prst="rect">
@@ -15203,116 +15549,6 @@
                 <a:cs typeface="Trebuchet MS" charset="0"/>
               </a:rPr>
               <a:t>Row: title</a:t>
-            </a:r>
-            <a:endParaRPr lang="en-US" sz="1800" dirty="0">
-              <a:solidFill>
-                <a:schemeClr val="bg1"/>
-              </a:solidFill>
-              <a:cs typeface="Trebuchet MS" charset="0"/>
-            </a:endParaRPr>
-          </a:p>
-        </p:txBody>
-      </p:sp>
-      <p:sp>
-        <p:nvSpPr>
-          <p:cNvPr id="12" name="Line 8"/>
-          <p:cNvSpPr>
-            <a:spLocks noChangeShapeType="1"/>
-          </p:cNvSpPr>
-          <p:nvPr/>
-        </p:nvSpPr>
-        <p:spPr bwMode="auto">
-          <a:xfrm>
-            <a:off x="5066633" y="3853310"/>
-            <a:ext cx="1625734" cy="394835"/>
-          </a:xfrm>
-          <a:prstGeom prst="line">
-            <a:avLst/>
-          </a:prstGeom>
-          <a:noFill/>
-          <a:ln w="38100">
-            <a:solidFill>
-              <a:srgbClr val="9C030B"/>
-            </a:solidFill>
-            <a:round/>
-            <a:headEnd type="stealth" w="med" len="med"/>
-            <a:tailEnd/>
-          </a:ln>
-          <a:extLst>
-            <a:ext uri="{909E8E84-426E-40dd-AFC4-6F175D3DCCD1}">
-              <a14:hiddenFill xmlns:a14="http://schemas.microsoft.com/office/drawing/2010/main">
-                <a:noFill/>
-              </a14:hiddenFill>
-            </a:ext>
-          </a:extLst>
-        </p:spPr>
-        <p:txBody>
-          <a:bodyPr lIns="0" tIns="0" rIns="0" bIns="0"/>
-          <a:lstStyle/>
-          <a:p>
-            <a:endParaRPr lang="en-US"/>
-          </a:p>
-        </p:txBody>
-      </p:sp>
-      <p:sp>
-        <p:nvSpPr>
-          <p:cNvPr id="13" name="Rectangle 3"/>
-          <p:cNvSpPr>
-            <a:spLocks/>
-          </p:cNvSpPr>
-          <p:nvPr/>
-        </p:nvSpPr>
-        <p:spPr bwMode="auto">
-          <a:xfrm>
-            <a:off x="6435887" y="4017313"/>
-            <a:ext cx="2585751" cy="461665"/>
-          </a:xfrm>
-          <a:prstGeom prst="rect">
-            <a:avLst/>
-          </a:prstGeom>
-          <a:solidFill>
-            <a:srgbClr val="9C030B"/>
-          </a:solidFill>
-          <a:ln>
-            <a:noFill/>
-          </a:ln>
-          <a:extLst>
-            <a:ext uri="{91240B29-F687-4f45-9708-019B960494DF}">
-              <a14:hiddenLine xmlns:a14="http://schemas.microsoft.com/office/drawing/2010/main" w="9525">
-                <a:solidFill>
-                  <a:srgbClr val="000000"/>
-                </a:solidFill>
-                <a:miter lim="800000"/>
-                <a:headEnd/>
-                <a:tailEnd/>
-              </a14:hiddenLine>
-            </a:ext>
-          </a:extLst>
-        </p:spPr>
-        <p:txBody>
-          <a:bodyPr wrap="square" tIns="91440" bIns="91440" anchor="ctr">
-            <a:spAutoFit/>
-          </a:bodyPr>
-          <a:lstStyle/>
-          <a:p>
-            <a:pPr marL="39688" algn="ctr"/>
-            <a:r>
-              <a:rPr lang="en-US" sz="1800" dirty="0" smtClean="0">
-                <a:solidFill>
-                  <a:schemeClr val="bg1"/>
-                </a:solidFill>
-                <a:cs typeface="Trebuchet MS" charset="0"/>
-              </a:rPr>
-              <a:t>Row: </a:t>
-            </a:r>
-            <a:r>
-              <a:rPr lang="en-US" sz="1800" dirty="0" err="1" smtClean="0">
-                <a:solidFill>
-                  <a:schemeClr val="bg1"/>
-                </a:solidFill>
-                <a:cs typeface="Trebuchet MS" charset="0"/>
-              </a:rPr>
-              <a:t>subTitle</a:t>
             </a:r>
             <a:endParaRPr lang="en-US" sz="1800" dirty="0">
               <a:solidFill>

--- a/320.pptx
+++ b/320.pptx
@@ -5,10 +5,10 @@
     <p:sldMasterId id="2147483801" r:id="rId1"/>
   </p:sldMasterIdLst>
   <p:notesMasterIdLst>
-    <p:notesMasterId r:id="rId19"/>
+    <p:notesMasterId r:id="rId20"/>
   </p:notesMasterIdLst>
   <p:handoutMasterIdLst>
-    <p:handoutMasterId r:id="rId20"/>
+    <p:handoutMasterId r:id="rId21"/>
   </p:handoutMasterIdLst>
   <p:sldIdLst>
     <p:sldId id="256" r:id="rId2"/>
@@ -27,7 +27,8 @@
     <p:sldId id="327" r:id="rId15"/>
     <p:sldId id="336" r:id="rId16"/>
     <p:sldId id="333" r:id="rId17"/>
-    <p:sldId id="329" r:id="rId18"/>
+    <p:sldId id="341" r:id="rId18"/>
+    <p:sldId id="329" r:id="rId19"/>
   </p:sldIdLst>
   <p:sldSz cx="9144000" cy="6858000" type="screen4x3"/>
   <p:notesSz cx="6858000" cy="9144000"/>
@@ -1802,26 +1803,137 @@
           <a:bodyPr/>
           <a:lstStyle/>
           <a:p>
+            <a:pPr marL="119063" marR="0" indent="0" algn="l" defTabSz="457200" rtl="0" eaLnBrk="1" fontAlgn="base" latinLnBrk="0" hangingPunct="1">
+              <a:lnSpc>
+                <a:spcPct val="100000"/>
+              </a:lnSpc>
+              <a:spcBef>
+                <a:spcPts val="450"/>
+              </a:spcBef>
+              <a:spcAft>
+                <a:spcPct val="0"/>
+              </a:spcAft>
+              <a:buClrTx/>
+              <a:buSzTx/>
+              <a:buFontTx/>
+              <a:buNone/>
+              <a:tabLst/>
+              <a:defRPr/>
+            </a:pPr>
+            <a:r>
+              <a:rPr lang="en-US" dirty="0" smtClean="0"/>
+              <a:t>In this lab assignment, you will create a custom table that doesn’t fill the entire viewport. The table will contain customized rows with background images that differ based on the row’s location within the table. Each row will contain two images and two labels. When you tap a row, an event listener will determine if either of the images was the object that received the tap. </a:t>
+            </a:r>
             <a:r>
               <a:rPr lang="en-US" smtClean="0"/>
-              <a:t>In </a:t>
-            </a:r>
-            <a:r>
-              <a:rPr lang="en-US" dirty="0" smtClean="0"/>
-              <a:t>this</a:t>
-            </a:r>
-            <a:r>
-              <a:rPr lang="en-US" baseline="0" dirty="0" smtClean="0"/>
-              <a:t> lab exercise, we will be revisiting our </a:t>
-            </a:r>
-            <a:r>
-              <a:rPr lang="en-US" baseline="0" dirty="0" err="1" smtClean="0"/>
-              <a:t>TiBountyHunter</a:t>
-            </a:r>
-            <a:r>
-              <a:rPr lang="en-US" baseline="0" dirty="0" smtClean="0"/>
-              <a:t> table views and re-skinning them.  Currently, they’re pretty boring.</a:t>
-            </a:r>
+              <a:t>If so, that image will be swapped with an alternate graphic.</a:t>
+            </a:r>
+            <a:endParaRPr lang="en-US" baseline="0" dirty="0" smtClean="0">
+              <a:solidFill>
+                <a:srgbClr val="000000"/>
+              </a:solidFill>
+              <a:latin typeface="Times New Roman" charset="0"/>
+              <a:ea typeface="ＭＳ Ｐゴシック" charset="0"/>
+              <a:cs typeface="Times New Roman" charset="0"/>
+              <a:sym typeface="Times New Roman" charset="0"/>
+            </a:endParaRPr>
+          </a:p>
+        </p:txBody>
+      </p:sp>
+      <p:sp>
+        <p:nvSpPr>
+          <p:cNvPr id="4" name="Slide Number Placeholder 3"/>
+          <p:cNvSpPr>
+            <a:spLocks noGrp="1"/>
+          </p:cNvSpPr>
+          <p:nvPr>
+            <p:ph type="sldNum" sz="quarter" idx="10"/>
+          </p:nvPr>
+        </p:nvSpPr>
+        <p:spPr>
+          <a:xfrm>
+            <a:off x="3884613" y="8685213"/>
+            <a:ext cx="2971800" cy="457200"/>
+          </a:xfrm>
+          <a:prstGeom prst="rect">
+            <a:avLst/>
+          </a:prstGeom>
+        </p:spPr>
+        <p:txBody>
+          <a:bodyPr/>
+          <a:lstStyle/>
+          <a:p>
+            <a:pPr>
+              <a:defRPr/>
+            </a:pPr>
+            <a:fld id="{C704D923-8FB6-2040-A5D7-BD75ED8E8368}" type="slidenum">
+              <a:rPr lang="en-US" smtClean="0"/>
+              <a:pPr>
+                <a:defRPr/>
+              </a:pPr>
+              <a:t>17</a:t>
+            </a:fld>
+            <a:endParaRPr lang="en-US"/>
+          </a:p>
+        </p:txBody>
+      </p:sp>
+    </p:spTree>
+    <p:extLst>
+      <p:ext uri="{BB962C8B-B14F-4D97-AF65-F5344CB8AC3E}">
+        <p14:creationId xmlns:p14="http://schemas.microsoft.com/office/powerpoint/2010/main" val="2440708566"/>
+      </p:ext>
+    </p:extLst>
+  </p:cSld>
+  <p:clrMapOvr>
+    <a:masterClrMapping/>
+  </p:clrMapOvr>
+</p:notes>
+</file>
+
+<file path=ppt/notesSlides/notesSlide17.xml><?xml version="1.0" encoding="utf-8"?>
+<p:notes xmlns:a="http://schemas.openxmlformats.org/drawingml/2006/main" xmlns:r="http://schemas.openxmlformats.org/officeDocument/2006/relationships" xmlns:p="http://schemas.openxmlformats.org/presentationml/2006/main">
+  <p:cSld>
+    <p:spTree>
+      <p:nvGrpSpPr>
+        <p:cNvPr id="1" name=""/>
+        <p:cNvGrpSpPr/>
+        <p:nvPr/>
+      </p:nvGrpSpPr>
+      <p:grpSpPr>
+        <a:xfrm>
+          <a:off x="0" y="0"/>
+          <a:ext cx="0" cy="0"/>
+          <a:chOff x="0" y="0"/>
+          <a:chExt cx="0" cy="0"/>
+        </a:xfrm>
+      </p:grpSpPr>
+      <p:sp>
+        <p:nvSpPr>
+          <p:cNvPr id="2" name="Slide Image Placeholder 1"/>
+          <p:cNvSpPr>
+            <a:spLocks noGrp="1" noRot="1" noChangeAspect="1"/>
+          </p:cNvSpPr>
+          <p:nvPr>
+            <p:ph type="sldImg"/>
+          </p:nvPr>
+        </p:nvSpPr>
+        <p:spPr/>
+      </p:sp>
+      <p:sp>
+        <p:nvSpPr>
+          <p:cNvPr id="3" name="Notes Placeholder 2"/>
+          <p:cNvSpPr>
+            <a:spLocks noGrp="1"/>
+          </p:cNvSpPr>
+          <p:nvPr>
+            <p:ph type="body" idx="1"/>
+          </p:nvPr>
+        </p:nvSpPr>
+        <p:spPr/>
+        <p:txBody>
+          <a:bodyPr/>
+          <a:lstStyle/>
+          <a:p>
             <a:endParaRPr lang="en-US" dirty="0"/>
           </a:p>
         </p:txBody>
@@ -1849,7 +1961,7 @@
               <a:pPr>
                 <a:defRPr/>
               </a:pPr>
-              <a:t>17</a:t>
+              <a:t>18</a:t>
             </a:fld>
             <a:endParaRPr lang="en-US"/>
           </a:p>
@@ -3502,11 +3614,7 @@
             </a:r>
             <a:r>
               <a:rPr lang="en-US" baseline="0" dirty="0" smtClean="0"/>
-              <a:t> but the row’s foreground (text) color also </a:t>
-            </a:r>
-            <a:r>
-              <a:rPr lang="en-US" baseline="0" dirty="0" smtClean="0"/>
-              <a:t>set</a:t>
+              <a:t> but the row’s foreground (text) color also set</a:t>
             </a:r>
           </a:p>
           <a:p>
@@ -12664,6 +12772,185 @@
 </file>
 
 <file path=ppt/slides/slide17.xml><?xml version="1.0" encoding="utf-8"?>
+<p:sld xmlns:a="http://schemas.openxmlformats.org/drawingml/2006/main" xmlns:r="http://schemas.openxmlformats.org/officeDocument/2006/relationships" xmlns:p="http://schemas.openxmlformats.org/presentationml/2006/main">
+  <p:cSld>
+    <p:spTree>
+      <p:nvGrpSpPr>
+        <p:cNvPr id="1" name=""/>
+        <p:cNvGrpSpPr/>
+        <p:nvPr/>
+      </p:nvGrpSpPr>
+      <p:grpSpPr>
+        <a:xfrm>
+          <a:off x="0" y="0"/>
+          <a:ext cx="0" cy="0"/>
+          <a:chOff x="0" y="0"/>
+          <a:chExt cx="0" cy="0"/>
+        </a:xfrm>
+      </p:grpSpPr>
+      <p:sp>
+        <p:nvSpPr>
+          <p:cNvPr id="2" name="Title 1"/>
+          <p:cNvSpPr>
+            <a:spLocks noGrp="1"/>
+          </p:cNvSpPr>
+          <p:nvPr>
+            <p:ph type="title"/>
+          </p:nvPr>
+        </p:nvSpPr>
+        <p:spPr/>
+        <p:txBody>
+          <a:bodyPr/>
+          <a:lstStyle/>
+          <a:p>
+            <a:r>
+              <a:rPr lang="en-US" dirty="0" smtClean="0"/>
+              <a:t>Lab Goals</a:t>
+            </a:r>
+            <a:endParaRPr lang="en-US" dirty="0"/>
+          </a:p>
+        </p:txBody>
+      </p:sp>
+      <p:sp>
+        <p:nvSpPr>
+          <p:cNvPr id="3" name="Content Placeholder 2"/>
+          <p:cNvSpPr>
+            <a:spLocks noGrp="1"/>
+          </p:cNvSpPr>
+          <p:nvPr>
+            <p:ph idx="1"/>
+          </p:nvPr>
+        </p:nvSpPr>
+        <p:spPr/>
+        <p:txBody>
+          <a:bodyPr/>
+          <a:lstStyle/>
+          <a:p>
+            <a:pPr>
+              <a:spcBef>
+                <a:spcPts val="600"/>
+              </a:spcBef>
+              <a:buClrTx/>
+              <a:buFontTx/>
+              <a:buNone/>
+            </a:pPr>
+            <a:r>
+              <a:rPr lang="en-US" dirty="0" smtClean="0"/>
+              <a:t>Create custom table</a:t>
+            </a:r>
+          </a:p>
+          <a:p>
+            <a:pPr>
+              <a:spcBef>
+                <a:spcPts val="600"/>
+              </a:spcBef>
+              <a:buClrTx/>
+              <a:buFontTx/>
+              <a:buNone/>
+            </a:pPr>
+            <a:r>
+              <a:rPr lang="en-US" dirty="0"/>
+              <a:t>	</a:t>
+            </a:r>
+            <a:r>
+              <a:rPr lang="en-US" dirty="0" smtClean="0"/>
+              <a:t>- doesn’t fill entire viewport</a:t>
+            </a:r>
+          </a:p>
+          <a:p>
+            <a:pPr>
+              <a:spcBef>
+                <a:spcPts val="600"/>
+              </a:spcBef>
+              <a:buClrTx/>
+              <a:buFontTx/>
+              <a:buNone/>
+            </a:pPr>
+            <a:r>
+              <a:rPr lang="en-US" dirty="0"/>
+              <a:t>	</a:t>
+            </a:r>
+            <a:r>
+              <a:rPr lang="en-US" dirty="0" smtClean="0"/>
+              <a:t>- custom rows with backgrounds and child elements</a:t>
+            </a:r>
+          </a:p>
+          <a:p>
+            <a:pPr>
+              <a:spcBef>
+                <a:spcPts val="600"/>
+              </a:spcBef>
+              <a:buClrTx/>
+              <a:buFontTx/>
+              <a:buNone/>
+            </a:pPr>
+            <a:r>
+              <a:rPr lang="en-US" dirty="0" smtClean="0"/>
+              <a:t>	- table event listeners that react differently depending on </a:t>
+            </a:r>
+            <a:r>
+              <a:rPr lang="en-US" smtClean="0"/>
+              <a:t>which child element </a:t>
+            </a:r>
+            <a:r>
+              <a:rPr lang="en-US" dirty="0" smtClean="0"/>
+              <a:t>receives the event</a:t>
+            </a:r>
+            <a:endParaRPr lang="en-US" dirty="0"/>
+          </a:p>
+          <a:p>
+            <a:pPr>
+              <a:spcBef>
+                <a:spcPts val="600"/>
+              </a:spcBef>
+              <a:buClrTx/>
+              <a:buFontTx/>
+              <a:buNone/>
+            </a:pPr>
+            <a:endParaRPr lang="en-US" dirty="0"/>
+          </a:p>
+          <a:p>
+            <a:pPr>
+              <a:spcBef>
+                <a:spcPts val="600"/>
+              </a:spcBef>
+              <a:buClrTx/>
+              <a:buFontTx/>
+              <a:buNone/>
+            </a:pPr>
+            <a:r>
+              <a:rPr lang="en-US" dirty="0" smtClean="0"/>
+              <a:t>Demo and w</a:t>
+            </a:r>
+            <a:r>
+              <a:rPr lang="en-US" dirty="0" smtClean="0"/>
+              <a:t>iki URL</a:t>
+            </a:r>
+            <a:endParaRPr lang="en-US" dirty="0"/>
+          </a:p>
+        </p:txBody>
+      </p:sp>
+    </p:spTree>
+    <p:extLst>
+      <p:ext uri="{BB962C8B-B14F-4D97-AF65-F5344CB8AC3E}">
+        <p14:creationId xmlns:p14="http://schemas.microsoft.com/office/powerpoint/2010/main" val="679314038"/>
+      </p:ext>
+    </p:extLst>
+  </p:cSld>
+  <p:clrMapOvr>
+    <a:masterClrMapping/>
+  </p:clrMapOvr>
+  <p:timing>
+    <p:tnLst>
+      <p:par>
+        <p:cTn xmlns:p14="http://schemas.microsoft.com/office/powerpoint/2010/main" id="1" dur="indefinite" restart="never" nodeType="tmRoot"/>
+      </p:par>
+    </p:tnLst>
+  </p:timing>
+</p:sld>
+</file>
+
+<file path=ppt/slides/slide18.xml><?xml version="1.0" encoding="utf-8"?>
 <p:sld xmlns:a="http://schemas.openxmlformats.org/drawingml/2006/main" xmlns:r="http://schemas.openxmlformats.org/officeDocument/2006/relationships" xmlns:p="http://schemas.openxmlformats.org/presentationml/2006/main">
   <p:cSld>
     <p:spTree>

--- a/320.pptx
+++ b/320.pptx
@@ -251,7 +251,7 @@
               <a:pPr>
                 <a:defRPr/>
               </a:pPr>
-              <a:t>7/21/11</a:t>
+              <a:t>7/26/11</a:t>
             </a:fld>
             <a:endParaRPr lang="en-US"/>
           </a:p>
@@ -434,7 +434,7 @@
               <a:pPr>
                 <a:defRPr/>
               </a:pPr>
-              <a:t>7/21/11</a:t>
+              <a:t>7/26/11</a:t>
             </a:fld>
             <a:endParaRPr lang="en-US"/>
           </a:p>
@@ -1934,6 +1934,50 @@
           <a:bodyPr/>
           <a:lstStyle/>
           <a:p>
+            <a:r>
+              <a:rPr lang="en-US" dirty="0" smtClean="0"/>
+              <a:t>For </a:t>
+            </a:r>
+            <a:r>
+              <a:rPr lang="en-US" dirty="0" err="1" smtClean="0"/>
+              <a:t>TiBountyHunter</a:t>
+            </a:r>
+            <a:r>
+              <a:rPr lang="en-US" dirty="0" smtClean="0"/>
+              <a:t> walkthrough, focus on TableView</a:t>
+            </a:r>
+            <a:r>
+              <a:rPr lang="en-US" baseline="0" dirty="0" smtClean="0"/>
+              <a:t> skinning, found in </a:t>
+            </a:r>
+            <a:r>
+              <a:rPr lang="en-US" baseline="0" dirty="0" err="1" smtClean="0"/>
+              <a:t>FugitiveTableView.js</a:t>
+            </a:r>
+            <a:r>
+              <a:rPr lang="en-US" baseline="0" dirty="0" smtClean="0"/>
+              <a:t> – show how we use custom background images for the row, and mix/match built-in properties like </a:t>
+            </a:r>
+            <a:r>
+              <a:rPr lang="en-US" baseline="0" dirty="0" err="1" smtClean="0"/>
+              <a:t>leftImage</a:t>
+            </a:r>
+            <a:r>
+              <a:rPr lang="en-US" baseline="0" dirty="0" smtClean="0"/>
+              <a:t>/</a:t>
+            </a:r>
+            <a:r>
+              <a:rPr lang="en-US" baseline="0" dirty="0" err="1" smtClean="0"/>
+              <a:t>rightImage</a:t>
+            </a:r>
+            <a:r>
+              <a:rPr lang="en-US" baseline="0" dirty="0" smtClean="0"/>
+              <a:t> and custom layout with adding </a:t>
+            </a:r>
+            <a:r>
+              <a:rPr lang="en-US" baseline="0" smtClean="0"/>
+              <a:t>a label</a:t>
+            </a:r>
             <a:endParaRPr lang="en-US" dirty="0"/>
           </a:p>
         </p:txBody>
@@ -4117,7 +4161,7 @@
               <a:pPr>
                 <a:defRPr/>
               </a:pPr>
-              <a:t>7/21/11</a:t>
+              <a:t>7/26/11</a:t>
             </a:fld>
             <a:endParaRPr lang="en-US"/>
           </a:p>
@@ -4605,7 +4649,7 @@
               <a:pPr>
                 <a:defRPr/>
               </a:pPr>
-              <a:t>7/21/11</a:t>
+              <a:t>7/26/11</a:t>
             </a:fld>
             <a:endParaRPr lang="en-US"/>
           </a:p>
@@ -5167,7 +5211,7 @@
               <a:pPr>
                 <a:defRPr/>
               </a:pPr>
-              <a:t>7/21/11</a:t>
+              <a:t>7/26/11</a:t>
             </a:fld>
             <a:endParaRPr lang="en-US"/>
           </a:p>
@@ -5777,7 +5821,7 @@
               <a:pPr>
                 <a:defRPr/>
               </a:pPr>
-              <a:t>7/21/11</a:t>
+              <a:t>7/26/11</a:t>
             </a:fld>
             <a:endParaRPr lang="en-US"/>
           </a:p>
@@ -5899,7 +5943,7 @@
               <a:pPr>
                 <a:defRPr/>
               </a:pPr>
-              <a:t>7/21/11</a:t>
+              <a:t>7/26/11</a:t>
             </a:fld>
             <a:endParaRPr lang="en-US"/>
           </a:p>
@@ -6186,7 +6230,7 @@
               <a:pPr>
                 <a:defRPr/>
               </a:pPr>
-              <a:t>7/21/11</a:t>
+              <a:t>7/26/11</a:t>
             </a:fld>
             <a:endParaRPr lang="en-US"/>
           </a:p>
@@ -12920,11 +12964,7 @@
             </a:pPr>
             <a:r>
               <a:rPr lang="en-US" dirty="0" smtClean="0"/>
-              <a:t>Demo and w</a:t>
-            </a:r>
-            <a:r>
-              <a:rPr lang="en-US" dirty="0" smtClean="0"/>
-              <a:t>iki URL</a:t>
+              <a:t>Demo and wiki URL</a:t>
             </a:r>
             <a:endParaRPr lang="en-US" dirty="0"/>
           </a:p>

--- a/320.pptx
+++ b/320.pptx
@@ -1822,11 +1822,7 @@
             </a:pPr>
             <a:r>
               <a:rPr lang="en-US" dirty="0" smtClean="0"/>
-              <a:t>In this lab assignment, you will create a custom table that doesn’t fill the entire viewport. The table will contain customized rows with background images that differ based on the row’s location within the table. Each row will contain two images and two labels. When you tap a row, an event listener will determine if either of the images was the object that received the tap. </a:t>
-            </a:r>
-            <a:r>
-              <a:rPr lang="en-US" smtClean="0"/>
-              <a:t>If so, that image will be swapped with an alternate graphic.</a:t>
+              <a:t>In this lab assignment, you will create a custom table that doesn’t fill the entire viewport. The table will contain customized rows with background images that differ based on the row’s location within the table. Each row will contain two images and two labels. When you tap a row, an event listener will determine if either of the images was the object that received the tap. If so, that image will be swapped with an alternate graphic.</a:t>
             </a:r>
             <a:endParaRPr lang="en-US" baseline="0" dirty="0" smtClean="0">
               <a:solidFill>
@@ -15787,107 +15783,6 @@
       </p:sp>
       <p:sp>
         <p:nvSpPr>
-          <p:cNvPr id="10" name="Line 8"/>
-          <p:cNvSpPr>
-            <a:spLocks noChangeShapeType="1"/>
-          </p:cNvSpPr>
-          <p:nvPr/>
-        </p:nvSpPr>
-        <p:spPr bwMode="auto">
-          <a:xfrm flipV="1">
-            <a:off x="4866105" y="2853009"/>
-            <a:ext cx="1826261" cy="485716"/>
-          </a:xfrm>
-          <a:prstGeom prst="line">
-            <a:avLst/>
-          </a:prstGeom>
-          <a:noFill/>
-          <a:ln w="38100">
-            <a:solidFill>
-              <a:srgbClr val="9C030B"/>
-            </a:solidFill>
-            <a:round/>
-            <a:headEnd type="stealth" w="med" len="med"/>
-            <a:tailEnd/>
-          </a:ln>
-          <a:extLst>
-            <a:ext uri="{909E8E84-426E-40dd-AFC4-6F175D3DCCD1}">
-              <a14:hiddenFill xmlns:a14="http://schemas.microsoft.com/office/drawing/2010/main">
-                <a:noFill/>
-              </a14:hiddenFill>
-            </a:ext>
-          </a:extLst>
-        </p:spPr>
-        <p:txBody>
-          <a:bodyPr lIns="0" tIns="0" rIns="0" bIns="0"/>
-          <a:lstStyle/>
-          <a:p>
-            <a:endParaRPr lang="en-US"/>
-          </a:p>
-        </p:txBody>
-      </p:sp>
-      <p:sp>
-        <p:nvSpPr>
-          <p:cNvPr id="11" name="Rectangle 3"/>
-          <p:cNvSpPr>
-            <a:spLocks/>
-          </p:cNvSpPr>
-          <p:nvPr/>
-        </p:nvSpPr>
-        <p:spPr bwMode="auto">
-          <a:xfrm>
-            <a:off x="6435887" y="2622177"/>
-            <a:ext cx="2585751" cy="461665"/>
-          </a:xfrm>
-          <a:prstGeom prst="rect">
-            <a:avLst/>
-          </a:prstGeom>
-          <a:solidFill>
-            <a:srgbClr val="9C030B"/>
-          </a:solidFill>
-          <a:ln>
-            <a:noFill/>
-          </a:ln>
-          <a:extLst>
-            <a:ext uri="{91240B29-F687-4f45-9708-019B960494DF}">
-              <a14:hiddenLine xmlns:a14="http://schemas.microsoft.com/office/drawing/2010/main" w="9525">
-                <a:solidFill>
-                  <a:srgbClr val="000000"/>
-                </a:solidFill>
-                <a:miter lim="800000"/>
-                <a:headEnd/>
-                <a:tailEnd/>
-              </a14:hiddenLine>
-            </a:ext>
-          </a:extLst>
-        </p:spPr>
-        <p:txBody>
-          <a:bodyPr wrap="square" tIns="91440" bIns="91440" anchor="ctr">
-            <a:spAutoFit/>
-          </a:bodyPr>
-          <a:lstStyle/>
-          <a:p>
-            <a:pPr marL="39688" algn="ctr"/>
-            <a:r>
-              <a:rPr lang="en-US" sz="1800" dirty="0" smtClean="0">
-                <a:solidFill>
-                  <a:schemeClr val="bg1"/>
-                </a:solidFill>
-                <a:cs typeface="Trebuchet MS" charset="0"/>
-              </a:rPr>
-              <a:t>Row: title</a:t>
-            </a:r>
-            <a:endParaRPr lang="en-US" sz="1800" dirty="0">
-              <a:solidFill>
-                <a:schemeClr val="bg1"/>
-              </a:solidFill>
-              <a:cs typeface="Trebuchet MS" charset="0"/>
-            </a:endParaRPr>
-          </a:p>
-        </p:txBody>
-      </p:sp>
-      <p:sp>
-        <p:nvSpPr>
           <p:cNvPr id="14" name="Line 8"/>
           <p:cNvSpPr>
             <a:spLocks noChangeShapeType="1"/>
@@ -16241,6 +16136,36 @@
               </a:solidFill>
               <a:cs typeface="Trebuchet MS" charset="0"/>
             </a:endParaRPr>
+          </a:p>
+        </p:txBody>
+      </p:sp>
+      <p:sp>
+        <p:nvSpPr>
+          <p:cNvPr id="3" name="TextBox 2"/>
+          <p:cNvSpPr txBox="1"/>
+          <p:nvPr/>
+        </p:nvSpPr>
+        <p:spPr>
+          <a:xfrm>
+            <a:off x="6373246" y="4187915"/>
+            <a:ext cx="2313554" cy="369332"/>
+          </a:xfrm>
+          <a:prstGeom prst="rect">
+            <a:avLst/>
+          </a:prstGeom>
+          <a:noFill/>
+        </p:spPr>
+        <p:txBody>
+          <a:bodyPr wrap="none" rtlCol="0">
+            <a:spAutoFit/>
+          </a:bodyPr>
+          <a:lstStyle/>
+          <a:p>
+            <a:r>
+              <a:rPr lang="en-US" sz="1800" dirty="0" smtClean="0"/>
+              <a:t>(Row text via labels)</a:t>
+            </a:r>
+            <a:endParaRPr lang="en-US" sz="1800" dirty="0"/>
           </a:p>
         </p:txBody>
       </p:sp>

--- a/320.pptx
+++ b/320.pptx
@@ -251,7 +251,7 @@
               <a:pPr>
                 <a:defRPr/>
               </a:pPr>
-              <a:t>7/26/11</a:t>
+              <a:t>8/19/11</a:t>
             </a:fld>
             <a:endParaRPr lang="en-US"/>
           </a:p>
@@ -434,7 +434,7 @@
               <a:pPr>
                 <a:defRPr/>
               </a:pPr>
-              <a:t>7/26/11</a:t>
+              <a:t>8/19/11</a:t>
             </a:fld>
             <a:endParaRPr lang="en-US"/>
           </a:p>
@@ -3864,60 +3864,6 @@
           <a:chExt cx="0" cy="0"/>
         </a:xfrm>
       </p:grpSpPr>
-      <p:pic>
-        <p:nvPicPr>
-          <p:cNvPr id="2" name="Picture 8" descr="raised_paper.png"/>
-          <p:cNvPicPr>
-            <a:picLocks noChangeAspect="1"/>
-          </p:cNvPicPr>
-          <p:nvPr/>
-        </p:nvPicPr>
-        <p:blipFill>
-          <a:blip r:embed="rId3">
-            <a:extLst>
-              <a:ext uri="{28A0092B-C50C-407E-A947-70E740481C1C}">
-                <a14:useLocalDpi xmlns:a14="http://schemas.microsoft.com/office/drawing/2010/main" val="0"/>
-              </a:ext>
-            </a:extLst>
-          </a:blip>
-          <a:srcRect/>
-          <a:stretch>
-            <a:fillRect/>
-          </a:stretch>
-        </p:blipFill>
-        <p:spPr bwMode="auto">
-          <a:xfrm>
-            <a:off x="-152400" y="1400175"/>
-            <a:ext cx="9144000" cy="3101975"/>
-          </a:xfrm>
-          <a:prstGeom prst="rect">
-            <a:avLst/>
-          </a:prstGeom>
-          <a:noFill/>
-          <a:ln>
-            <a:noFill/>
-          </a:ln>
-          <a:extLst>
-            <a:ext uri="{909E8E84-426E-40dd-AFC4-6F175D3DCCD1}">
-              <a14:hiddenFill xmlns:a14="http://schemas.microsoft.com/office/drawing/2010/main">
-                <a:solidFill>
-                  <a:srgbClr val="FFFFFF"/>
-                </a:solidFill>
-              </a14:hiddenFill>
-            </a:ext>
-            <a:ext uri="{91240B29-F687-4f45-9708-019B960494DF}">
-              <a14:hiddenLine xmlns:a14="http://schemas.microsoft.com/office/drawing/2010/main" w="9525">
-                <a:solidFill>
-                  <a:srgbClr val="000000"/>
-                </a:solidFill>
-                <a:miter lim="800000"/>
-                <a:headEnd/>
-                <a:tailEnd/>
-              </a14:hiddenLine>
-            </a:ext>
-          </a:extLst>
-        </p:spPr>
-      </p:pic>
       <p:sp>
         <p:nvSpPr>
           <p:cNvPr id="3" name="TextBox 9"/>
@@ -4076,60 +4022,6 @@
           </a:p>
         </p:txBody>
       </p:sp>
-      <p:pic>
-        <p:nvPicPr>
-          <p:cNvPr id="5" name="Picture 1"/>
-          <p:cNvPicPr>
-            <a:picLocks noChangeAspect="1"/>
-          </p:cNvPicPr>
-          <p:nvPr/>
-        </p:nvPicPr>
-        <p:blipFill>
-          <a:blip r:embed="rId4">
-            <a:extLst>
-              <a:ext uri="{28A0092B-C50C-407E-A947-70E740481C1C}">
-                <a14:useLocalDpi xmlns:a14="http://schemas.microsoft.com/office/drawing/2010/main" val="0"/>
-              </a:ext>
-            </a:extLst>
-          </a:blip>
-          <a:srcRect/>
-          <a:stretch>
-            <a:fillRect/>
-          </a:stretch>
-        </p:blipFill>
-        <p:spPr bwMode="auto">
-          <a:xfrm>
-            <a:off x="3910013" y="388938"/>
-            <a:ext cx="1290637" cy="757237"/>
-          </a:xfrm>
-          <a:prstGeom prst="rect">
-            <a:avLst/>
-          </a:prstGeom>
-          <a:noFill/>
-          <a:ln>
-            <a:noFill/>
-          </a:ln>
-          <a:extLst>
-            <a:ext uri="{909E8E84-426E-40dd-AFC4-6F175D3DCCD1}">
-              <a14:hiddenFill xmlns:a14="http://schemas.microsoft.com/office/drawing/2010/main">
-                <a:solidFill>
-                  <a:srgbClr val="FFFFFF"/>
-                </a:solidFill>
-              </a14:hiddenFill>
-            </a:ext>
-            <a:ext uri="{91240B29-F687-4f45-9708-019B960494DF}">
-              <a14:hiddenLine xmlns:a14="http://schemas.microsoft.com/office/drawing/2010/main" w="9525">
-                <a:solidFill>
-                  <a:srgbClr val="000000"/>
-                </a:solidFill>
-                <a:miter lim="800000"/>
-                <a:headEnd/>
-                <a:tailEnd/>
-              </a14:hiddenLine>
-            </a:ext>
-          </a:extLst>
-        </p:spPr>
-      </p:pic>
       <p:sp>
         <p:nvSpPr>
           <p:cNvPr id="6" name="Date Placeholder 3"/>
@@ -4157,7 +4049,7 @@
               <a:pPr>
                 <a:defRPr/>
               </a:pPr>
-              <a:t>7/26/11</a:t>
+              <a:t>8/19/11</a:t>
             </a:fld>
             <a:endParaRPr lang="en-US"/>
           </a:p>
@@ -4226,60 +4118,6 @@
           </a:p>
         </p:txBody>
       </p:sp>
-      <p:pic>
-        <p:nvPicPr>
-          <p:cNvPr id="9" name="Picture 8" descr="raised_paper.png"/>
-          <p:cNvPicPr>
-            <a:picLocks noChangeAspect="1"/>
-          </p:cNvPicPr>
-          <p:nvPr userDrawn="1"/>
-        </p:nvPicPr>
-        <p:blipFill>
-          <a:blip r:embed="rId3">
-            <a:extLst>
-              <a:ext uri="{28A0092B-C50C-407E-A947-70E740481C1C}">
-                <a14:useLocalDpi xmlns:a14="http://schemas.microsoft.com/office/drawing/2010/main" val="0"/>
-              </a:ext>
-            </a:extLst>
-          </a:blip>
-          <a:srcRect/>
-          <a:stretch>
-            <a:fillRect/>
-          </a:stretch>
-        </p:blipFill>
-        <p:spPr bwMode="auto">
-          <a:xfrm>
-            <a:off x="-152400" y="1400175"/>
-            <a:ext cx="9144000" cy="3101975"/>
-          </a:xfrm>
-          <a:prstGeom prst="rect">
-            <a:avLst/>
-          </a:prstGeom>
-          <a:noFill/>
-          <a:ln>
-            <a:noFill/>
-          </a:ln>
-          <a:extLst>
-            <a:ext uri="{909E8E84-426E-40dd-AFC4-6F175D3DCCD1}">
-              <a14:hiddenFill xmlns:a14="http://schemas.microsoft.com/office/drawing/2010/main">
-                <a:solidFill>
-                  <a:srgbClr val="FFFFFF"/>
-                </a:solidFill>
-              </a14:hiddenFill>
-            </a:ext>
-            <a:ext uri="{91240B29-F687-4f45-9708-019B960494DF}">
-              <a14:hiddenLine xmlns:a14="http://schemas.microsoft.com/office/drawing/2010/main" w="9525">
-                <a:solidFill>
-                  <a:srgbClr val="000000"/>
-                </a:solidFill>
-                <a:miter lim="800000"/>
-                <a:headEnd/>
-                <a:tailEnd/>
-              </a14:hiddenLine>
-            </a:ext>
-          </a:extLst>
-        </p:spPr>
-      </p:pic>
       <p:sp>
         <p:nvSpPr>
           <p:cNvPr id="10" name="TextBox 9"/>
@@ -4438,60 +4276,6 @@
           </a:p>
         </p:txBody>
       </p:sp>
-      <p:pic>
-        <p:nvPicPr>
-          <p:cNvPr id="11" name="Picture 1"/>
-          <p:cNvPicPr>
-            <a:picLocks noChangeAspect="1"/>
-          </p:cNvPicPr>
-          <p:nvPr userDrawn="1"/>
-        </p:nvPicPr>
-        <p:blipFill>
-          <a:blip r:embed="rId4">
-            <a:extLst>
-              <a:ext uri="{28A0092B-C50C-407E-A947-70E740481C1C}">
-                <a14:useLocalDpi xmlns:a14="http://schemas.microsoft.com/office/drawing/2010/main" val="0"/>
-              </a:ext>
-            </a:extLst>
-          </a:blip>
-          <a:srcRect/>
-          <a:stretch>
-            <a:fillRect/>
-          </a:stretch>
-        </p:blipFill>
-        <p:spPr bwMode="auto">
-          <a:xfrm>
-            <a:off x="3910013" y="388938"/>
-            <a:ext cx="1290637" cy="757237"/>
-          </a:xfrm>
-          <a:prstGeom prst="rect">
-            <a:avLst/>
-          </a:prstGeom>
-          <a:noFill/>
-          <a:ln>
-            <a:noFill/>
-          </a:ln>
-          <a:extLst>
-            <a:ext uri="{909E8E84-426E-40dd-AFC4-6F175D3DCCD1}">
-              <a14:hiddenFill xmlns:a14="http://schemas.microsoft.com/office/drawing/2010/main">
-                <a:solidFill>
-                  <a:srgbClr val="FFFFFF"/>
-                </a:solidFill>
-              </a14:hiddenFill>
-            </a:ext>
-            <a:ext uri="{91240B29-F687-4f45-9708-019B960494DF}">
-              <a14:hiddenLine xmlns:a14="http://schemas.microsoft.com/office/drawing/2010/main" w="9525">
-                <a:solidFill>
-                  <a:srgbClr val="000000"/>
-                </a:solidFill>
-                <a:miter lim="800000"/>
-                <a:headEnd/>
-                <a:tailEnd/>
-              </a14:hiddenLine>
-            </a:ext>
-          </a:extLst>
-        </p:spPr>
-      </p:pic>
     </p:spTree>
     <p:extLst>
       <p:ext uri="{BB962C8B-B14F-4D97-AF65-F5344CB8AC3E}">
@@ -4645,7 +4429,7 @@
               <a:pPr>
                 <a:defRPr/>
               </a:pPr>
-              <a:t>7/26/11</a:t>
+              <a:t>8/19/11</a:t>
             </a:fld>
             <a:endParaRPr lang="en-US"/>
           </a:p>
@@ -5207,7 +4991,7 @@
               <a:pPr>
                 <a:defRPr/>
               </a:pPr>
-              <a:t>7/26/11</a:t>
+              <a:t>8/19/11</a:t>
             </a:fld>
             <a:endParaRPr lang="en-US"/>
           </a:p>
@@ -5817,7 +5601,7 @@
               <a:pPr>
                 <a:defRPr/>
               </a:pPr>
-              <a:t>7/26/11</a:t>
+              <a:t>8/19/11</a:t>
             </a:fld>
             <a:endParaRPr lang="en-US"/>
           </a:p>
@@ -5939,7 +5723,7 @@
               <a:pPr>
                 <a:defRPr/>
               </a:pPr>
-              <a:t>7/26/11</a:t>
+              <a:t>8/19/11</a:t>
             </a:fld>
             <a:endParaRPr lang="en-US"/>
           </a:p>
@@ -6226,7 +6010,7 @@
               <a:pPr>
                 <a:defRPr/>
               </a:pPr>
-              <a:t>7/26/11</a:t>
+              <a:t>8/19/11</a:t>
             </a:fld>
             <a:endParaRPr lang="en-US"/>
           </a:p>
@@ -7398,7 +7182,7 @@
       </p:sp>
       <p:pic>
         <p:nvPicPr>
-          <p:cNvPr id="17412" name="Picture 1"/>
+          <p:cNvPr id="5" name="Picture 8" descr="raised_paper.png"/>
           <p:cNvPicPr>
             <a:picLocks noChangeAspect="1"/>
           </p:cNvPicPr>
@@ -7419,8 +7203,8 @@
         </p:blipFill>
         <p:spPr bwMode="auto">
           <a:xfrm>
-            <a:off x="3910013" y="388938"/>
-            <a:ext cx="1290637" cy="757237"/>
+            <a:off x="-40106" y="1640564"/>
+            <a:ext cx="8915400" cy="3352800"/>
           </a:xfrm>
           <a:prstGeom prst="rect">
             <a:avLst/>
@@ -7452,7 +7236,7 @@
       </p:pic>
       <p:sp>
         <p:nvSpPr>
-          <p:cNvPr id="17413" name="Title 11"/>
+          <p:cNvPr id="6" name="Title 1"/>
           <p:cNvSpPr txBox="1">
             <a:spLocks/>
           </p:cNvSpPr>
@@ -7460,8 +7244,322 @@
         </p:nvSpPr>
         <p:spPr bwMode="auto">
           <a:xfrm>
-            <a:off x="762000" y="2500218"/>
-            <a:ext cx="7713663" cy="949325"/>
+            <a:off x="-27406" y="2478764"/>
+            <a:ext cx="9144000" cy="1470025"/>
+          </a:xfrm>
+          <a:prstGeom prst="rect">
+            <a:avLst/>
+          </a:prstGeom>
+          <a:noFill/>
+          <a:ln>
+            <a:noFill/>
+            <a:miter lim="800000"/>
+            <a:headEnd/>
+            <a:tailEnd/>
+          </a:ln>
+          <a:effectLst>
+            <a:innerShdw blurRad="63500" dist="50800" dir="13500000">
+              <a:prstClr val="black">
+                <a:alpha val="50000"/>
+              </a:prstClr>
+            </a:innerShdw>
+          </a:effectLst>
+          <a:extLst>
+            <a:ext uri="{909E8E84-426E-40dd-AFC4-6F175D3DCCD1}">
+              <a14:hiddenFill xmlns:a14="http://schemas.microsoft.com/office/drawing/2010/main">
+                <a:solidFill>
+                  <a:srgbClr val="FFFFFF"/>
+                </a:solidFill>
+              </a14:hiddenFill>
+            </a:ext>
+            <a:ext uri="{91240B29-F687-4f45-9708-019B960494DF}">
+              <a14:hiddenLine xmlns:a14="http://schemas.microsoft.com/office/drawing/2010/main" w="9525">
+                <a:solidFill>
+                  <a:srgbClr val="000000"/>
+                </a:solidFill>
+                <a:miter lim="800000"/>
+                <a:headEnd/>
+                <a:tailEnd/>
+              </a14:hiddenLine>
+            </a:ext>
+            <a:ext uri="{FAA26D3D-D897-4be2-8F04-BA451C77F1D7}">
+              <ma14:placeholderFlag xmlns:ma14="http://schemas.microsoft.com/office/mac/drawingml/2011/main" val="1"/>
+            </a:ext>
+          </a:extLst>
+        </p:spPr>
+        <p:txBody>
+          <a:bodyPr vert="horz" wrap="square" lIns="91440" tIns="45720" rIns="91440" bIns="45720" numCol="1" anchor="ctr" anchorCtr="0" compatLnSpc="1">
+            <a:prstTxWarp prst="textNoShape">
+              <a:avLst/>
+            </a:prstTxWarp>
+          </a:bodyPr>
+          <a:lstStyle>
+            <a:lvl1pPr algn="l" defTabSz="457200" rtl="0" eaLnBrk="0" fontAlgn="base" hangingPunct="0">
+              <a:spcBef>
+                <a:spcPct val="0"/>
+              </a:spcBef>
+              <a:spcAft>
+                <a:spcPct val="0"/>
+              </a:spcAft>
+              <a:defRPr sz="3200" b="1" kern="1200">
+                <a:solidFill>
+                  <a:schemeClr val="tx1"/>
+                </a:solidFill>
+                <a:latin typeface="+mj-lt"/>
+                <a:ea typeface="ＭＳ Ｐゴシック" charset="0"/>
+                <a:cs typeface="ＭＳ Ｐゴシック" charset="0"/>
+              </a:defRPr>
+            </a:lvl1pPr>
+            <a:lvl2pPr algn="l" defTabSz="457200" rtl="0" eaLnBrk="0" fontAlgn="base" hangingPunct="0">
+              <a:spcBef>
+                <a:spcPct val="0"/>
+              </a:spcBef>
+              <a:spcAft>
+                <a:spcPct val="0"/>
+              </a:spcAft>
+              <a:defRPr sz="3200" b="1">
+                <a:solidFill>
+                  <a:schemeClr val="tx1"/>
+                </a:solidFill>
+                <a:latin typeface="Trebuchet MS" charset="0"/>
+                <a:ea typeface="ＭＳ Ｐゴシック" charset="0"/>
+                <a:cs typeface="ＭＳ Ｐゴシック" charset="0"/>
+              </a:defRPr>
+            </a:lvl2pPr>
+            <a:lvl3pPr algn="l" defTabSz="457200" rtl="0" eaLnBrk="0" fontAlgn="base" hangingPunct="0">
+              <a:spcBef>
+                <a:spcPct val="0"/>
+              </a:spcBef>
+              <a:spcAft>
+                <a:spcPct val="0"/>
+              </a:spcAft>
+              <a:defRPr sz="3200" b="1">
+                <a:solidFill>
+                  <a:schemeClr val="tx1"/>
+                </a:solidFill>
+                <a:latin typeface="Trebuchet MS" charset="0"/>
+                <a:ea typeface="ＭＳ Ｐゴシック" charset="0"/>
+                <a:cs typeface="ＭＳ Ｐゴシック" charset="0"/>
+              </a:defRPr>
+            </a:lvl3pPr>
+            <a:lvl4pPr algn="l" defTabSz="457200" rtl="0" eaLnBrk="0" fontAlgn="base" hangingPunct="0">
+              <a:spcBef>
+                <a:spcPct val="0"/>
+              </a:spcBef>
+              <a:spcAft>
+                <a:spcPct val="0"/>
+              </a:spcAft>
+              <a:defRPr sz="3200" b="1">
+                <a:solidFill>
+                  <a:schemeClr val="tx1"/>
+                </a:solidFill>
+                <a:latin typeface="Trebuchet MS" charset="0"/>
+                <a:ea typeface="ＭＳ Ｐゴシック" charset="0"/>
+                <a:cs typeface="ＭＳ Ｐゴシック" charset="0"/>
+              </a:defRPr>
+            </a:lvl4pPr>
+            <a:lvl5pPr algn="l" defTabSz="457200" rtl="0" eaLnBrk="0" fontAlgn="base" hangingPunct="0">
+              <a:spcBef>
+                <a:spcPct val="0"/>
+              </a:spcBef>
+              <a:spcAft>
+                <a:spcPct val="0"/>
+              </a:spcAft>
+              <a:defRPr sz="3200" b="1">
+                <a:solidFill>
+                  <a:schemeClr val="tx1"/>
+                </a:solidFill>
+                <a:latin typeface="Trebuchet MS" charset="0"/>
+                <a:ea typeface="ＭＳ Ｐゴシック" charset="0"/>
+                <a:cs typeface="ＭＳ Ｐゴシック" charset="0"/>
+              </a:defRPr>
+            </a:lvl5pPr>
+            <a:lvl6pPr marL="457200" algn="ctr" defTabSz="457200" rtl="0" eaLnBrk="1" fontAlgn="base" hangingPunct="1">
+              <a:spcBef>
+                <a:spcPct val="0"/>
+              </a:spcBef>
+              <a:spcAft>
+                <a:spcPct val="0"/>
+              </a:spcAft>
+              <a:defRPr sz="4400">
+                <a:solidFill>
+                  <a:schemeClr val="tx1"/>
+                </a:solidFill>
+                <a:latin typeface="Trebuchet MS" charset="0"/>
+                <a:ea typeface="ＭＳ Ｐゴシック" charset="0"/>
+                <a:cs typeface="ＭＳ Ｐゴシック" charset="0"/>
+              </a:defRPr>
+            </a:lvl6pPr>
+            <a:lvl7pPr marL="914400" algn="ctr" defTabSz="457200" rtl="0" eaLnBrk="1" fontAlgn="base" hangingPunct="1">
+              <a:spcBef>
+                <a:spcPct val="0"/>
+              </a:spcBef>
+              <a:spcAft>
+                <a:spcPct val="0"/>
+              </a:spcAft>
+              <a:defRPr sz="4400">
+                <a:solidFill>
+                  <a:schemeClr val="tx1"/>
+                </a:solidFill>
+                <a:latin typeface="Trebuchet MS" charset="0"/>
+                <a:ea typeface="ＭＳ Ｐゴシック" charset="0"/>
+                <a:cs typeface="ＭＳ Ｐゴシック" charset="0"/>
+              </a:defRPr>
+            </a:lvl7pPr>
+            <a:lvl8pPr marL="1371600" algn="ctr" defTabSz="457200" rtl="0" eaLnBrk="1" fontAlgn="base" hangingPunct="1">
+              <a:spcBef>
+                <a:spcPct val="0"/>
+              </a:spcBef>
+              <a:spcAft>
+                <a:spcPct val="0"/>
+              </a:spcAft>
+              <a:defRPr sz="4400">
+                <a:solidFill>
+                  <a:schemeClr val="tx1"/>
+                </a:solidFill>
+                <a:latin typeface="Trebuchet MS" charset="0"/>
+                <a:ea typeface="ＭＳ Ｐゴシック" charset="0"/>
+                <a:cs typeface="ＭＳ Ｐゴシック" charset="0"/>
+              </a:defRPr>
+            </a:lvl8pPr>
+            <a:lvl9pPr marL="1828800" algn="ctr" defTabSz="457200" rtl="0" eaLnBrk="1" fontAlgn="base" hangingPunct="1">
+              <a:spcBef>
+                <a:spcPct val="0"/>
+              </a:spcBef>
+              <a:spcAft>
+                <a:spcPct val="0"/>
+              </a:spcAft>
+              <a:defRPr sz="4400">
+                <a:solidFill>
+                  <a:schemeClr val="tx1"/>
+                </a:solidFill>
+                <a:latin typeface="Trebuchet MS" charset="0"/>
+                <a:ea typeface="ＭＳ Ｐゴシック" charset="0"/>
+                <a:cs typeface="ＭＳ Ｐゴシック" charset="0"/>
+              </a:defRPr>
+            </a:lvl9pPr>
+          </a:lstStyle>
+          <a:p>
+            <a:pPr marL="39688" algn="ctr" eaLnBrk="1" hangingPunct="1">
+              <a:defRPr/>
+            </a:pPr>
+            <a:r>
+              <a:rPr lang="en-US" sz="4400" i="1" dirty="0" smtClean="0">
+                <a:solidFill>
+                  <a:schemeClr val="accent6"/>
+                </a:solidFill>
+                <a:effectLst>
+                  <a:innerShdw blurRad="63500" dist="50800" dir="13500000">
+                    <a:prstClr val="black">
+                      <a:alpha val="50000"/>
+                    </a:prstClr>
+                  </a:innerShdw>
+                </a:effectLst>
+                <a:latin typeface="Trebuchet MS Bold" charset="0"/>
+                <a:cs typeface="Trebuchet MS Bold" charset="0"/>
+                <a:sym typeface="Trebuchet MS Bold" charset="0"/>
+              </a:rPr>
+              <a:t>API Deep Dive</a:t>
+            </a:r>
+            <a:r>
+              <a:rPr lang="en-US" sz="4400" i="1" smtClean="0">
+                <a:solidFill>
+                  <a:schemeClr val="accent6"/>
+                </a:solidFill>
+                <a:effectLst>
+                  <a:innerShdw blurRad="63500" dist="50800" dir="13500000">
+                    <a:prstClr val="black">
+                      <a:alpha val="50000"/>
+                    </a:prstClr>
+                  </a:innerShdw>
+                </a:effectLst>
+                <a:latin typeface="Trebuchet MS Bold" charset="0"/>
+                <a:cs typeface="Trebuchet MS Bold" charset="0"/>
+                <a:sym typeface="Trebuchet MS Bold" charset="0"/>
+              </a:rPr>
+              <a:t>: Table Views</a:t>
+            </a:r>
+            <a:endParaRPr lang="en-US" sz="4400" i="1" dirty="0" smtClean="0">
+              <a:solidFill>
+                <a:schemeClr val="accent6"/>
+              </a:solidFill>
+              <a:effectLst>
+                <a:innerShdw blurRad="63500" dist="50800" dir="13500000">
+                  <a:prstClr val="black">
+                    <a:alpha val="50000"/>
+                  </a:prstClr>
+                </a:innerShdw>
+              </a:effectLst>
+              <a:latin typeface="Trebuchet MS Bold" charset="0"/>
+              <a:cs typeface="Trebuchet MS Bold" charset="0"/>
+              <a:sym typeface="Trebuchet MS Bold" charset="0"/>
+            </a:endParaRPr>
+          </a:p>
+          <a:p>
+            <a:pPr marL="39688" algn="ctr" eaLnBrk="1" hangingPunct="1">
+              <a:defRPr/>
+            </a:pPr>
+            <a:r>
+              <a:rPr lang="en-US" sz="2800" b="0" i="1" dirty="0" smtClean="0">
+                <a:solidFill>
+                  <a:schemeClr val="accent6"/>
+                </a:solidFill>
+                <a:effectLst>
+                  <a:innerShdw blurRad="63500" dist="50800" dir="13500000">
+                    <a:prstClr val="black">
+                      <a:alpha val="50000"/>
+                    </a:prstClr>
+                  </a:innerShdw>
+                </a:effectLst>
+                <a:latin typeface="Trebuchet MS Bold" charset="0"/>
+                <a:cs typeface="Trebuchet MS Bold" charset="0"/>
+                <a:sym typeface="Trebuchet MS Bold" charset="0"/>
+              </a:rPr>
+              <a:t>Advanced Titanium Mobile Development</a:t>
+            </a:r>
+            <a:endParaRPr lang="en-US" sz="2800" b="0" i="1" dirty="0">
+              <a:solidFill>
+                <a:schemeClr val="accent6"/>
+              </a:solidFill>
+              <a:effectLst>
+                <a:innerShdw blurRad="63500" dist="50800" dir="13500000">
+                  <a:prstClr val="black">
+                    <a:alpha val="50000"/>
+                  </a:prstClr>
+                </a:innerShdw>
+              </a:effectLst>
+              <a:latin typeface="Trebuchet MS Bold" charset="0"/>
+              <a:cs typeface="Trebuchet MS Bold" charset="0"/>
+              <a:sym typeface="Trebuchet MS Bold" charset="0"/>
+            </a:endParaRPr>
+          </a:p>
+        </p:txBody>
+      </p:sp>
+      <p:pic>
+        <p:nvPicPr>
+          <p:cNvPr id="7" name="Picture 8"/>
+          <p:cNvPicPr>
+            <a:picLocks noChangeAspect="1"/>
+          </p:cNvPicPr>
+          <p:nvPr/>
+        </p:nvPicPr>
+        <p:blipFill>
+          <a:blip r:embed="rId5">
+            <a:extLst>
+              <a:ext uri="{28A0092B-C50C-407E-A947-70E740481C1C}">
+                <a14:useLocalDpi xmlns:a14="http://schemas.microsoft.com/office/drawing/2010/main" val="0"/>
+              </a:ext>
+            </a:extLst>
+          </a:blip>
+          <a:srcRect/>
+          <a:stretch>
+            <a:fillRect/>
+          </a:stretch>
+        </p:blipFill>
+        <p:spPr bwMode="auto">
+          <a:xfrm>
+            <a:off x="3923882" y="1792964"/>
+            <a:ext cx="1230312" cy="685800"/>
           </a:xfrm>
           <a:prstGeom prst="rect">
             <a:avLst/>
@@ -7490,8 +7588,49 @@
             </a:ext>
           </a:extLst>
         </p:spPr>
+      </p:pic>
+      <p:sp>
+        <p:nvSpPr>
+          <p:cNvPr id="8" name="Slide Number Placeholder 5"/>
+          <p:cNvSpPr>
+            <a:spLocks noGrp="1"/>
+          </p:cNvSpPr>
+          <p:nvPr>
+            <p:ph type="sldNum" sz="quarter" idx="12"/>
+          </p:nvPr>
+        </p:nvSpPr>
+        <p:spPr bwMode="auto">
+          <a:xfrm>
+            <a:off x="203200" y="6400800"/>
+            <a:ext cx="2133600" cy="365125"/>
+          </a:xfrm>
+          <a:noFill/>
+          <a:extLst>
+            <a:ext uri="{909E8E84-426E-40dd-AFC4-6F175D3DCCD1}">
+              <a14:hiddenFill xmlns:a14="http://schemas.microsoft.com/office/drawing/2010/main">
+                <a:solidFill>
+                  <a:srgbClr val="FFFFFF"/>
+                </a:solidFill>
+              </a14:hiddenFill>
+            </a:ext>
+            <a:ext uri="{91240B29-F687-4f45-9708-019B960494DF}">
+              <a14:hiddenLine xmlns:a14="http://schemas.microsoft.com/office/drawing/2010/main" w="9525">
+                <a:solidFill>
+                  <a:srgbClr val="000000"/>
+                </a:solidFill>
+                <a:miter lim="800000"/>
+                <a:headEnd/>
+                <a:tailEnd/>
+              </a14:hiddenLine>
+            </a:ext>
+          </a:extLst>
+        </p:spPr>
         <p:txBody>
-          <a:bodyPr/>
+          <a:bodyPr vert="horz" wrap="square" lIns="91440" tIns="45720" rIns="91440" bIns="45720" numCol="1" anchor="ctr" anchorCtr="0" compatLnSpc="1">
+            <a:prstTxWarp prst="textNoShape">
+              <a:avLst/>
+            </a:prstTxWarp>
+          </a:bodyPr>
           <a:lstStyle>
             <a:lvl1pPr eaLnBrk="0" hangingPunct="0">
               <a:defRPr sz="2400">
@@ -7601,17 +7740,36 @@
             </a:lvl9pPr>
           </a:lstStyle>
           <a:p>
-            <a:pPr algn="ctr" eaLnBrk="1" hangingPunct="1"/>
-            <a:r>
-              <a:rPr lang="en-US" sz="4000" b="1" dirty="0" smtClean="0">
+            <a:pPr algn="l" eaLnBrk="1" hangingPunct="1"/>
+            <a:r>
+              <a:rPr lang="en-US" sz="1200" b="1" dirty="0">
                 <a:solidFill>
                   <a:srgbClr val="122956"/>
                 </a:solidFill>
                 <a:cs typeface="Trebuchet MS" charset="0"/>
               </a:rPr>
-              <a:t>API Deep Dive: TableViews</a:t>
-            </a:r>
-            <a:endParaRPr lang="en-US" sz="4000" b="1" dirty="0">
+              <a:t>4</a:t>
+            </a:r>
+            <a:r>
+              <a:rPr lang="en-US" sz="1200" b="1" dirty="0" smtClean="0">
+                <a:solidFill>
+                  <a:srgbClr val="122956"/>
+                </a:solidFill>
+                <a:cs typeface="Trebuchet MS" charset="0"/>
+              </a:rPr>
+              <a:t>-</a:t>
+            </a:r>
+            <a:fld id="{31B56995-E14C-B64F-86C9-12D6DB74A41E}" type="slidenum">
+              <a:rPr lang="en-US" sz="1200" b="1">
+                <a:solidFill>
+                  <a:srgbClr val="122956"/>
+                </a:solidFill>
+                <a:cs typeface="Trebuchet MS" charset="0"/>
+              </a:rPr>
+              <a:pPr algn="l" eaLnBrk="1" hangingPunct="1"/>
+              <a:t>1</a:t>
+            </a:fld>
+            <a:endParaRPr lang="en-US" sz="1200" b="1" dirty="0">
               <a:solidFill>
                 <a:srgbClr val="122956"/>
               </a:solidFill>
@@ -7652,6 +7810,195 @@
           <a:chExt cx="0" cy="0"/>
         </a:xfrm>
       </p:grpSpPr>
+      <p:sp>
+        <p:nvSpPr>
+          <p:cNvPr id="13" name="Slide Number Placeholder 5"/>
+          <p:cNvSpPr>
+            <a:spLocks noGrp="1"/>
+          </p:cNvSpPr>
+          <p:nvPr>
+            <p:ph type="sldNum" sz="quarter" idx="12"/>
+          </p:nvPr>
+        </p:nvSpPr>
+        <p:spPr bwMode="auto">
+          <a:xfrm>
+            <a:off x="203200" y="6400800"/>
+            <a:ext cx="2133600" cy="365125"/>
+          </a:xfrm>
+          <a:noFill/>
+          <a:extLst>
+            <a:ext uri="{909E8E84-426E-40dd-AFC4-6F175D3DCCD1}">
+              <a14:hiddenFill xmlns:a14="http://schemas.microsoft.com/office/drawing/2010/main">
+                <a:solidFill>
+                  <a:srgbClr val="FFFFFF"/>
+                </a:solidFill>
+              </a14:hiddenFill>
+            </a:ext>
+            <a:ext uri="{91240B29-F687-4f45-9708-019B960494DF}">
+              <a14:hiddenLine xmlns:a14="http://schemas.microsoft.com/office/drawing/2010/main" w="9525">
+                <a:solidFill>
+                  <a:srgbClr val="000000"/>
+                </a:solidFill>
+                <a:miter lim="800000"/>
+                <a:headEnd/>
+                <a:tailEnd/>
+              </a14:hiddenLine>
+            </a:ext>
+          </a:extLst>
+        </p:spPr>
+        <p:txBody>
+          <a:bodyPr vert="horz" wrap="square" lIns="91440" tIns="45720" rIns="91440" bIns="45720" numCol="1" anchor="ctr" anchorCtr="0" compatLnSpc="1">
+            <a:prstTxWarp prst="textNoShape">
+              <a:avLst/>
+            </a:prstTxWarp>
+          </a:bodyPr>
+          <a:lstStyle>
+            <a:lvl1pPr eaLnBrk="0" hangingPunct="0">
+              <a:defRPr sz="2400">
+                <a:solidFill>
+                  <a:schemeClr val="tx1"/>
+                </a:solidFill>
+                <a:latin typeface="Trebuchet MS" charset="0"/>
+                <a:ea typeface="ＭＳ Ｐゴシック" charset="0"/>
+                <a:cs typeface="ＭＳ Ｐゴシック" charset="0"/>
+              </a:defRPr>
+            </a:lvl1pPr>
+            <a:lvl2pPr marL="742950" indent="-285750" eaLnBrk="0" hangingPunct="0">
+              <a:defRPr sz="2400">
+                <a:solidFill>
+                  <a:schemeClr val="tx1"/>
+                </a:solidFill>
+                <a:latin typeface="Trebuchet MS" charset="0"/>
+                <a:ea typeface="ＭＳ Ｐゴシック" charset="0"/>
+              </a:defRPr>
+            </a:lvl2pPr>
+            <a:lvl3pPr marL="1143000" indent="-228600" eaLnBrk="0" hangingPunct="0">
+              <a:defRPr sz="2400">
+                <a:solidFill>
+                  <a:schemeClr val="tx1"/>
+                </a:solidFill>
+                <a:latin typeface="Trebuchet MS" charset="0"/>
+                <a:ea typeface="ＭＳ Ｐゴシック" charset="0"/>
+              </a:defRPr>
+            </a:lvl3pPr>
+            <a:lvl4pPr marL="1600200" indent="-228600" eaLnBrk="0" hangingPunct="0">
+              <a:defRPr sz="2400">
+                <a:solidFill>
+                  <a:schemeClr val="tx1"/>
+                </a:solidFill>
+                <a:latin typeface="Trebuchet MS" charset="0"/>
+                <a:ea typeface="ＭＳ Ｐゴシック" charset="0"/>
+              </a:defRPr>
+            </a:lvl4pPr>
+            <a:lvl5pPr marL="2057400" indent="-228600" eaLnBrk="0" hangingPunct="0">
+              <a:defRPr sz="2400">
+                <a:solidFill>
+                  <a:schemeClr val="tx1"/>
+                </a:solidFill>
+                <a:latin typeface="Trebuchet MS" charset="0"/>
+                <a:ea typeface="ＭＳ Ｐゴシック" charset="0"/>
+              </a:defRPr>
+            </a:lvl5pPr>
+            <a:lvl6pPr marL="2514600" indent="-228600" eaLnBrk="0" fontAlgn="base" hangingPunct="0">
+              <a:spcBef>
+                <a:spcPct val="0"/>
+              </a:spcBef>
+              <a:spcAft>
+                <a:spcPct val="0"/>
+              </a:spcAft>
+              <a:defRPr sz="2400">
+                <a:solidFill>
+                  <a:schemeClr val="tx1"/>
+                </a:solidFill>
+                <a:latin typeface="Trebuchet MS" charset="0"/>
+                <a:ea typeface="ＭＳ Ｐゴシック" charset="0"/>
+              </a:defRPr>
+            </a:lvl6pPr>
+            <a:lvl7pPr marL="2971800" indent="-228600" eaLnBrk="0" fontAlgn="base" hangingPunct="0">
+              <a:spcBef>
+                <a:spcPct val="0"/>
+              </a:spcBef>
+              <a:spcAft>
+                <a:spcPct val="0"/>
+              </a:spcAft>
+              <a:defRPr sz="2400">
+                <a:solidFill>
+                  <a:schemeClr val="tx1"/>
+                </a:solidFill>
+                <a:latin typeface="Trebuchet MS" charset="0"/>
+                <a:ea typeface="ＭＳ Ｐゴシック" charset="0"/>
+              </a:defRPr>
+            </a:lvl7pPr>
+            <a:lvl8pPr marL="3429000" indent="-228600" eaLnBrk="0" fontAlgn="base" hangingPunct="0">
+              <a:spcBef>
+                <a:spcPct val="0"/>
+              </a:spcBef>
+              <a:spcAft>
+                <a:spcPct val="0"/>
+              </a:spcAft>
+              <a:defRPr sz="2400">
+                <a:solidFill>
+                  <a:schemeClr val="tx1"/>
+                </a:solidFill>
+                <a:latin typeface="Trebuchet MS" charset="0"/>
+                <a:ea typeface="ＭＳ Ｐゴシック" charset="0"/>
+              </a:defRPr>
+            </a:lvl8pPr>
+            <a:lvl9pPr marL="3886200" indent="-228600" eaLnBrk="0" fontAlgn="base" hangingPunct="0">
+              <a:spcBef>
+                <a:spcPct val="0"/>
+              </a:spcBef>
+              <a:spcAft>
+                <a:spcPct val="0"/>
+              </a:spcAft>
+              <a:defRPr sz="2400">
+                <a:solidFill>
+                  <a:schemeClr val="tx1"/>
+                </a:solidFill>
+                <a:latin typeface="Trebuchet MS" charset="0"/>
+                <a:ea typeface="ＭＳ Ｐゴシック" charset="0"/>
+              </a:defRPr>
+            </a:lvl9pPr>
+          </a:lstStyle>
+          <a:p>
+            <a:pPr algn="l" eaLnBrk="1" hangingPunct="1"/>
+            <a:r>
+              <a:rPr lang="en-US" sz="1200" b="1" dirty="0">
+                <a:solidFill>
+                  <a:srgbClr val="122956"/>
+                </a:solidFill>
+                <a:cs typeface="Trebuchet MS" charset="0"/>
+              </a:rPr>
+              <a:t>4</a:t>
+            </a:r>
+            <a:r>
+              <a:rPr lang="en-US" sz="1200" b="1" dirty="0" smtClean="0">
+                <a:solidFill>
+                  <a:srgbClr val="122956"/>
+                </a:solidFill>
+                <a:cs typeface="Trebuchet MS" charset="0"/>
+              </a:rPr>
+              <a:t>-</a:t>
+            </a:r>
+            <a:fld id="{31B56995-E14C-B64F-86C9-12D6DB74A41E}" type="slidenum">
+              <a:rPr lang="en-US" sz="1200" b="1">
+                <a:solidFill>
+                  <a:srgbClr val="122956"/>
+                </a:solidFill>
+                <a:cs typeface="Trebuchet MS" charset="0"/>
+              </a:rPr>
+              <a:pPr algn="l" eaLnBrk="1" hangingPunct="1"/>
+              <a:t>10</a:t>
+            </a:fld>
+            <a:endParaRPr lang="en-US" sz="1200" b="1" dirty="0">
+              <a:solidFill>
+                <a:srgbClr val="122956"/>
+              </a:solidFill>
+              <a:cs typeface="Trebuchet MS" charset="0"/>
+            </a:endParaRPr>
+          </a:p>
+        </p:txBody>
+      </p:sp>
       <p:sp>
         <p:nvSpPr>
           <p:cNvPr id="2" name="Title 1"/>
@@ -9187,6 +9534,195 @@
           </a:p>
         </p:txBody>
       </p:sp>
+      <p:sp>
+        <p:nvSpPr>
+          <p:cNvPr id="8" name="Slide Number Placeholder 5"/>
+          <p:cNvSpPr>
+            <a:spLocks noGrp="1"/>
+          </p:cNvSpPr>
+          <p:nvPr>
+            <p:ph type="sldNum" sz="quarter" idx="12"/>
+          </p:nvPr>
+        </p:nvSpPr>
+        <p:spPr bwMode="auto">
+          <a:xfrm>
+            <a:off x="203200" y="6400800"/>
+            <a:ext cx="2133600" cy="365125"/>
+          </a:xfrm>
+          <a:noFill/>
+          <a:extLst>
+            <a:ext uri="{909E8E84-426E-40dd-AFC4-6F175D3DCCD1}">
+              <a14:hiddenFill xmlns:a14="http://schemas.microsoft.com/office/drawing/2010/main">
+                <a:solidFill>
+                  <a:srgbClr val="FFFFFF"/>
+                </a:solidFill>
+              </a14:hiddenFill>
+            </a:ext>
+            <a:ext uri="{91240B29-F687-4f45-9708-019B960494DF}">
+              <a14:hiddenLine xmlns:a14="http://schemas.microsoft.com/office/drawing/2010/main" w="9525">
+                <a:solidFill>
+                  <a:srgbClr val="000000"/>
+                </a:solidFill>
+                <a:miter lim="800000"/>
+                <a:headEnd/>
+                <a:tailEnd/>
+              </a14:hiddenLine>
+            </a:ext>
+          </a:extLst>
+        </p:spPr>
+        <p:txBody>
+          <a:bodyPr vert="horz" wrap="square" lIns="91440" tIns="45720" rIns="91440" bIns="45720" numCol="1" anchor="ctr" anchorCtr="0" compatLnSpc="1">
+            <a:prstTxWarp prst="textNoShape">
+              <a:avLst/>
+            </a:prstTxWarp>
+          </a:bodyPr>
+          <a:lstStyle>
+            <a:lvl1pPr eaLnBrk="0" hangingPunct="0">
+              <a:defRPr sz="2400">
+                <a:solidFill>
+                  <a:schemeClr val="tx1"/>
+                </a:solidFill>
+                <a:latin typeface="Trebuchet MS" charset="0"/>
+                <a:ea typeface="ＭＳ Ｐゴシック" charset="0"/>
+                <a:cs typeface="ＭＳ Ｐゴシック" charset="0"/>
+              </a:defRPr>
+            </a:lvl1pPr>
+            <a:lvl2pPr marL="742950" indent="-285750" eaLnBrk="0" hangingPunct="0">
+              <a:defRPr sz="2400">
+                <a:solidFill>
+                  <a:schemeClr val="tx1"/>
+                </a:solidFill>
+                <a:latin typeface="Trebuchet MS" charset="0"/>
+                <a:ea typeface="ＭＳ Ｐゴシック" charset="0"/>
+              </a:defRPr>
+            </a:lvl2pPr>
+            <a:lvl3pPr marL="1143000" indent="-228600" eaLnBrk="0" hangingPunct="0">
+              <a:defRPr sz="2400">
+                <a:solidFill>
+                  <a:schemeClr val="tx1"/>
+                </a:solidFill>
+                <a:latin typeface="Trebuchet MS" charset="0"/>
+                <a:ea typeface="ＭＳ Ｐゴシック" charset="0"/>
+              </a:defRPr>
+            </a:lvl3pPr>
+            <a:lvl4pPr marL="1600200" indent="-228600" eaLnBrk="0" hangingPunct="0">
+              <a:defRPr sz="2400">
+                <a:solidFill>
+                  <a:schemeClr val="tx1"/>
+                </a:solidFill>
+                <a:latin typeface="Trebuchet MS" charset="0"/>
+                <a:ea typeface="ＭＳ Ｐゴシック" charset="0"/>
+              </a:defRPr>
+            </a:lvl4pPr>
+            <a:lvl5pPr marL="2057400" indent="-228600" eaLnBrk="0" hangingPunct="0">
+              <a:defRPr sz="2400">
+                <a:solidFill>
+                  <a:schemeClr val="tx1"/>
+                </a:solidFill>
+                <a:latin typeface="Trebuchet MS" charset="0"/>
+                <a:ea typeface="ＭＳ Ｐゴシック" charset="0"/>
+              </a:defRPr>
+            </a:lvl5pPr>
+            <a:lvl6pPr marL="2514600" indent="-228600" eaLnBrk="0" fontAlgn="base" hangingPunct="0">
+              <a:spcBef>
+                <a:spcPct val="0"/>
+              </a:spcBef>
+              <a:spcAft>
+                <a:spcPct val="0"/>
+              </a:spcAft>
+              <a:defRPr sz="2400">
+                <a:solidFill>
+                  <a:schemeClr val="tx1"/>
+                </a:solidFill>
+                <a:latin typeface="Trebuchet MS" charset="0"/>
+                <a:ea typeface="ＭＳ Ｐゴシック" charset="0"/>
+              </a:defRPr>
+            </a:lvl6pPr>
+            <a:lvl7pPr marL="2971800" indent="-228600" eaLnBrk="0" fontAlgn="base" hangingPunct="0">
+              <a:spcBef>
+                <a:spcPct val="0"/>
+              </a:spcBef>
+              <a:spcAft>
+                <a:spcPct val="0"/>
+              </a:spcAft>
+              <a:defRPr sz="2400">
+                <a:solidFill>
+                  <a:schemeClr val="tx1"/>
+                </a:solidFill>
+                <a:latin typeface="Trebuchet MS" charset="0"/>
+                <a:ea typeface="ＭＳ Ｐゴシック" charset="0"/>
+              </a:defRPr>
+            </a:lvl7pPr>
+            <a:lvl8pPr marL="3429000" indent="-228600" eaLnBrk="0" fontAlgn="base" hangingPunct="0">
+              <a:spcBef>
+                <a:spcPct val="0"/>
+              </a:spcBef>
+              <a:spcAft>
+                <a:spcPct val="0"/>
+              </a:spcAft>
+              <a:defRPr sz="2400">
+                <a:solidFill>
+                  <a:schemeClr val="tx1"/>
+                </a:solidFill>
+                <a:latin typeface="Trebuchet MS" charset="0"/>
+                <a:ea typeface="ＭＳ Ｐゴシック" charset="0"/>
+              </a:defRPr>
+            </a:lvl8pPr>
+            <a:lvl9pPr marL="3886200" indent="-228600" eaLnBrk="0" fontAlgn="base" hangingPunct="0">
+              <a:spcBef>
+                <a:spcPct val="0"/>
+              </a:spcBef>
+              <a:spcAft>
+                <a:spcPct val="0"/>
+              </a:spcAft>
+              <a:defRPr sz="2400">
+                <a:solidFill>
+                  <a:schemeClr val="tx1"/>
+                </a:solidFill>
+                <a:latin typeface="Trebuchet MS" charset="0"/>
+                <a:ea typeface="ＭＳ Ｐゴシック" charset="0"/>
+              </a:defRPr>
+            </a:lvl9pPr>
+          </a:lstStyle>
+          <a:p>
+            <a:pPr algn="l" eaLnBrk="1" hangingPunct="1"/>
+            <a:r>
+              <a:rPr lang="en-US" sz="1200" b="1" dirty="0">
+                <a:solidFill>
+                  <a:srgbClr val="122956"/>
+                </a:solidFill>
+                <a:cs typeface="Trebuchet MS" charset="0"/>
+              </a:rPr>
+              <a:t>4</a:t>
+            </a:r>
+            <a:r>
+              <a:rPr lang="en-US" sz="1200" b="1" dirty="0" smtClean="0">
+                <a:solidFill>
+                  <a:srgbClr val="122956"/>
+                </a:solidFill>
+                <a:cs typeface="Trebuchet MS" charset="0"/>
+              </a:rPr>
+              <a:t>-</a:t>
+            </a:r>
+            <a:fld id="{31B56995-E14C-B64F-86C9-12D6DB74A41E}" type="slidenum">
+              <a:rPr lang="en-US" sz="1200" b="1">
+                <a:solidFill>
+                  <a:srgbClr val="122956"/>
+                </a:solidFill>
+                <a:cs typeface="Trebuchet MS" charset="0"/>
+              </a:rPr>
+              <a:pPr algn="l" eaLnBrk="1" hangingPunct="1"/>
+              <a:t>11</a:t>
+            </a:fld>
+            <a:endParaRPr lang="en-US" sz="1200" b="1" dirty="0">
+              <a:solidFill>
+                <a:srgbClr val="122956"/>
+              </a:solidFill>
+              <a:cs typeface="Trebuchet MS" charset="0"/>
+            </a:endParaRPr>
+          </a:p>
+        </p:txBody>
+      </p:sp>
     </p:spTree>
     <p:extLst>
       <p:ext uri="{BB962C8B-B14F-4D97-AF65-F5344CB8AC3E}">
@@ -9662,6 +10198,195 @@
           </a:extLst>
         </p:spPr>
       </p:pic>
+      <p:sp>
+        <p:nvSpPr>
+          <p:cNvPr id="10" name="Slide Number Placeholder 5"/>
+          <p:cNvSpPr>
+            <a:spLocks noGrp="1"/>
+          </p:cNvSpPr>
+          <p:nvPr>
+            <p:ph type="sldNum" sz="quarter" idx="12"/>
+          </p:nvPr>
+        </p:nvSpPr>
+        <p:spPr bwMode="auto">
+          <a:xfrm>
+            <a:off x="203200" y="6400800"/>
+            <a:ext cx="2133600" cy="365125"/>
+          </a:xfrm>
+          <a:noFill/>
+          <a:extLst>
+            <a:ext uri="{909E8E84-426E-40dd-AFC4-6F175D3DCCD1}">
+              <a14:hiddenFill xmlns:a14="http://schemas.microsoft.com/office/drawing/2010/main">
+                <a:solidFill>
+                  <a:srgbClr val="FFFFFF"/>
+                </a:solidFill>
+              </a14:hiddenFill>
+            </a:ext>
+            <a:ext uri="{91240B29-F687-4f45-9708-019B960494DF}">
+              <a14:hiddenLine xmlns:a14="http://schemas.microsoft.com/office/drawing/2010/main" w="9525">
+                <a:solidFill>
+                  <a:srgbClr val="000000"/>
+                </a:solidFill>
+                <a:miter lim="800000"/>
+                <a:headEnd/>
+                <a:tailEnd/>
+              </a14:hiddenLine>
+            </a:ext>
+          </a:extLst>
+        </p:spPr>
+        <p:txBody>
+          <a:bodyPr vert="horz" wrap="square" lIns="91440" tIns="45720" rIns="91440" bIns="45720" numCol="1" anchor="ctr" anchorCtr="0" compatLnSpc="1">
+            <a:prstTxWarp prst="textNoShape">
+              <a:avLst/>
+            </a:prstTxWarp>
+          </a:bodyPr>
+          <a:lstStyle>
+            <a:lvl1pPr eaLnBrk="0" hangingPunct="0">
+              <a:defRPr sz="2400">
+                <a:solidFill>
+                  <a:schemeClr val="tx1"/>
+                </a:solidFill>
+                <a:latin typeface="Trebuchet MS" charset="0"/>
+                <a:ea typeface="ＭＳ Ｐゴシック" charset="0"/>
+                <a:cs typeface="ＭＳ Ｐゴシック" charset="0"/>
+              </a:defRPr>
+            </a:lvl1pPr>
+            <a:lvl2pPr marL="742950" indent="-285750" eaLnBrk="0" hangingPunct="0">
+              <a:defRPr sz="2400">
+                <a:solidFill>
+                  <a:schemeClr val="tx1"/>
+                </a:solidFill>
+                <a:latin typeface="Trebuchet MS" charset="0"/>
+                <a:ea typeface="ＭＳ Ｐゴシック" charset="0"/>
+              </a:defRPr>
+            </a:lvl2pPr>
+            <a:lvl3pPr marL="1143000" indent="-228600" eaLnBrk="0" hangingPunct="0">
+              <a:defRPr sz="2400">
+                <a:solidFill>
+                  <a:schemeClr val="tx1"/>
+                </a:solidFill>
+                <a:latin typeface="Trebuchet MS" charset="0"/>
+                <a:ea typeface="ＭＳ Ｐゴシック" charset="0"/>
+              </a:defRPr>
+            </a:lvl3pPr>
+            <a:lvl4pPr marL="1600200" indent="-228600" eaLnBrk="0" hangingPunct="0">
+              <a:defRPr sz="2400">
+                <a:solidFill>
+                  <a:schemeClr val="tx1"/>
+                </a:solidFill>
+                <a:latin typeface="Trebuchet MS" charset="0"/>
+                <a:ea typeface="ＭＳ Ｐゴシック" charset="0"/>
+              </a:defRPr>
+            </a:lvl4pPr>
+            <a:lvl5pPr marL="2057400" indent="-228600" eaLnBrk="0" hangingPunct="0">
+              <a:defRPr sz="2400">
+                <a:solidFill>
+                  <a:schemeClr val="tx1"/>
+                </a:solidFill>
+                <a:latin typeface="Trebuchet MS" charset="0"/>
+                <a:ea typeface="ＭＳ Ｐゴシック" charset="0"/>
+              </a:defRPr>
+            </a:lvl5pPr>
+            <a:lvl6pPr marL="2514600" indent="-228600" eaLnBrk="0" fontAlgn="base" hangingPunct="0">
+              <a:spcBef>
+                <a:spcPct val="0"/>
+              </a:spcBef>
+              <a:spcAft>
+                <a:spcPct val="0"/>
+              </a:spcAft>
+              <a:defRPr sz="2400">
+                <a:solidFill>
+                  <a:schemeClr val="tx1"/>
+                </a:solidFill>
+                <a:latin typeface="Trebuchet MS" charset="0"/>
+                <a:ea typeface="ＭＳ Ｐゴシック" charset="0"/>
+              </a:defRPr>
+            </a:lvl6pPr>
+            <a:lvl7pPr marL="2971800" indent="-228600" eaLnBrk="0" fontAlgn="base" hangingPunct="0">
+              <a:spcBef>
+                <a:spcPct val="0"/>
+              </a:spcBef>
+              <a:spcAft>
+                <a:spcPct val="0"/>
+              </a:spcAft>
+              <a:defRPr sz="2400">
+                <a:solidFill>
+                  <a:schemeClr val="tx1"/>
+                </a:solidFill>
+                <a:latin typeface="Trebuchet MS" charset="0"/>
+                <a:ea typeface="ＭＳ Ｐゴシック" charset="0"/>
+              </a:defRPr>
+            </a:lvl7pPr>
+            <a:lvl8pPr marL="3429000" indent="-228600" eaLnBrk="0" fontAlgn="base" hangingPunct="0">
+              <a:spcBef>
+                <a:spcPct val="0"/>
+              </a:spcBef>
+              <a:spcAft>
+                <a:spcPct val="0"/>
+              </a:spcAft>
+              <a:defRPr sz="2400">
+                <a:solidFill>
+                  <a:schemeClr val="tx1"/>
+                </a:solidFill>
+                <a:latin typeface="Trebuchet MS" charset="0"/>
+                <a:ea typeface="ＭＳ Ｐゴシック" charset="0"/>
+              </a:defRPr>
+            </a:lvl8pPr>
+            <a:lvl9pPr marL="3886200" indent="-228600" eaLnBrk="0" fontAlgn="base" hangingPunct="0">
+              <a:spcBef>
+                <a:spcPct val="0"/>
+              </a:spcBef>
+              <a:spcAft>
+                <a:spcPct val="0"/>
+              </a:spcAft>
+              <a:defRPr sz="2400">
+                <a:solidFill>
+                  <a:schemeClr val="tx1"/>
+                </a:solidFill>
+                <a:latin typeface="Trebuchet MS" charset="0"/>
+                <a:ea typeface="ＭＳ Ｐゴシック" charset="0"/>
+              </a:defRPr>
+            </a:lvl9pPr>
+          </a:lstStyle>
+          <a:p>
+            <a:pPr algn="l" eaLnBrk="1" hangingPunct="1"/>
+            <a:r>
+              <a:rPr lang="en-US" sz="1200" b="1" dirty="0">
+                <a:solidFill>
+                  <a:srgbClr val="122956"/>
+                </a:solidFill>
+                <a:cs typeface="Trebuchet MS" charset="0"/>
+              </a:rPr>
+              <a:t>4</a:t>
+            </a:r>
+            <a:r>
+              <a:rPr lang="en-US" sz="1200" b="1" dirty="0" smtClean="0">
+                <a:solidFill>
+                  <a:srgbClr val="122956"/>
+                </a:solidFill>
+                <a:cs typeface="Trebuchet MS" charset="0"/>
+              </a:rPr>
+              <a:t>-</a:t>
+            </a:r>
+            <a:fld id="{31B56995-E14C-B64F-86C9-12D6DB74A41E}" type="slidenum">
+              <a:rPr lang="en-US" sz="1200" b="1">
+                <a:solidFill>
+                  <a:srgbClr val="122956"/>
+                </a:solidFill>
+                <a:cs typeface="Trebuchet MS" charset="0"/>
+              </a:rPr>
+              <a:pPr algn="l" eaLnBrk="1" hangingPunct="1"/>
+              <a:t>12</a:t>
+            </a:fld>
+            <a:endParaRPr lang="en-US" sz="1200" b="1" dirty="0">
+              <a:solidFill>
+                <a:srgbClr val="122956"/>
+              </a:solidFill>
+              <a:cs typeface="Trebuchet MS" charset="0"/>
+            </a:endParaRPr>
+          </a:p>
+        </p:txBody>
+      </p:sp>
     </p:spTree>
     <p:extLst>
       <p:ext uri="{BB962C8B-B14F-4D97-AF65-F5344CB8AC3E}">
@@ -10962,6 +11687,195 @@
           </p:txBody>
         </p:sp>
       </p:grpSp>
+      <p:sp>
+        <p:nvSpPr>
+          <p:cNvPr id="20" name="Slide Number Placeholder 5"/>
+          <p:cNvSpPr>
+            <a:spLocks noGrp="1"/>
+          </p:cNvSpPr>
+          <p:nvPr>
+            <p:ph type="sldNum" sz="quarter" idx="12"/>
+          </p:nvPr>
+        </p:nvSpPr>
+        <p:spPr bwMode="auto">
+          <a:xfrm>
+            <a:off x="203200" y="6400800"/>
+            <a:ext cx="2133600" cy="365125"/>
+          </a:xfrm>
+          <a:noFill/>
+          <a:extLst>
+            <a:ext uri="{909E8E84-426E-40dd-AFC4-6F175D3DCCD1}">
+              <a14:hiddenFill xmlns:a14="http://schemas.microsoft.com/office/drawing/2010/main">
+                <a:solidFill>
+                  <a:srgbClr val="FFFFFF"/>
+                </a:solidFill>
+              </a14:hiddenFill>
+            </a:ext>
+            <a:ext uri="{91240B29-F687-4f45-9708-019B960494DF}">
+              <a14:hiddenLine xmlns:a14="http://schemas.microsoft.com/office/drawing/2010/main" w="9525">
+                <a:solidFill>
+                  <a:srgbClr val="000000"/>
+                </a:solidFill>
+                <a:miter lim="800000"/>
+                <a:headEnd/>
+                <a:tailEnd/>
+              </a14:hiddenLine>
+            </a:ext>
+          </a:extLst>
+        </p:spPr>
+        <p:txBody>
+          <a:bodyPr vert="horz" wrap="square" lIns="91440" tIns="45720" rIns="91440" bIns="45720" numCol="1" anchor="ctr" anchorCtr="0" compatLnSpc="1">
+            <a:prstTxWarp prst="textNoShape">
+              <a:avLst/>
+            </a:prstTxWarp>
+          </a:bodyPr>
+          <a:lstStyle>
+            <a:lvl1pPr eaLnBrk="0" hangingPunct="0">
+              <a:defRPr sz="2400">
+                <a:solidFill>
+                  <a:schemeClr val="tx1"/>
+                </a:solidFill>
+                <a:latin typeface="Trebuchet MS" charset="0"/>
+                <a:ea typeface="ＭＳ Ｐゴシック" charset="0"/>
+                <a:cs typeface="ＭＳ Ｐゴシック" charset="0"/>
+              </a:defRPr>
+            </a:lvl1pPr>
+            <a:lvl2pPr marL="742950" indent="-285750" eaLnBrk="0" hangingPunct="0">
+              <a:defRPr sz="2400">
+                <a:solidFill>
+                  <a:schemeClr val="tx1"/>
+                </a:solidFill>
+                <a:latin typeface="Trebuchet MS" charset="0"/>
+                <a:ea typeface="ＭＳ Ｐゴシック" charset="0"/>
+              </a:defRPr>
+            </a:lvl2pPr>
+            <a:lvl3pPr marL="1143000" indent="-228600" eaLnBrk="0" hangingPunct="0">
+              <a:defRPr sz="2400">
+                <a:solidFill>
+                  <a:schemeClr val="tx1"/>
+                </a:solidFill>
+                <a:latin typeface="Trebuchet MS" charset="0"/>
+                <a:ea typeface="ＭＳ Ｐゴシック" charset="0"/>
+              </a:defRPr>
+            </a:lvl3pPr>
+            <a:lvl4pPr marL="1600200" indent="-228600" eaLnBrk="0" hangingPunct="0">
+              <a:defRPr sz="2400">
+                <a:solidFill>
+                  <a:schemeClr val="tx1"/>
+                </a:solidFill>
+                <a:latin typeface="Trebuchet MS" charset="0"/>
+                <a:ea typeface="ＭＳ Ｐゴシック" charset="0"/>
+              </a:defRPr>
+            </a:lvl4pPr>
+            <a:lvl5pPr marL="2057400" indent="-228600" eaLnBrk="0" hangingPunct="0">
+              <a:defRPr sz="2400">
+                <a:solidFill>
+                  <a:schemeClr val="tx1"/>
+                </a:solidFill>
+                <a:latin typeface="Trebuchet MS" charset="0"/>
+                <a:ea typeface="ＭＳ Ｐゴシック" charset="0"/>
+              </a:defRPr>
+            </a:lvl5pPr>
+            <a:lvl6pPr marL="2514600" indent="-228600" eaLnBrk="0" fontAlgn="base" hangingPunct="0">
+              <a:spcBef>
+                <a:spcPct val="0"/>
+              </a:spcBef>
+              <a:spcAft>
+                <a:spcPct val="0"/>
+              </a:spcAft>
+              <a:defRPr sz="2400">
+                <a:solidFill>
+                  <a:schemeClr val="tx1"/>
+                </a:solidFill>
+                <a:latin typeface="Trebuchet MS" charset="0"/>
+                <a:ea typeface="ＭＳ Ｐゴシック" charset="0"/>
+              </a:defRPr>
+            </a:lvl6pPr>
+            <a:lvl7pPr marL="2971800" indent="-228600" eaLnBrk="0" fontAlgn="base" hangingPunct="0">
+              <a:spcBef>
+                <a:spcPct val="0"/>
+              </a:spcBef>
+              <a:spcAft>
+                <a:spcPct val="0"/>
+              </a:spcAft>
+              <a:defRPr sz="2400">
+                <a:solidFill>
+                  <a:schemeClr val="tx1"/>
+                </a:solidFill>
+                <a:latin typeface="Trebuchet MS" charset="0"/>
+                <a:ea typeface="ＭＳ Ｐゴシック" charset="0"/>
+              </a:defRPr>
+            </a:lvl7pPr>
+            <a:lvl8pPr marL="3429000" indent="-228600" eaLnBrk="0" fontAlgn="base" hangingPunct="0">
+              <a:spcBef>
+                <a:spcPct val="0"/>
+              </a:spcBef>
+              <a:spcAft>
+                <a:spcPct val="0"/>
+              </a:spcAft>
+              <a:defRPr sz="2400">
+                <a:solidFill>
+                  <a:schemeClr val="tx1"/>
+                </a:solidFill>
+                <a:latin typeface="Trebuchet MS" charset="0"/>
+                <a:ea typeface="ＭＳ Ｐゴシック" charset="0"/>
+              </a:defRPr>
+            </a:lvl8pPr>
+            <a:lvl9pPr marL="3886200" indent="-228600" eaLnBrk="0" fontAlgn="base" hangingPunct="0">
+              <a:spcBef>
+                <a:spcPct val="0"/>
+              </a:spcBef>
+              <a:spcAft>
+                <a:spcPct val="0"/>
+              </a:spcAft>
+              <a:defRPr sz="2400">
+                <a:solidFill>
+                  <a:schemeClr val="tx1"/>
+                </a:solidFill>
+                <a:latin typeface="Trebuchet MS" charset="0"/>
+                <a:ea typeface="ＭＳ Ｐゴシック" charset="0"/>
+              </a:defRPr>
+            </a:lvl9pPr>
+          </a:lstStyle>
+          <a:p>
+            <a:pPr algn="l" eaLnBrk="1" hangingPunct="1"/>
+            <a:r>
+              <a:rPr lang="en-US" sz="1200" b="1" dirty="0">
+                <a:solidFill>
+                  <a:srgbClr val="122956"/>
+                </a:solidFill>
+                <a:cs typeface="Trebuchet MS" charset="0"/>
+              </a:rPr>
+              <a:t>4</a:t>
+            </a:r>
+            <a:r>
+              <a:rPr lang="en-US" sz="1200" b="1" dirty="0" smtClean="0">
+                <a:solidFill>
+                  <a:srgbClr val="122956"/>
+                </a:solidFill>
+                <a:cs typeface="Trebuchet MS" charset="0"/>
+              </a:rPr>
+              <a:t>-</a:t>
+            </a:r>
+            <a:fld id="{31B56995-E14C-B64F-86C9-12D6DB74A41E}" type="slidenum">
+              <a:rPr lang="en-US" sz="1200" b="1">
+                <a:solidFill>
+                  <a:srgbClr val="122956"/>
+                </a:solidFill>
+                <a:cs typeface="Trebuchet MS" charset="0"/>
+              </a:rPr>
+              <a:pPr algn="l" eaLnBrk="1" hangingPunct="1"/>
+              <a:t>13</a:t>
+            </a:fld>
+            <a:endParaRPr lang="en-US" sz="1200" b="1" dirty="0">
+              <a:solidFill>
+                <a:srgbClr val="122956"/>
+              </a:solidFill>
+              <a:cs typeface="Trebuchet MS" charset="0"/>
+            </a:endParaRPr>
+          </a:p>
+        </p:txBody>
+      </p:sp>
     </p:spTree>
     <p:extLst>
       <p:ext uri="{BB962C8B-B14F-4D97-AF65-F5344CB8AC3E}">
@@ -12492,6 +13406,195 @@
           </a:p>
         </p:txBody>
       </p:sp>
+      <p:sp>
+        <p:nvSpPr>
+          <p:cNvPr id="7" name="Slide Number Placeholder 5"/>
+          <p:cNvSpPr>
+            <a:spLocks noGrp="1"/>
+          </p:cNvSpPr>
+          <p:nvPr>
+            <p:ph type="sldNum" sz="quarter" idx="12"/>
+          </p:nvPr>
+        </p:nvSpPr>
+        <p:spPr bwMode="auto">
+          <a:xfrm>
+            <a:off x="203200" y="6400800"/>
+            <a:ext cx="2133600" cy="365125"/>
+          </a:xfrm>
+          <a:noFill/>
+          <a:extLst>
+            <a:ext uri="{909E8E84-426E-40dd-AFC4-6F175D3DCCD1}">
+              <a14:hiddenFill xmlns:a14="http://schemas.microsoft.com/office/drawing/2010/main">
+                <a:solidFill>
+                  <a:srgbClr val="FFFFFF"/>
+                </a:solidFill>
+              </a14:hiddenFill>
+            </a:ext>
+            <a:ext uri="{91240B29-F687-4f45-9708-019B960494DF}">
+              <a14:hiddenLine xmlns:a14="http://schemas.microsoft.com/office/drawing/2010/main" w="9525">
+                <a:solidFill>
+                  <a:srgbClr val="000000"/>
+                </a:solidFill>
+                <a:miter lim="800000"/>
+                <a:headEnd/>
+                <a:tailEnd/>
+              </a14:hiddenLine>
+            </a:ext>
+          </a:extLst>
+        </p:spPr>
+        <p:txBody>
+          <a:bodyPr vert="horz" wrap="square" lIns="91440" tIns="45720" rIns="91440" bIns="45720" numCol="1" anchor="ctr" anchorCtr="0" compatLnSpc="1">
+            <a:prstTxWarp prst="textNoShape">
+              <a:avLst/>
+            </a:prstTxWarp>
+          </a:bodyPr>
+          <a:lstStyle>
+            <a:lvl1pPr eaLnBrk="0" hangingPunct="0">
+              <a:defRPr sz="2400">
+                <a:solidFill>
+                  <a:schemeClr val="tx1"/>
+                </a:solidFill>
+                <a:latin typeface="Trebuchet MS" charset="0"/>
+                <a:ea typeface="ＭＳ Ｐゴシック" charset="0"/>
+                <a:cs typeface="ＭＳ Ｐゴシック" charset="0"/>
+              </a:defRPr>
+            </a:lvl1pPr>
+            <a:lvl2pPr marL="742950" indent="-285750" eaLnBrk="0" hangingPunct="0">
+              <a:defRPr sz="2400">
+                <a:solidFill>
+                  <a:schemeClr val="tx1"/>
+                </a:solidFill>
+                <a:latin typeface="Trebuchet MS" charset="0"/>
+                <a:ea typeface="ＭＳ Ｐゴシック" charset="0"/>
+              </a:defRPr>
+            </a:lvl2pPr>
+            <a:lvl3pPr marL="1143000" indent="-228600" eaLnBrk="0" hangingPunct="0">
+              <a:defRPr sz="2400">
+                <a:solidFill>
+                  <a:schemeClr val="tx1"/>
+                </a:solidFill>
+                <a:latin typeface="Trebuchet MS" charset="0"/>
+                <a:ea typeface="ＭＳ Ｐゴシック" charset="0"/>
+              </a:defRPr>
+            </a:lvl3pPr>
+            <a:lvl4pPr marL="1600200" indent="-228600" eaLnBrk="0" hangingPunct="0">
+              <a:defRPr sz="2400">
+                <a:solidFill>
+                  <a:schemeClr val="tx1"/>
+                </a:solidFill>
+                <a:latin typeface="Trebuchet MS" charset="0"/>
+                <a:ea typeface="ＭＳ Ｐゴシック" charset="0"/>
+              </a:defRPr>
+            </a:lvl4pPr>
+            <a:lvl5pPr marL="2057400" indent="-228600" eaLnBrk="0" hangingPunct="0">
+              <a:defRPr sz="2400">
+                <a:solidFill>
+                  <a:schemeClr val="tx1"/>
+                </a:solidFill>
+                <a:latin typeface="Trebuchet MS" charset="0"/>
+                <a:ea typeface="ＭＳ Ｐゴシック" charset="0"/>
+              </a:defRPr>
+            </a:lvl5pPr>
+            <a:lvl6pPr marL="2514600" indent="-228600" eaLnBrk="0" fontAlgn="base" hangingPunct="0">
+              <a:spcBef>
+                <a:spcPct val="0"/>
+              </a:spcBef>
+              <a:spcAft>
+                <a:spcPct val="0"/>
+              </a:spcAft>
+              <a:defRPr sz="2400">
+                <a:solidFill>
+                  <a:schemeClr val="tx1"/>
+                </a:solidFill>
+                <a:latin typeface="Trebuchet MS" charset="0"/>
+                <a:ea typeface="ＭＳ Ｐゴシック" charset="0"/>
+              </a:defRPr>
+            </a:lvl6pPr>
+            <a:lvl7pPr marL="2971800" indent="-228600" eaLnBrk="0" fontAlgn="base" hangingPunct="0">
+              <a:spcBef>
+                <a:spcPct val="0"/>
+              </a:spcBef>
+              <a:spcAft>
+                <a:spcPct val="0"/>
+              </a:spcAft>
+              <a:defRPr sz="2400">
+                <a:solidFill>
+                  <a:schemeClr val="tx1"/>
+                </a:solidFill>
+                <a:latin typeface="Trebuchet MS" charset="0"/>
+                <a:ea typeface="ＭＳ Ｐゴシック" charset="0"/>
+              </a:defRPr>
+            </a:lvl7pPr>
+            <a:lvl8pPr marL="3429000" indent="-228600" eaLnBrk="0" fontAlgn="base" hangingPunct="0">
+              <a:spcBef>
+                <a:spcPct val="0"/>
+              </a:spcBef>
+              <a:spcAft>
+                <a:spcPct val="0"/>
+              </a:spcAft>
+              <a:defRPr sz="2400">
+                <a:solidFill>
+                  <a:schemeClr val="tx1"/>
+                </a:solidFill>
+                <a:latin typeface="Trebuchet MS" charset="0"/>
+                <a:ea typeface="ＭＳ Ｐゴシック" charset="0"/>
+              </a:defRPr>
+            </a:lvl8pPr>
+            <a:lvl9pPr marL="3886200" indent="-228600" eaLnBrk="0" fontAlgn="base" hangingPunct="0">
+              <a:spcBef>
+                <a:spcPct val="0"/>
+              </a:spcBef>
+              <a:spcAft>
+                <a:spcPct val="0"/>
+              </a:spcAft>
+              <a:defRPr sz="2400">
+                <a:solidFill>
+                  <a:schemeClr val="tx1"/>
+                </a:solidFill>
+                <a:latin typeface="Trebuchet MS" charset="0"/>
+                <a:ea typeface="ＭＳ Ｐゴシック" charset="0"/>
+              </a:defRPr>
+            </a:lvl9pPr>
+          </a:lstStyle>
+          <a:p>
+            <a:pPr algn="l" eaLnBrk="1" hangingPunct="1"/>
+            <a:r>
+              <a:rPr lang="en-US" sz="1200" b="1" dirty="0">
+                <a:solidFill>
+                  <a:srgbClr val="122956"/>
+                </a:solidFill>
+                <a:cs typeface="Trebuchet MS" charset="0"/>
+              </a:rPr>
+              <a:t>4</a:t>
+            </a:r>
+            <a:r>
+              <a:rPr lang="en-US" sz="1200" b="1" dirty="0" smtClean="0">
+                <a:solidFill>
+                  <a:srgbClr val="122956"/>
+                </a:solidFill>
+                <a:cs typeface="Trebuchet MS" charset="0"/>
+              </a:rPr>
+              <a:t>-</a:t>
+            </a:r>
+            <a:fld id="{31B56995-E14C-B64F-86C9-12D6DB74A41E}" type="slidenum">
+              <a:rPr lang="en-US" sz="1200" b="1">
+                <a:solidFill>
+                  <a:srgbClr val="122956"/>
+                </a:solidFill>
+                <a:cs typeface="Trebuchet MS" charset="0"/>
+              </a:rPr>
+              <a:pPr algn="l" eaLnBrk="1" hangingPunct="1"/>
+              <a:t>14</a:t>
+            </a:fld>
+            <a:endParaRPr lang="en-US" sz="1200" b="1" dirty="0">
+              <a:solidFill>
+                <a:srgbClr val="122956"/>
+              </a:solidFill>
+              <a:cs typeface="Trebuchet MS" charset="0"/>
+            </a:endParaRPr>
+          </a:p>
+        </p:txBody>
+      </p:sp>
     </p:spTree>
     <p:extLst>
       <p:ext uri="{BB962C8B-B14F-4D97-AF65-F5344CB8AC3E}">
@@ -12665,6 +13768,195 @@
           <a:p>
             <a:pPr lvl="1"/>
             <a:endParaRPr lang="en-US" dirty="0" smtClean="0"/>
+          </a:p>
+        </p:txBody>
+      </p:sp>
+      <p:sp>
+        <p:nvSpPr>
+          <p:cNvPr id="4" name="Slide Number Placeholder 5"/>
+          <p:cNvSpPr>
+            <a:spLocks noGrp="1"/>
+          </p:cNvSpPr>
+          <p:nvPr>
+            <p:ph type="sldNum" sz="quarter" idx="12"/>
+          </p:nvPr>
+        </p:nvSpPr>
+        <p:spPr bwMode="auto">
+          <a:xfrm>
+            <a:off x="203200" y="6400800"/>
+            <a:ext cx="2133600" cy="365125"/>
+          </a:xfrm>
+          <a:noFill/>
+          <a:extLst>
+            <a:ext uri="{909E8E84-426E-40dd-AFC4-6F175D3DCCD1}">
+              <a14:hiddenFill xmlns:a14="http://schemas.microsoft.com/office/drawing/2010/main">
+                <a:solidFill>
+                  <a:srgbClr val="FFFFFF"/>
+                </a:solidFill>
+              </a14:hiddenFill>
+            </a:ext>
+            <a:ext uri="{91240B29-F687-4f45-9708-019B960494DF}">
+              <a14:hiddenLine xmlns:a14="http://schemas.microsoft.com/office/drawing/2010/main" w="9525">
+                <a:solidFill>
+                  <a:srgbClr val="000000"/>
+                </a:solidFill>
+                <a:miter lim="800000"/>
+                <a:headEnd/>
+                <a:tailEnd/>
+              </a14:hiddenLine>
+            </a:ext>
+          </a:extLst>
+        </p:spPr>
+        <p:txBody>
+          <a:bodyPr vert="horz" wrap="square" lIns="91440" tIns="45720" rIns="91440" bIns="45720" numCol="1" anchor="ctr" anchorCtr="0" compatLnSpc="1">
+            <a:prstTxWarp prst="textNoShape">
+              <a:avLst/>
+            </a:prstTxWarp>
+          </a:bodyPr>
+          <a:lstStyle>
+            <a:lvl1pPr eaLnBrk="0" hangingPunct="0">
+              <a:defRPr sz="2400">
+                <a:solidFill>
+                  <a:schemeClr val="tx1"/>
+                </a:solidFill>
+                <a:latin typeface="Trebuchet MS" charset="0"/>
+                <a:ea typeface="ＭＳ Ｐゴシック" charset="0"/>
+                <a:cs typeface="ＭＳ Ｐゴシック" charset="0"/>
+              </a:defRPr>
+            </a:lvl1pPr>
+            <a:lvl2pPr marL="742950" indent="-285750" eaLnBrk="0" hangingPunct="0">
+              <a:defRPr sz="2400">
+                <a:solidFill>
+                  <a:schemeClr val="tx1"/>
+                </a:solidFill>
+                <a:latin typeface="Trebuchet MS" charset="0"/>
+                <a:ea typeface="ＭＳ Ｐゴシック" charset="0"/>
+              </a:defRPr>
+            </a:lvl2pPr>
+            <a:lvl3pPr marL="1143000" indent="-228600" eaLnBrk="0" hangingPunct="0">
+              <a:defRPr sz="2400">
+                <a:solidFill>
+                  <a:schemeClr val="tx1"/>
+                </a:solidFill>
+                <a:latin typeface="Trebuchet MS" charset="0"/>
+                <a:ea typeface="ＭＳ Ｐゴシック" charset="0"/>
+              </a:defRPr>
+            </a:lvl3pPr>
+            <a:lvl4pPr marL="1600200" indent="-228600" eaLnBrk="0" hangingPunct="0">
+              <a:defRPr sz="2400">
+                <a:solidFill>
+                  <a:schemeClr val="tx1"/>
+                </a:solidFill>
+                <a:latin typeface="Trebuchet MS" charset="0"/>
+                <a:ea typeface="ＭＳ Ｐゴシック" charset="0"/>
+              </a:defRPr>
+            </a:lvl4pPr>
+            <a:lvl5pPr marL="2057400" indent="-228600" eaLnBrk="0" hangingPunct="0">
+              <a:defRPr sz="2400">
+                <a:solidFill>
+                  <a:schemeClr val="tx1"/>
+                </a:solidFill>
+                <a:latin typeface="Trebuchet MS" charset="0"/>
+                <a:ea typeface="ＭＳ Ｐゴシック" charset="0"/>
+              </a:defRPr>
+            </a:lvl5pPr>
+            <a:lvl6pPr marL="2514600" indent="-228600" eaLnBrk="0" fontAlgn="base" hangingPunct="0">
+              <a:spcBef>
+                <a:spcPct val="0"/>
+              </a:spcBef>
+              <a:spcAft>
+                <a:spcPct val="0"/>
+              </a:spcAft>
+              <a:defRPr sz="2400">
+                <a:solidFill>
+                  <a:schemeClr val="tx1"/>
+                </a:solidFill>
+                <a:latin typeface="Trebuchet MS" charset="0"/>
+                <a:ea typeface="ＭＳ Ｐゴシック" charset="0"/>
+              </a:defRPr>
+            </a:lvl6pPr>
+            <a:lvl7pPr marL="2971800" indent="-228600" eaLnBrk="0" fontAlgn="base" hangingPunct="0">
+              <a:spcBef>
+                <a:spcPct val="0"/>
+              </a:spcBef>
+              <a:spcAft>
+                <a:spcPct val="0"/>
+              </a:spcAft>
+              <a:defRPr sz="2400">
+                <a:solidFill>
+                  <a:schemeClr val="tx1"/>
+                </a:solidFill>
+                <a:latin typeface="Trebuchet MS" charset="0"/>
+                <a:ea typeface="ＭＳ Ｐゴシック" charset="0"/>
+              </a:defRPr>
+            </a:lvl7pPr>
+            <a:lvl8pPr marL="3429000" indent="-228600" eaLnBrk="0" fontAlgn="base" hangingPunct="0">
+              <a:spcBef>
+                <a:spcPct val="0"/>
+              </a:spcBef>
+              <a:spcAft>
+                <a:spcPct val="0"/>
+              </a:spcAft>
+              <a:defRPr sz="2400">
+                <a:solidFill>
+                  <a:schemeClr val="tx1"/>
+                </a:solidFill>
+                <a:latin typeface="Trebuchet MS" charset="0"/>
+                <a:ea typeface="ＭＳ Ｐゴシック" charset="0"/>
+              </a:defRPr>
+            </a:lvl8pPr>
+            <a:lvl9pPr marL="3886200" indent="-228600" eaLnBrk="0" fontAlgn="base" hangingPunct="0">
+              <a:spcBef>
+                <a:spcPct val="0"/>
+              </a:spcBef>
+              <a:spcAft>
+                <a:spcPct val="0"/>
+              </a:spcAft>
+              <a:defRPr sz="2400">
+                <a:solidFill>
+                  <a:schemeClr val="tx1"/>
+                </a:solidFill>
+                <a:latin typeface="Trebuchet MS" charset="0"/>
+                <a:ea typeface="ＭＳ Ｐゴシック" charset="0"/>
+              </a:defRPr>
+            </a:lvl9pPr>
+          </a:lstStyle>
+          <a:p>
+            <a:pPr algn="l" eaLnBrk="1" hangingPunct="1"/>
+            <a:r>
+              <a:rPr lang="en-US" sz="1200" b="1" dirty="0">
+                <a:solidFill>
+                  <a:srgbClr val="122956"/>
+                </a:solidFill>
+                <a:cs typeface="Trebuchet MS" charset="0"/>
+              </a:rPr>
+              <a:t>4</a:t>
+            </a:r>
+            <a:r>
+              <a:rPr lang="en-US" sz="1200" b="1" dirty="0" smtClean="0">
+                <a:solidFill>
+                  <a:srgbClr val="122956"/>
+                </a:solidFill>
+                <a:cs typeface="Trebuchet MS" charset="0"/>
+              </a:rPr>
+              <a:t>-</a:t>
+            </a:r>
+            <a:fld id="{31B56995-E14C-B64F-86C9-12D6DB74A41E}" type="slidenum">
+              <a:rPr lang="en-US" sz="1200" b="1">
+                <a:solidFill>
+                  <a:srgbClr val="122956"/>
+                </a:solidFill>
+                <a:cs typeface="Trebuchet MS" charset="0"/>
+              </a:rPr>
+              <a:pPr algn="l" eaLnBrk="1" hangingPunct="1"/>
+              <a:t>15</a:t>
+            </a:fld>
+            <a:endParaRPr lang="en-US" sz="1200" b="1" dirty="0">
+              <a:solidFill>
+                <a:srgbClr val="122956"/>
+              </a:solidFill>
+              <a:cs typeface="Trebuchet MS" charset="0"/>
+            </a:endParaRPr>
           </a:p>
         </p:txBody>
       </p:sp>
@@ -12798,6 +14090,195 @@
           </a:p>
         </p:txBody>
       </p:sp>
+      <p:sp>
+        <p:nvSpPr>
+          <p:cNvPr id="4" name="Slide Number Placeholder 5"/>
+          <p:cNvSpPr>
+            <a:spLocks noGrp="1"/>
+          </p:cNvSpPr>
+          <p:nvPr>
+            <p:ph type="sldNum" sz="quarter" idx="12"/>
+          </p:nvPr>
+        </p:nvSpPr>
+        <p:spPr bwMode="auto">
+          <a:xfrm>
+            <a:off x="203200" y="6400800"/>
+            <a:ext cx="2133600" cy="365125"/>
+          </a:xfrm>
+          <a:noFill/>
+          <a:extLst>
+            <a:ext uri="{909E8E84-426E-40dd-AFC4-6F175D3DCCD1}">
+              <a14:hiddenFill xmlns:a14="http://schemas.microsoft.com/office/drawing/2010/main">
+                <a:solidFill>
+                  <a:srgbClr val="FFFFFF"/>
+                </a:solidFill>
+              </a14:hiddenFill>
+            </a:ext>
+            <a:ext uri="{91240B29-F687-4f45-9708-019B960494DF}">
+              <a14:hiddenLine xmlns:a14="http://schemas.microsoft.com/office/drawing/2010/main" w="9525">
+                <a:solidFill>
+                  <a:srgbClr val="000000"/>
+                </a:solidFill>
+                <a:miter lim="800000"/>
+                <a:headEnd/>
+                <a:tailEnd/>
+              </a14:hiddenLine>
+            </a:ext>
+          </a:extLst>
+        </p:spPr>
+        <p:txBody>
+          <a:bodyPr vert="horz" wrap="square" lIns="91440" tIns="45720" rIns="91440" bIns="45720" numCol="1" anchor="ctr" anchorCtr="0" compatLnSpc="1">
+            <a:prstTxWarp prst="textNoShape">
+              <a:avLst/>
+            </a:prstTxWarp>
+          </a:bodyPr>
+          <a:lstStyle>
+            <a:lvl1pPr eaLnBrk="0" hangingPunct="0">
+              <a:defRPr sz="2400">
+                <a:solidFill>
+                  <a:schemeClr val="tx1"/>
+                </a:solidFill>
+                <a:latin typeface="Trebuchet MS" charset="0"/>
+                <a:ea typeface="ＭＳ Ｐゴシック" charset="0"/>
+                <a:cs typeface="ＭＳ Ｐゴシック" charset="0"/>
+              </a:defRPr>
+            </a:lvl1pPr>
+            <a:lvl2pPr marL="742950" indent="-285750" eaLnBrk="0" hangingPunct="0">
+              <a:defRPr sz="2400">
+                <a:solidFill>
+                  <a:schemeClr val="tx1"/>
+                </a:solidFill>
+                <a:latin typeface="Trebuchet MS" charset="0"/>
+                <a:ea typeface="ＭＳ Ｐゴシック" charset="0"/>
+              </a:defRPr>
+            </a:lvl2pPr>
+            <a:lvl3pPr marL="1143000" indent="-228600" eaLnBrk="0" hangingPunct="0">
+              <a:defRPr sz="2400">
+                <a:solidFill>
+                  <a:schemeClr val="tx1"/>
+                </a:solidFill>
+                <a:latin typeface="Trebuchet MS" charset="0"/>
+                <a:ea typeface="ＭＳ Ｐゴシック" charset="0"/>
+              </a:defRPr>
+            </a:lvl3pPr>
+            <a:lvl4pPr marL="1600200" indent="-228600" eaLnBrk="0" hangingPunct="0">
+              <a:defRPr sz="2400">
+                <a:solidFill>
+                  <a:schemeClr val="tx1"/>
+                </a:solidFill>
+                <a:latin typeface="Trebuchet MS" charset="0"/>
+                <a:ea typeface="ＭＳ Ｐゴシック" charset="0"/>
+              </a:defRPr>
+            </a:lvl4pPr>
+            <a:lvl5pPr marL="2057400" indent="-228600" eaLnBrk="0" hangingPunct="0">
+              <a:defRPr sz="2400">
+                <a:solidFill>
+                  <a:schemeClr val="tx1"/>
+                </a:solidFill>
+                <a:latin typeface="Trebuchet MS" charset="0"/>
+                <a:ea typeface="ＭＳ Ｐゴシック" charset="0"/>
+              </a:defRPr>
+            </a:lvl5pPr>
+            <a:lvl6pPr marL="2514600" indent="-228600" eaLnBrk="0" fontAlgn="base" hangingPunct="0">
+              <a:spcBef>
+                <a:spcPct val="0"/>
+              </a:spcBef>
+              <a:spcAft>
+                <a:spcPct val="0"/>
+              </a:spcAft>
+              <a:defRPr sz="2400">
+                <a:solidFill>
+                  <a:schemeClr val="tx1"/>
+                </a:solidFill>
+                <a:latin typeface="Trebuchet MS" charset="0"/>
+                <a:ea typeface="ＭＳ Ｐゴシック" charset="0"/>
+              </a:defRPr>
+            </a:lvl6pPr>
+            <a:lvl7pPr marL="2971800" indent="-228600" eaLnBrk="0" fontAlgn="base" hangingPunct="0">
+              <a:spcBef>
+                <a:spcPct val="0"/>
+              </a:spcBef>
+              <a:spcAft>
+                <a:spcPct val="0"/>
+              </a:spcAft>
+              <a:defRPr sz="2400">
+                <a:solidFill>
+                  <a:schemeClr val="tx1"/>
+                </a:solidFill>
+                <a:latin typeface="Trebuchet MS" charset="0"/>
+                <a:ea typeface="ＭＳ Ｐゴシック" charset="0"/>
+              </a:defRPr>
+            </a:lvl7pPr>
+            <a:lvl8pPr marL="3429000" indent="-228600" eaLnBrk="0" fontAlgn="base" hangingPunct="0">
+              <a:spcBef>
+                <a:spcPct val="0"/>
+              </a:spcBef>
+              <a:spcAft>
+                <a:spcPct val="0"/>
+              </a:spcAft>
+              <a:defRPr sz="2400">
+                <a:solidFill>
+                  <a:schemeClr val="tx1"/>
+                </a:solidFill>
+                <a:latin typeface="Trebuchet MS" charset="0"/>
+                <a:ea typeface="ＭＳ Ｐゴシック" charset="0"/>
+              </a:defRPr>
+            </a:lvl8pPr>
+            <a:lvl9pPr marL="3886200" indent="-228600" eaLnBrk="0" fontAlgn="base" hangingPunct="0">
+              <a:spcBef>
+                <a:spcPct val="0"/>
+              </a:spcBef>
+              <a:spcAft>
+                <a:spcPct val="0"/>
+              </a:spcAft>
+              <a:defRPr sz="2400">
+                <a:solidFill>
+                  <a:schemeClr val="tx1"/>
+                </a:solidFill>
+                <a:latin typeface="Trebuchet MS" charset="0"/>
+                <a:ea typeface="ＭＳ Ｐゴシック" charset="0"/>
+              </a:defRPr>
+            </a:lvl9pPr>
+          </a:lstStyle>
+          <a:p>
+            <a:pPr algn="l" eaLnBrk="1" hangingPunct="1"/>
+            <a:r>
+              <a:rPr lang="en-US" sz="1200" b="1" dirty="0">
+                <a:solidFill>
+                  <a:srgbClr val="122956"/>
+                </a:solidFill>
+                <a:cs typeface="Trebuchet MS" charset="0"/>
+              </a:rPr>
+              <a:t>4</a:t>
+            </a:r>
+            <a:r>
+              <a:rPr lang="en-US" sz="1200" b="1" dirty="0" smtClean="0">
+                <a:solidFill>
+                  <a:srgbClr val="122956"/>
+                </a:solidFill>
+                <a:cs typeface="Trebuchet MS" charset="0"/>
+              </a:rPr>
+              <a:t>-</a:t>
+            </a:r>
+            <a:fld id="{31B56995-E14C-B64F-86C9-12D6DB74A41E}" type="slidenum">
+              <a:rPr lang="en-US" sz="1200" b="1">
+                <a:solidFill>
+                  <a:srgbClr val="122956"/>
+                </a:solidFill>
+                <a:cs typeface="Trebuchet MS" charset="0"/>
+              </a:rPr>
+              <a:pPr algn="l" eaLnBrk="1" hangingPunct="1"/>
+              <a:t>16</a:t>
+            </a:fld>
+            <a:endParaRPr lang="en-US" sz="1200" b="1" dirty="0">
+              <a:solidFill>
+                <a:srgbClr val="122956"/>
+              </a:solidFill>
+              <a:cs typeface="Trebuchet MS" charset="0"/>
+            </a:endParaRPr>
+          </a:p>
+        </p:txBody>
+      </p:sp>
     </p:spTree>
     <p:extLst>
       <p:ext uri="{BB962C8B-B14F-4D97-AF65-F5344CB8AC3E}">
@@ -12963,6 +14444,195 @@
               <a:t>Demo and wiki URL</a:t>
             </a:r>
             <a:endParaRPr lang="en-US" dirty="0"/>
+          </a:p>
+        </p:txBody>
+      </p:sp>
+      <p:sp>
+        <p:nvSpPr>
+          <p:cNvPr id="4" name="Slide Number Placeholder 5"/>
+          <p:cNvSpPr>
+            <a:spLocks noGrp="1"/>
+          </p:cNvSpPr>
+          <p:nvPr>
+            <p:ph type="sldNum" sz="quarter" idx="12"/>
+          </p:nvPr>
+        </p:nvSpPr>
+        <p:spPr bwMode="auto">
+          <a:xfrm>
+            <a:off x="203200" y="6400800"/>
+            <a:ext cx="2133600" cy="365125"/>
+          </a:xfrm>
+          <a:noFill/>
+          <a:extLst>
+            <a:ext uri="{909E8E84-426E-40dd-AFC4-6F175D3DCCD1}">
+              <a14:hiddenFill xmlns:a14="http://schemas.microsoft.com/office/drawing/2010/main">
+                <a:solidFill>
+                  <a:srgbClr val="FFFFFF"/>
+                </a:solidFill>
+              </a14:hiddenFill>
+            </a:ext>
+            <a:ext uri="{91240B29-F687-4f45-9708-019B960494DF}">
+              <a14:hiddenLine xmlns:a14="http://schemas.microsoft.com/office/drawing/2010/main" w="9525">
+                <a:solidFill>
+                  <a:srgbClr val="000000"/>
+                </a:solidFill>
+                <a:miter lim="800000"/>
+                <a:headEnd/>
+                <a:tailEnd/>
+              </a14:hiddenLine>
+            </a:ext>
+          </a:extLst>
+        </p:spPr>
+        <p:txBody>
+          <a:bodyPr vert="horz" wrap="square" lIns="91440" tIns="45720" rIns="91440" bIns="45720" numCol="1" anchor="ctr" anchorCtr="0" compatLnSpc="1">
+            <a:prstTxWarp prst="textNoShape">
+              <a:avLst/>
+            </a:prstTxWarp>
+          </a:bodyPr>
+          <a:lstStyle>
+            <a:lvl1pPr eaLnBrk="0" hangingPunct="0">
+              <a:defRPr sz="2400">
+                <a:solidFill>
+                  <a:schemeClr val="tx1"/>
+                </a:solidFill>
+                <a:latin typeface="Trebuchet MS" charset="0"/>
+                <a:ea typeface="ＭＳ Ｐゴシック" charset="0"/>
+                <a:cs typeface="ＭＳ Ｐゴシック" charset="0"/>
+              </a:defRPr>
+            </a:lvl1pPr>
+            <a:lvl2pPr marL="742950" indent="-285750" eaLnBrk="0" hangingPunct="0">
+              <a:defRPr sz="2400">
+                <a:solidFill>
+                  <a:schemeClr val="tx1"/>
+                </a:solidFill>
+                <a:latin typeface="Trebuchet MS" charset="0"/>
+                <a:ea typeface="ＭＳ Ｐゴシック" charset="0"/>
+              </a:defRPr>
+            </a:lvl2pPr>
+            <a:lvl3pPr marL="1143000" indent="-228600" eaLnBrk="0" hangingPunct="0">
+              <a:defRPr sz="2400">
+                <a:solidFill>
+                  <a:schemeClr val="tx1"/>
+                </a:solidFill>
+                <a:latin typeface="Trebuchet MS" charset="0"/>
+                <a:ea typeface="ＭＳ Ｐゴシック" charset="0"/>
+              </a:defRPr>
+            </a:lvl3pPr>
+            <a:lvl4pPr marL="1600200" indent="-228600" eaLnBrk="0" hangingPunct="0">
+              <a:defRPr sz="2400">
+                <a:solidFill>
+                  <a:schemeClr val="tx1"/>
+                </a:solidFill>
+                <a:latin typeface="Trebuchet MS" charset="0"/>
+                <a:ea typeface="ＭＳ Ｐゴシック" charset="0"/>
+              </a:defRPr>
+            </a:lvl4pPr>
+            <a:lvl5pPr marL="2057400" indent="-228600" eaLnBrk="0" hangingPunct="0">
+              <a:defRPr sz="2400">
+                <a:solidFill>
+                  <a:schemeClr val="tx1"/>
+                </a:solidFill>
+                <a:latin typeface="Trebuchet MS" charset="0"/>
+                <a:ea typeface="ＭＳ Ｐゴシック" charset="0"/>
+              </a:defRPr>
+            </a:lvl5pPr>
+            <a:lvl6pPr marL="2514600" indent="-228600" eaLnBrk="0" fontAlgn="base" hangingPunct="0">
+              <a:spcBef>
+                <a:spcPct val="0"/>
+              </a:spcBef>
+              <a:spcAft>
+                <a:spcPct val="0"/>
+              </a:spcAft>
+              <a:defRPr sz="2400">
+                <a:solidFill>
+                  <a:schemeClr val="tx1"/>
+                </a:solidFill>
+                <a:latin typeface="Trebuchet MS" charset="0"/>
+                <a:ea typeface="ＭＳ Ｐゴシック" charset="0"/>
+              </a:defRPr>
+            </a:lvl6pPr>
+            <a:lvl7pPr marL="2971800" indent="-228600" eaLnBrk="0" fontAlgn="base" hangingPunct="0">
+              <a:spcBef>
+                <a:spcPct val="0"/>
+              </a:spcBef>
+              <a:spcAft>
+                <a:spcPct val="0"/>
+              </a:spcAft>
+              <a:defRPr sz="2400">
+                <a:solidFill>
+                  <a:schemeClr val="tx1"/>
+                </a:solidFill>
+                <a:latin typeface="Trebuchet MS" charset="0"/>
+                <a:ea typeface="ＭＳ Ｐゴシック" charset="0"/>
+              </a:defRPr>
+            </a:lvl7pPr>
+            <a:lvl8pPr marL="3429000" indent="-228600" eaLnBrk="0" fontAlgn="base" hangingPunct="0">
+              <a:spcBef>
+                <a:spcPct val="0"/>
+              </a:spcBef>
+              <a:spcAft>
+                <a:spcPct val="0"/>
+              </a:spcAft>
+              <a:defRPr sz="2400">
+                <a:solidFill>
+                  <a:schemeClr val="tx1"/>
+                </a:solidFill>
+                <a:latin typeface="Trebuchet MS" charset="0"/>
+                <a:ea typeface="ＭＳ Ｐゴシック" charset="0"/>
+              </a:defRPr>
+            </a:lvl8pPr>
+            <a:lvl9pPr marL="3886200" indent="-228600" eaLnBrk="0" fontAlgn="base" hangingPunct="0">
+              <a:spcBef>
+                <a:spcPct val="0"/>
+              </a:spcBef>
+              <a:spcAft>
+                <a:spcPct val="0"/>
+              </a:spcAft>
+              <a:defRPr sz="2400">
+                <a:solidFill>
+                  <a:schemeClr val="tx1"/>
+                </a:solidFill>
+                <a:latin typeface="Trebuchet MS" charset="0"/>
+                <a:ea typeface="ＭＳ Ｐゴシック" charset="0"/>
+              </a:defRPr>
+            </a:lvl9pPr>
+          </a:lstStyle>
+          <a:p>
+            <a:pPr algn="l" eaLnBrk="1" hangingPunct="1"/>
+            <a:r>
+              <a:rPr lang="en-US" sz="1200" b="1" dirty="0">
+                <a:solidFill>
+                  <a:srgbClr val="122956"/>
+                </a:solidFill>
+                <a:cs typeface="Trebuchet MS" charset="0"/>
+              </a:rPr>
+              <a:t>4</a:t>
+            </a:r>
+            <a:r>
+              <a:rPr lang="en-US" sz="1200" b="1" dirty="0" smtClean="0">
+                <a:solidFill>
+                  <a:srgbClr val="122956"/>
+                </a:solidFill>
+                <a:cs typeface="Trebuchet MS" charset="0"/>
+              </a:rPr>
+              <a:t>-</a:t>
+            </a:r>
+            <a:fld id="{31B56995-E14C-B64F-86C9-12D6DB74A41E}" type="slidenum">
+              <a:rPr lang="en-US" sz="1200" b="1">
+                <a:solidFill>
+                  <a:srgbClr val="122956"/>
+                </a:solidFill>
+                <a:cs typeface="Trebuchet MS" charset="0"/>
+              </a:rPr>
+              <a:pPr algn="l" eaLnBrk="1" hangingPunct="1"/>
+              <a:t>17</a:t>
+            </a:fld>
+            <a:endParaRPr lang="en-US" sz="1200" b="1" dirty="0">
+              <a:solidFill>
+                <a:srgbClr val="122956"/>
+              </a:solidFill>
+              <a:cs typeface="Trebuchet MS" charset="0"/>
+            </a:endParaRPr>
           </a:p>
         </p:txBody>
       </p:sp>
@@ -13096,6 +14766,195 @@
           </a:p>
         </p:txBody>
       </p:sp>
+      <p:sp>
+        <p:nvSpPr>
+          <p:cNvPr id="4" name="Slide Number Placeholder 5"/>
+          <p:cNvSpPr>
+            <a:spLocks noGrp="1"/>
+          </p:cNvSpPr>
+          <p:nvPr>
+            <p:ph type="sldNum" sz="quarter" idx="12"/>
+          </p:nvPr>
+        </p:nvSpPr>
+        <p:spPr bwMode="auto">
+          <a:xfrm>
+            <a:off x="203200" y="6400800"/>
+            <a:ext cx="2133600" cy="365125"/>
+          </a:xfrm>
+          <a:noFill/>
+          <a:extLst>
+            <a:ext uri="{909E8E84-426E-40dd-AFC4-6F175D3DCCD1}">
+              <a14:hiddenFill xmlns:a14="http://schemas.microsoft.com/office/drawing/2010/main">
+                <a:solidFill>
+                  <a:srgbClr val="FFFFFF"/>
+                </a:solidFill>
+              </a14:hiddenFill>
+            </a:ext>
+            <a:ext uri="{91240B29-F687-4f45-9708-019B960494DF}">
+              <a14:hiddenLine xmlns:a14="http://schemas.microsoft.com/office/drawing/2010/main" w="9525">
+                <a:solidFill>
+                  <a:srgbClr val="000000"/>
+                </a:solidFill>
+                <a:miter lim="800000"/>
+                <a:headEnd/>
+                <a:tailEnd/>
+              </a14:hiddenLine>
+            </a:ext>
+          </a:extLst>
+        </p:spPr>
+        <p:txBody>
+          <a:bodyPr vert="horz" wrap="square" lIns="91440" tIns="45720" rIns="91440" bIns="45720" numCol="1" anchor="ctr" anchorCtr="0" compatLnSpc="1">
+            <a:prstTxWarp prst="textNoShape">
+              <a:avLst/>
+            </a:prstTxWarp>
+          </a:bodyPr>
+          <a:lstStyle>
+            <a:lvl1pPr eaLnBrk="0" hangingPunct="0">
+              <a:defRPr sz="2400">
+                <a:solidFill>
+                  <a:schemeClr val="tx1"/>
+                </a:solidFill>
+                <a:latin typeface="Trebuchet MS" charset="0"/>
+                <a:ea typeface="ＭＳ Ｐゴシック" charset="0"/>
+                <a:cs typeface="ＭＳ Ｐゴシック" charset="0"/>
+              </a:defRPr>
+            </a:lvl1pPr>
+            <a:lvl2pPr marL="742950" indent="-285750" eaLnBrk="0" hangingPunct="0">
+              <a:defRPr sz="2400">
+                <a:solidFill>
+                  <a:schemeClr val="tx1"/>
+                </a:solidFill>
+                <a:latin typeface="Trebuchet MS" charset="0"/>
+                <a:ea typeface="ＭＳ Ｐゴシック" charset="0"/>
+              </a:defRPr>
+            </a:lvl2pPr>
+            <a:lvl3pPr marL="1143000" indent="-228600" eaLnBrk="0" hangingPunct="0">
+              <a:defRPr sz="2400">
+                <a:solidFill>
+                  <a:schemeClr val="tx1"/>
+                </a:solidFill>
+                <a:latin typeface="Trebuchet MS" charset="0"/>
+                <a:ea typeface="ＭＳ Ｐゴシック" charset="0"/>
+              </a:defRPr>
+            </a:lvl3pPr>
+            <a:lvl4pPr marL="1600200" indent="-228600" eaLnBrk="0" hangingPunct="0">
+              <a:defRPr sz="2400">
+                <a:solidFill>
+                  <a:schemeClr val="tx1"/>
+                </a:solidFill>
+                <a:latin typeface="Trebuchet MS" charset="0"/>
+                <a:ea typeface="ＭＳ Ｐゴシック" charset="0"/>
+              </a:defRPr>
+            </a:lvl4pPr>
+            <a:lvl5pPr marL="2057400" indent="-228600" eaLnBrk="0" hangingPunct="0">
+              <a:defRPr sz="2400">
+                <a:solidFill>
+                  <a:schemeClr val="tx1"/>
+                </a:solidFill>
+                <a:latin typeface="Trebuchet MS" charset="0"/>
+                <a:ea typeface="ＭＳ Ｐゴシック" charset="0"/>
+              </a:defRPr>
+            </a:lvl5pPr>
+            <a:lvl6pPr marL="2514600" indent="-228600" eaLnBrk="0" fontAlgn="base" hangingPunct="0">
+              <a:spcBef>
+                <a:spcPct val="0"/>
+              </a:spcBef>
+              <a:spcAft>
+                <a:spcPct val="0"/>
+              </a:spcAft>
+              <a:defRPr sz="2400">
+                <a:solidFill>
+                  <a:schemeClr val="tx1"/>
+                </a:solidFill>
+                <a:latin typeface="Trebuchet MS" charset="0"/>
+                <a:ea typeface="ＭＳ Ｐゴシック" charset="0"/>
+              </a:defRPr>
+            </a:lvl6pPr>
+            <a:lvl7pPr marL="2971800" indent="-228600" eaLnBrk="0" fontAlgn="base" hangingPunct="0">
+              <a:spcBef>
+                <a:spcPct val="0"/>
+              </a:spcBef>
+              <a:spcAft>
+                <a:spcPct val="0"/>
+              </a:spcAft>
+              <a:defRPr sz="2400">
+                <a:solidFill>
+                  <a:schemeClr val="tx1"/>
+                </a:solidFill>
+                <a:latin typeface="Trebuchet MS" charset="0"/>
+                <a:ea typeface="ＭＳ Ｐゴシック" charset="0"/>
+              </a:defRPr>
+            </a:lvl7pPr>
+            <a:lvl8pPr marL="3429000" indent="-228600" eaLnBrk="0" fontAlgn="base" hangingPunct="0">
+              <a:spcBef>
+                <a:spcPct val="0"/>
+              </a:spcBef>
+              <a:spcAft>
+                <a:spcPct val="0"/>
+              </a:spcAft>
+              <a:defRPr sz="2400">
+                <a:solidFill>
+                  <a:schemeClr val="tx1"/>
+                </a:solidFill>
+                <a:latin typeface="Trebuchet MS" charset="0"/>
+                <a:ea typeface="ＭＳ Ｐゴシック" charset="0"/>
+              </a:defRPr>
+            </a:lvl8pPr>
+            <a:lvl9pPr marL="3886200" indent="-228600" eaLnBrk="0" fontAlgn="base" hangingPunct="0">
+              <a:spcBef>
+                <a:spcPct val="0"/>
+              </a:spcBef>
+              <a:spcAft>
+                <a:spcPct val="0"/>
+              </a:spcAft>
+              <a:defRPr sz="2400">
+                <a:solidFill>
+                  <a:schemeClr val="tx1"/>
+                </a:solidFill>
+                <a:latin typeface="Trebuchet MS" charset="0"/>
+                <a:ea typeface="ＭＳ Ｐゴシック" charset="0"/>
+              </a:defRPr>
+            </a:lvl9pPr>
+          </a:lstStyle>
+          <a:p>
+            <a:pPr algn="l" eaLnBrk="1" hangingPunct="1"/>
+            <a:r>
+              <a:rPr lang="en-US" sz="1200" b="1" dirty="0">
+                <a:solidFill>
+                  <a:srgbClr val="122956"/>
+                </a:solidFill>
+                <a:cs typeface="Trebuchet MS" charset="0"/>
+              </a:rPr>
+              <a:t>4</a:t>
+            </a:r>
+            <a:r>
+              <a:rPr lang="en-US" sz="1200" b="1" dirty="0" smtClean="0">
+                <a:solidFill>
+                  <a:srgbClr val="122956"/>
+                </a:solidFill>
+                <a:cs typeface="Trebuchet MS" charset="0"/>
+              </a:rPr>
+              <a:t>-</a:t>
+            </a:r>
+            <a:fld id="{31B56995-E14C-B64F-86C9-12D6DB74A41E}" type="slidenum">
+              <a:rPr lang="en-US" sz="1200" b="1">
+                <a:solidFill>
+                  <a:srgbClr val="122956"/>
+                </a:solidFill>
+                <a:cs typeface="Trebuchet MS" charset="0"/>
+              </a:rPr>
+              <a:pPr algn="l" eaLnBrk="1" hangingPunct="1"/>
+              <a:t>18</a:t>
+            </a:fld>
+            <a:endParaRPr lang="en-US" sz="1200" b="1" dirty="0">
+              <a:solidFill>
+                <a:srgbClr val="122956"/>
+              </a:solidFill>
+              <a:cs typeface="Trebuchet MS" charset="0"/>
+            </a:endParaRPr>
+          </a:p>
+        </p:txBody>
+      </p:sp>
     </p:spTree>
     <p:extLst>
       <p:ext uri="{BB962C8B-B14F-4D97-AF65-F5344CB8AC3E}">
@@ -13203,6 +15062,195 @@
               <a:rPr lang="en-US" dirty="0" smtClean="0"/>
               <a:t>Events and Extras</a:t>
             </a:r>
+          </a:p>
+        </p:txBody>
+      </p:sp>
+      <p:sp>
+        <p:nvSpPr>
+          <p:cNvPr id="4" name="Slide Number Placeholder 5"/>
+          <p:cNvSpPr>
+            <a:spLocks noGrp="1"/>
+          </p:cNvSpPr>
+          <p:nvPr>
+            <p:ph type="sldNum" sz="quarter" idx="12"/>
+          </p:nvPr>
+        </p:nvSpPr>
+        <p:spPr bwMode="auto">
+          <a:xfrm>
+            <a:off x="203200" y="6400800"/>
+            <a:ext cx="2133600" cy="365125"/>
+          </a:xfrm>
+          <a:noFill/>
+          <a:extLst>
+            <a:ext uri="{909E8E84-426E-40dd-AFC4-6F175D3DCCD1}">
+              <a14:hiddenFill xmlns:a14="http://schemas.microsoft.com/office/drawing/2010/main">
+                <a:solidFill>
+                  <a:srgbClr val="FFFFFF"/>
+                </a:solidFill>
+              </a14:hiddenFill>
+            </a:ext>
+            <a:ext uri="{91240B29-F687-4f45-9708-019B960494DF}">
+              <a14:hiddenLine xmlns:a14="http://schemas.microsoft.com/office/drawing/2010/main" w="9525">
+                <a:solidFill>
+                  <a:srgbClr val="000000"/>
+                </a:solidFill>
+                <a:miter lim="800000"/>
+                <a:headEnd/>
+                <a:tailEnd/>
+              </a14:hiddenLine>
+            </a:ext>
+          </a:extLst>
+        </p:spPr>
+        <p:txBody>
+          <a:bodyPr vert="horz" wrap="square" lIns="91440" tIns="45720" rIns="91440" bIns="45720" numCol="1" anchor="ctr" anchorCtr="0" compatLnSpc="1">
+            <a:prstTxWarp prst="textNoShape">
+              <a:avLst/>
+            </a:prstTxWarp>
+          </a:bodyPr>
+          <a:lstStyle>
+            <a:lvl1pPr eaLnBrk="0" hangingPunct="0">
+              <a:defRPr sz="2400">
+                <a:solidFill>
+                  <a:schemeClr val="tx1"/>
+                </a:solidFill>
+                <a:latin typeface="Trebuchet MS" charset="0"/>
+                <a:ea typeface="ＭＳ Ｐゴシック" charset="0"/>
+                <a:cs typeface="ＭＳ Ｐゴシック" charset="0"/>
+              </a:defRPr>
+            </a:lvl1pPr>
+            <a:lvl2pPr marL="742950" indent="-285750" eaLnBrk="0" hangingPunct="0">
+              <a:defRPr sz="2400">
+                <a:solidFill>
+                  <a:schemeClr val="tx1"/>
+                </a:solidFill>
+                <a:latin typeface="Trebuchet MS" charset="0"/>
+                <a:ea typeface="ＭＳ Ｐゴシック" charset="0"/>
+              </a:defRPr>
+            </a:lvl2pPr>
+            <a:lvl3pPr marL="1143000" indent="-228600" eaLnBrk="0" hangingPunct="0">
+              <a:defRPr sz="2400">
+                <a:solidFill>
+                  <a:schemeClr val="tx1"/>
+                </a:solidFill>
+                <a:latin typeface="Trebuchet MS" charset="0"/>
+                <a:ea typeface="ＭＳ Ｐゴシック" charset="0"/>
+              </a:defRPr>
+            </a:lvl3pPr>
+            <a:lvl4pPr marL="1600200" indent="-228600" eaLnBrk="0" hangingPunct="0">
+              <a:defRPr sz="2400">
+                <a:solidFill>
+                  <a:schemeClr val="tx1"/>
+                </a:solidFill>
+                <a:latin typeface="Trebuchet MS" charset="0"/>
+                <a:ea typeface="ＭＳ Ｐゴシック" charset="0"/>
+              </a:defRPr>
+            </a:lvl4pPr>
+            <a:lvl5pPr marL="2057400" indent="-228600" eaLnBrk="0" hangingPunct="0">
+              <a:defRPr sz="2400">
+                <a:solidFill>
+                  <a:schemeClr val="tx1"/>
+                </a:solidFill>
+                <a:latin typeface="Trebuchet MS" charset="0"/>
+                <a:ea typeface="ＭＳ Ｐゴシック" charset="0"/>
+              </a:defRPr>
+            </a:lvl5pPr>
+            <a:lvl6pPr marL="2514600" indent="-228600" eaLnBrk="0" fontAlgn="base" hangingPunct="0">
+              <a:spcBef>
+                <a:spcPct val="0"/>
+              </a:spcBef>
+              <a:spcAft>
+                <a:spcPct val="0"/>
+              </a:spcAft>
+              <a:defRPr sz="2400">
+                <a:solidFill>
+                  <a:schemeClr val="tx1"/>
+                </a:solidFill>
+                <a:latin typeface="Trebuchet MS" charset="0"/>
+                <a:ea typeface="ＭＳ Ｐゴシック" charset="0"/>
+              </a:defRPr>
+            </a:lvl6pPr>
+            <a:lvl7pPr marL="2971800" indent="-228600" eaLnBrk="0" fontAlgn="base" hangingPunct="0">
+              <a:spcBef>
+                <a:spcPct val="0"/>
+              </a:spcBef>
+              <a:spcAft>
+                <a:spcPct val="0"/>
+              </a:spcAft>
+              <a:defRPr sz="2400">
+                <a:solidFill>
+                  <a:schemeClr val="tx1"/>
+                </a:solidFill>
+                <a:latin typeface="Trebuchet MS" charset="0"/>
+                <a:ea typeface="ＭＳ Ｐゴシック" charset="0"/>
+              </a:defRPr>
+            </a:lvl7pPr>
+            <a:lvl8pPr marL="3429000" indent="-228600" eaLnBrk="0" fontAlgn="base" hangingPunct="0">
+              <a:spcBef>
+                <a:spcPct val="0"/>
+              </a:spcBef>
+              <a:spcAft>
+                <a:spcPct val="0"/>
+              </a:spcAft>
+              <a:defRPr sz="2400">
+                <a:solidFill>
+                  <a:schemeClr val="tx1"/>
+                </a:solidFill>
+                <a:latin typeface="Trebuchet MS" charset="0"/>
+                <a:ea typeface="ＭＳ Ｐゴシック" charset="0"/>
+              </a:defRPr>
+            </a:lvl8pPr>
+            <a:lvl9pPr marL="3886200" indent="-228600" eaLnBrk="0" fontAlgn="base" hangingPunct="0">
+              <a:spcBef>
+                <a:spcPct val="0"/>
+              </a:spcBef>
+              <a:spcAft>
+                <a:spcPct val="0"/>
+              </a:spcAft>
+              <a:defRPr sz="2400">
+                <a:solidFill>
+                  <a:schemeClr val="tx1"/>
+                </a:solidFill>
+                <a:latin typeface="Trebuchet MS" charset="0"/>
+                <a:ea typeface="ＭＳ Ｐゴシック" charset="0"/>
+              </a:defRPr>
+            </a:lvl9pPr>
+          </a:lstStyle>
+          <a:p>
+            <a:pPr algn="l" eaLnBrk="1" hangingPunct="1"/>
+            <a:r>
+              <a:rPr lang="en-US" sz="1200" b="1" dirty="0">
+                <a:solidFill>
+                  <a:srgbClr val="122956"/>
+                </a:solidFill>
+                <a:cs typeface="Trebuchet MS" charset="0"/>
+              </a:rPr>
+              <a:t>4</a:t>
+            </a:r>
+            <a:r>
+              <a:rPr lang="en-US" sz="1200" b="1" dirty="0" smtClean="0">
+                <a:solidFill>
+                  <a:srgbClr val="122956"/>
+                </a:solidFill>
+                <a:cs typeface="Trebuchet MS" charset="0"/>
+              </a:rPr>
+              <a:t>-</a:t>
+            </a:r>
+            <a:fld id="{31B56995-E14C-B64F-86C9-12D6DB74A41E}" type="slidenum">
+              <a:rPr lang="en-US" sz="1200" b="1">
+                <a:solidFill>
+                  <a:srgbClr val="122956"/>
+                </a:solidFill>
+                <a:cs typeface="Trebuchet MS" charset="0"/>
+              </a:rPr>
+              <a:pPr algn="l" eaLnBrk="1" hangingPunct="1"/>
+              <a:t>2</a:t>
+            </a:fld>
+            <a:endParaRPr lang="en-US" sz="1200" b="1" dirty="0">
+              <a:solidFill>
+                <a:srgbClr val="122956"/>
+              </a:solidFill>
+              <a:cs typeface="Trebuchet MS" charset="0"/>
+            </a:endParaRPr>
           </a:p>
         </p:txBody>
       </p:sp>
@@ -13551,6 +15599,195 @@
           </a:extLst>
         </p:spPr>
       </p:pic>
+      <p:sp>
+        <p:nvSpPr>
+          <p:cNvPr id="15" name="Slide Number Placeholder 5"/>
+          <p:cNvSpPr>
+            <a:spLocks noGrp="1"/>
+          </p:cNvSpPr>
+          <p:nvPr>
+            <p:ph type="sldNum" sz="quarter" idx="12"/>
+          </p:nvPr>
+        </p:nvSpPr>
+        <p:spPr bwMode="auto">
+          <a:xfrm>
+            <a:off x="203200" y="6400800"/>
+            <a:ext cx="2133600" cy="365125"/>
+          </a:xfrm>
+          <a:noFill/>
+          <a:extLst>
+            <a:ext uri="{909E8E84-426E-40dd-AFC4-6F175D3DCCD1}">
+              <a14:hiddenFill xmlns:a14="http://schemas.microsoft.com/office/drawing/2010/main">
+                <a:solidFill>
+                  <a:srgbClr val="FFFFFF"/>
+                </a:solidFill>
+              </a14:hiddenFill>
+            </a:ext>
+            <a:ext uri="{91240B29-F687-4f45-9708-019B960494DF}">
+              <a14:hiddenLine xmlns:a14="http://schemas.microsoft.com/office/drawing/2010/main" w="9525">
+                <a:solidFill>
+                  <a:srgbClr val="000000"/>
+                </a:solidFill>
+                <a:miter lim="800000"/>
+                <a:headEnd/>
+                <a:tailEnd/>
+              </a14:hiddenLine>
+            </a:ext>
+          </a:extLst>
+        </p:spPr>
+        <p:txBody>
+          <a:bodyPr vert="horz" wrap="square" lIns="91440" tIns="45720" rIns="91440" bIns="45720" numCol="1" anchor="ctr" anchorCtr="0" compatLnSpc="1">
+            <a:prstTxWarp prst="textNoShape">
+              <a:avLst/>
+            </a:prstTxWarp>
+          </a:bodyPr>
+          <a:lstStyle>
+            <a:lvl1pPr eaLnBrk="0" hangingPunct="0">
+              <a:defRPr sz="2400">
+                <a:solidFill>
+                  <a:schemeClr val="tx1"/>
+                </a:solidFill>
+                <a:latin typeface="Trebuchet MS" charset="0"/>
+                <a:ea typeface="ＭＳ Ｐゴシック" charset="0"/>
+                <a:cs typeface="ＭＳ Ｐゴシック" charset="0"/>
+              </a:defRPr>
+            </a:lvl1pPr>
+            <a:lvl2pPr marL="742950" indent="-285750" eaLnBrk="0" hangingPunct="0">
+              <a:defRPr sz="2400">
+                <a:solidFill>
+                  <a:schemeClr val="tx1"/>
+                </a:solidFill>
+                <a:latin typeface="Trebuchet MS" charset="0"/>
+                <a:ea typeface="ＭＳ Ｐゴシック" charset="0"/>
+              </a:defRPr>
+            </a:lvl2pPr>
+            <a:lvl3pPr marL="1143000" indent="-228600" eaLnBrk="0" hangingPunct="0">
+              <a:defRPr sz="2400">
+                <a:solidFill>
+                  <a:schemeClr val="tx1"/>
+                </a:solidFill>
+                <a:latin typeface="Trebuchet MS" charset="0"/>
+                <a:ea typeface="ＭＳ Ｐゴシック" charset="0"/>
+              </a:defRPr>
+            </a:lvl3pPr>
+            <a:lvl4pPr marL="1600200" indent="-228600" eaLnBrk="0" hangingPunct="0">
+              <a:defRPr sz="2400">
+                <a:solidFill>
+                  <a:schemeClr val="tx1"/>
+                </a:solidFill>
+                <a:latin typeface="Trebuchet MS" charset="0"/>
+                <a:ea typeface="ＭＳ Ｐゴシック" charset="0"/>
+              </a:defRPr>
+            </a:lvl4pPr>
+            <a:lvl5pPr marL="2057400" indent="-228600" eaLnBrk="0" hangingPunct="0">
+              <a:defRPr sz="2400">
+                <a:solidFill>
+                  <a:schemeClr val="tx1"/>
+                </a:solidFill>
+                <a:latin typeface="Trebuchet MS" charset="0"/>
+                <a:ea typeface="ＭＳ Ｐゴシック" charset="0"/>
+              </a:defRPr>
+            </a:lvl5pPr>
+            <a:lvl6pPr marL="2514600" indent="-228600" eaLnBrk="0" fontAlgn="base" hangingPunct="0">
+              <a:spcBef>
+                <a:spcPct val="0"/>
+              </a:spcBef>
+              <a:spcAft>
+                <a:spcPct val="0"/>
+              </a:spcAft>
+              <a:defRPr sz="2400">
+                <a:solidFill>
+                  <a:schemeClr val="tx1"/>
+                </a:solidFill>
+                <a:latin typeface="Trebuchet MS" charset="0"/>
+                <a:ea typeface="ＭＳ Ｐゴシック" charset="0"/>
+              </a:defRPr>
+            </a:lvl6pPr>
+            <a:lvl7pPr marL="2971800" indent="-228600" eaLnBrk="0" fontAlgn="base" hangingPunct="0">
+              <a:spcBef>
+                <a:spcPct val="0"/>
+              </a:spcBef>
+              <a:spcAft>
+                <a:spcPct val="0"/>
+              </a:spcAft>
+              <a:defRPr sz="2400">
+                <a:solidFill>
+                  <a:schemeClr val="tx1"/>
+                </a:solidFill>
+                <a:latin typeface="Trebuchet MS" charset="0"/>
+                <a:ea typeface="ＭＳ Ｐゴシック" charset="0"/>
+              </a:defRPr>
+            </a:lvl7pPr>
+            <a:lvl8pPr marL="3429000" indent="-228600" eaLnBrk="0" fontAlgn="base" hangingPunct="0">
+              <a:spcBef>
+                <a:spcPct val="0"/>
+              </a:spcBef>
+              <a:spcAft>
+                <a:spcPct val="0"/>
+              </a:spcAft>
+              <a:defRPr sz="2400">
+                <a:solidFill>
+                  <a:schemeClr val="tx1"/>
+                </a:solidFill>
+                <a:latin typeface="Trebuchet MS" charset="0"/>
+                <a:ea typeface="ＭＳ Ｐゴシック" charset="0"/>
+              </a:defRPr>
+            </a:lvl8pPr>
+            <a:lvl9pPr marL="3886200" indent="-228600" eaLnBrk="0" fontAlgn="base" hangingPunct="0">
+              <a:spcBef>
+                <a:spcPct val="0"/>
+              </a:spcBef>
+              <a:spcAft>
+                <a:spcPct val="0"/>
+              </a:spcAft>
+              <a:defRPr sz="2400">
+                <a:solidFill>
+                  <a:schemeClr val="tx1"/>
+                </a:solidFill>
+                <a:latin typeface="Trebuchet MS" charset="0"/>
+                <a:ea typeface="ＭＳ Ｐゴシック" charset="0"/>
+              </a:defRPr>
+            </a:lvl9pPr>
+          </a:lstStyle>
+          <a:p>
+            <a:pPr algn="l" eaLnBrk="1" hangingPunct="1"/>
+            <a:r>
+              <a:rPr lang="en-US" sz="1200" b="1" dirty="0">
+                <a:solidFill>
+                  <a:srgbClr val="122956"/>
+                </a:solidFill>
+                <a:cs typeface="Trebuchet MS" charset="0"/>
+              </a:rPr>
+              <a:t>4</a:t>
+            </a:r>
+            <a:r>
+              <a:rPr lang="en-US" sz="1200" b="1" dirty="0" smtClean="0">
+                <a:solidFill>
+                  <a:srgbClr val="122956"/>
+                </a:solidFill>
+                <a:cs typeface="Trebuchet MS" charset="0"/>
+              </a:rPr>
+              <a:t>-</a:t>
+            </a:r>
+            <a:fld id="{31B56995-E14C-B64F-86C9-12D6DB74A41E}" type="slidenum">
+              <a:rPr lang="en-US" sz="1200" b="1">
+                <a:solidFill>
+                  <a:srgbClr val="122956"/>
+                </a:solidFill>
+                <a:cs typeface="Trebuchet MS" charset="0"/>
+              </a:rPr>
+              <a:pPr algn="l" eaLnBrk="1" hangingPunct="1"/>
+              <a:t>3</a:t>
+            </a:fld>
+            <a:endParaRPr lang="en-US" sz="1200" b="1" dirty="0">
+              <a:solidFill>
+                <a:srgbClr val="122956"/>
+              </a:solidFill>
+              <a:cs typeface="Trebuchet MS" charset="0"/>
+            </a:endParaRPr>
+          </a:p>
+        </p:txBody>
+      </p:sp>
     </p:spTree>
     <p:extLst>
       <p:ext uri="{BB962C8B-B14F-4D97-AF65-F5344CB8AC3E}">
@@ -14469,6 +16706,195 @@
           </a:p>
         </p:txBody>
       </p:sp>
+      <p:sp>
+        <p:nvSpPr>
+          <p:cNvPr id="4" name="Slide Number Placeholder 5"/>
+          <p:cNvSpPr>
+            <a:spLocks noGrp="1"/>
+          </p:cNvSpPr>
+          <p:nvPr>
+            <p:ph type="sldNum" sz="quarter" idx="12"/>
+          </p:nvPr>
+        </p:nvSpPr>
+        <p:spPr bwMode="auto">
+          <a:xfrm>
+            <a:off x="203200" y="6400800"/>
+            <a:ext cx="2133600" cy="365125"/>
+          </a:xfrm>
+          <a:noFill/>
+          <a:extLst>
+            <a:ext uri="{909E8E84-426E-40dd-AFC4-6F175D3DCCD1}">
+              <a14:hiddenFill xmlns:a14="http://schemas.microsoft.com/office/drawing/2010/main">
+                <a:solidFill>
+                  <a:srgbClr val="FFFFFF"/>
+                </a:solidFill>
+              </a14:hiddenFill>
+            </a:ext>
+            <a:ext uri="{91240B29-F687-4f45-9708-019B960494DF}">
+              <a14:hiddenLine xmlns:a14="http://schemas.microsoft.com/office/drawing/2010/main" w="9525">
+                <a:solidFill>
+                  <a:srgbClr val="000000"/>
+                </a:solidFill>
+                <a:miter lim="800000"/>
+                <a:headEnd/>
+                <a:tailEnd/>
+              </a14:hiddenLine>
+            </a:ext>
+          </a:extLst>
+        </p:spPr>
+        <p:txBody>
+          <a:bodyPr vert="horz" wrap="square" lIns="91440" tIns="45720" rIns="91440" bIns="45720" numCol="1" anchor="ctr" anchorCtr="0" compatLnSpc="1">
+            <a:prstTxWarp prst="textNoShape">
+              <a:avLst/>
+            </a:prstTxWarp>
+          </a:bodyPr>
+          <a:lstStyle>
+            <a:lvl1pPr eaLnBrk="0" hangingPunct="0">
+              <a:defRPr sz="2400">
+                <a:solidFill>
+                  <a:schemeClr val="tx1"/>
+                </a:solidFill>
+                <a:latin typeface="Trebuchet MS" charset="0"/>
+                <a:ea typeface="ＭＳ Ｐゴシック" charset="0"/>
+                <a:cs typeface="ＭＳ Ｐゴシック" charset="0"/>
+              </a:defRPr>
+            </a:lvl1pPr>
+            <a:lvl2pPr marL="742950" indent="-285750" eaLnBrk="0" hangingPunct="0">
+              <a:defRPr sz="2400">
+                <a:solidFill>
+                  <a:schemeClr val="tx1"/>
+                </a:solidFill>
+                <a:latin typeface="Trebuchet MS" charset="0"/>
+                <a:ea typeface="ＭＳ Ｐゴシック" charset="0"/>
+              </a:defRPr>
+            </a:lvl2pPr>
+            <a:lvl3pPr marL="1143000" indent="-228600" eaLnBrk="0" hangingPunct="0">
+              <a:defRPr sz="2400">
+                <a:solidFill>
+                  <a:schemeClr val="tx1"/>
+                </a:solidFill>
+                <a:latin typeface="Trebuchet MS" charset="0"/>
+                <a:ea typeface="ＭＳ Ｐゴシック" charset="0"/>
+              </a:defRPr>
+            </a:lvl3pPr>
+            <a:lvl4pPr marL="1600200" indent="-228600" eaLnBrk="0" hangingPunct="0">
+              <a:defRPr sz="2400">
+                <a:solidFill>
+                  <a:schemeClr val="tx1"/>
+                </a:solidFill>
+                <a:latin typeface="Trebuchet MS" charset="0"/>
+                <a:ea typeface="ＭＳ Ｐゴシック" charset="0"/>
+              </a:defRPr>
+            </a:lvl4pPr>
+            <a:lvl5pPr marL="2057400" indent="-228600" eaLnBrk="0" hangingPunct="0">
+              <a:defRPr sz="2400">
+                <a:solidFill>
+                  <a:schemeClr val="tx1"/>
+                </a:solidFill>
+                <a:latin typeface="Trebuchet MS" charset="0"/>
+                <a:ea typeface="ＭＳ Ｐゴシック" charset="0"/>
+              </a:defRPr>
+            </a:lvl5pPr>
+            <a:lvl6pPr marL="2514600" indent="-228600" eaLnBrk="0" fontAlgn="base" hangingPunct="0">
+              <a:spcBef>
+                <a:spcPct val="0"/>
+              </a:spcBef>
+              <a:spcAft>
+                <a:spcPct val="0"/>
+              </a:spcAft>
+              <a:defRPr sz="2400">
+                <a:solidFill>
+                  <a:schemeClr val="tx1"/>
+                </a:solidFill>
+                <a:latin typeface="Trebuchet MS" charset="0"/>
+                <a:ea typeface="ＭＳ Ｐゴシック" charset="0"/>
+              </a:defRPr>
+            </a:lvl6pPr>
+            <a:lvl7pPr marL="2971800" indent="-228600" eaLnBrk="0" fontAlgn="base" hangingPunct="0">
+              <a:spcBef>
+                <a:spcPct val="0"/>
+              </a:spcBef>
+              <a:spcAft>
+                <a:spcPct val="0"/>
+              </a:spcAft>
+              <a:defRPr sz="2400">
+                <a:solidFill>
+                  <a:schemeClr val="tx1"/>
+                </a:solidFill>
+                <a:latin typeface="Trebuchet MS" charset="0"/>
+                <a:ea typeface="ＭＳ Ｐゴシック" charset="0"/>
+              </a:defRPr>
+            </a:lvl7pPr>
+            <a:lvl8pPr marL="3429000" indent="-228600" eaLnBrk="0" fontAlgn="base" hangingPunct="0">
+              <a:spcBef>
+                <a:spcPct val="0"/>
+              </a:spcBef>
+              <a:spcAft>
+                <a:spcPct val="0"/>
+              </a:spcAft>
+              <a:defRPr sz="2400">
+                <a:solidFill>
+                  <a:schemeClr val="tx1"/>
+                </a:solidFill>
+                <a:latin typeface="Trebuchet MS" charset="0"/>
+                <a:ea typeface="ＭＳ Ｐゴシック" charset="0"/>
+              </a:defRPr>
+            </a:lvl8pPr>
+            <a:lvl9pPr marL="3886200" indent="-228600" eaLnBrk="0" fontAlgn="base" hangingPunct="0">
+              <a:spcBef>
+                <a:spcPct val="0"/>
+              </a:spcBef>
+              <a:spcAft>
+                <a:spcPct val="0"/>
+              </a:spcAft>
+              <a:defRPr sz="2400">
+                <a:solidFill>
+                  <a:schemeClr val="tx1"/>
+                </a:solidFill>
+                <a:latin typeface="Trebuchet MS" charset="0"/>
+                <a:ea typeface="ＭＳ Ｐゴシック" charset="0"/>
+              </a:defRPr>
+            </a:lvl9pPr>
+          </a:lstStyle>
+          <a:p>
+            <a:pPr algn="l" eaLnBrk="1" hangingPunct="1"/>
+            <a:r>
+              <a:rPr lang="en-US" sz="1200" b="1" dirty="0">
+                <a:solidFill>
+                  <a:srgbClr val="122956"/>
+                </a:solidFill>
+                <a:cs typeface="Trebuchet MS" charset="0"/>
+              </a:rPr>
+              <a:t>4</a:t>
+            </a:r>
+            <a:r>
+              <a:rPr lang="en-US" sz="1200" b="1" dirty="0" smtClean="0">
+                <a:solidFill>
+                  <a:srgbClr val="122956"/>
+                </a:solidFill>
+                <a:cs typeface="Trebuchet MS" charset="0"/>
+              </a:rPr>
+              <a:t>-</a:t>
+            </a:r>
+            <a:fld id="{31B56995-E14C-B64F-86C9-12D6DB74A41E}" type="slidenum">
+              <a:rPr lang="en-US" sz="1200" b="1">
+                <a:solidFill>
+                  <a:srgbClr val="122956"/>
+                </a:solidFill>
+                <a:cs typeface="Trebuchet MS" charset="0"/>
+              </a:rPr>
+              <a:pPr algn="l" eaLnBrk="1" hangingPunct="1"/>
+              <a:t>4</a:t>
+            </a:fld>
+            <a:endParaRPr lang="en-US" sz="1200" b="1" dirty="0">
+              <a:solidFill>
+                <a:srgbClr val="122956"/>
+              </a:solidFill>
+              <a:cs typeface="Trebuchet MS" charset="0"/>
+            </a:endParaRPr>
+          </a:p>
+        </p:txBody>
+      </p:sp>
     </p:spTree>
     <p:extLst>
       <p:ext uri="{BB962C8B-B14F-4D97-AF65-F5344CB8AC3E}">
@@ -14753,6 +17179,195 @@
             <a:endParaRPr lang="en-US" sz="2000" dirty="0">
               <a:latin typeface="Courier"/>
               <a:cs typeface="Courier"/>
+            </a:endParaRPr>
+          </a:p>
+        </p:txBody>
+      </p:sp>
+      <p:sp>
+        <p:nvSpPr>
+          <p:cNvPr id="4" name="Slide Number Placeholder 5"/>
+          <p:cNvSpPr>
+            <a:spLocks noGrp="1"/>
+          </p:cNvSpPr>
+          <p:nvPr>
+            <p:ph type="sldNum" sz="quarter" idx="12"/>
+          </p:nvPr>
+        </p:nvSpPr>
+        <p:spPr bwMode="auto">
+          <a:xfrm>
+            <a:off x="203200" y="6400800"/>
+            <a:ext cx="2133600" cy="365125"/>
+          </a:xfrm>
+          <a:noFill/>
+          <a:extLst>
+            <a:ext uri="{909E8E84-426E-40dd-AFC4-6F175D3DCCD1}">
+              <a14:hiddenFill xmlns:a14="http://schemas.microsoft.com/office/drawing/2010/main">
+                <a:solidFill>
+                  <a:srgbClr val="FFFFFF"/>
+                </a:solidFill>
+              </a14:hiddenFill>
+            </a:ext>
+            <a:ext uri="{91240B29-F687-4f45-9708-019B960494DF}">
+              <a14:hiddenLine xmlns:a14="http://schemas.microsoft.com/office/drawing/2010/main" w="9525">
+                <a:solidFill>
+                  <a:srgbClr val="000000"/>
+                </a:solidFill>
+                <a:miter lim="800000"/>
+                <a:headEnd/>
+                <a:tailEnd/>
+              </a14:hiddenLine>
+            </a:ext>
+          </a:extLst>
+        </p:spPr>
+        <p:txBody>
+          <a:bodyPr vert="horz" wrap="square" lIns="91440" tIns="45720" rIns="91440" bIns="45720" numCol="1" anchor="ctr" anchorCtr="0" compatLnSpc="1">
+            <a:prstTxWarp prst="textNoShape">
+              <a:avLst/>
+            </a:prstTxWarp>
+          </a:bodyPr>
+          <a:lstStyle>
+            <a:lvl1pPr eaLnBrk="0" hangingPunct="0">
+              <a:defRPr sz="2400">
+                <a:solidFill>
+                  <a:schemeClr val="tx1"/>
+                </a:solidFill>
+                <a:latin typeface="Trebuchet MS" charset="0"/>
+                <a:ea typeface="ＭＳ Ｐゴシック" charset="0"/>
+                <a:cs typeface="ＭＳ Ｐゴシック" charset="0"/>
+              </a:defRPr>
+            </a:lvl1pPr>
+            <a:lvl2pPr marL="742950" indent="-285750" eaLnBrk="0" hangingPunct="0">
+              <a:defRPr sz="2400">
+                <a:solidFill>
+                  <a:schemeClr val="tx1"/>
+                </a:solidFill>
+                <a:latin typeface="Trebuchet MS" charset="0"/>
+                <a:ea typeface="ＭＳ Ｐゴシック" charset="0"/>
+              </a:defRPr>
+            </a:lvl2pPr>
+            <a:lvl3pPr marL="1143000" indent="-228600" eaLnBrk="0" hangingPunct="0">
+              <a:defRPr sz="2400">
+                <a:solidFill>
+                  <a:schemeClr val="tx1"/>
+                </a:solidFill>
+                <a:latin typeface="Trebuchet MS" charset="0"/>
+                <a:ea typeface="ＭＳ Ｐゴシック" charset="0"/>
+              </a:defRPr>
+            </a:lvl3pPr>
+            <a:lvl4pPr marL="1600200" indent="-228600" eaLnBrk="0" hangingPunct="0">
+              <a:defRPr sz="2400">
+                <a:solidFill>
+                  <a:schemeClr val="tx1"/>
+                </a:solidFill>
+                <a:latin typeface="Trebuchet MS" charset="0"/>
+                <a:ea typeface="ＭＳ Ｐゴシック" charset="0"/>
+              </a:defRPr>
+            </a:lvl4pPr>
+            <a:lvl5pPr marL="2057400" indent="-228600" eaLnBrk="0" hangingPunct="0">
+              <a:defRPr sz="2400">
+                <a:solidFill>
+                  <a:schemeClr val="tx1"/>
+                </a:solidFill>
+                <a:latin typeface="Trebuchet MS" charset="0"/>
+                <a:ea typeface="ＭＳ Ｐゴシック" charset="0"/>
+              </a:defRPr>
+            </a:lvl5pPr>
+            <a:lvl6pPr marL="2514600" indent="-228600" eaLnBrk="0" fontAlgn="base" hangingPunct="0">
+              <a:spcBef>
+                <a:spcPct val="0"/>
+              </a:spcBef>
+              <a:spcAft>
+                <a:spcPct val="0"/>
+              </a:spcAft>
+              <a:defRPr sz="2400">
+                <a:solidFill>
+                  <a:schemeClr val="tx1"/>
+                </a:solidFill>
+                <a:latin typeface="Trebuchet MS" charset="0"/>
+                <a:ea typeface="ＭＳ Ｐゴシック" charset="0"/>
+              </a:defRPr>
+            </a:lvl6pPr>
+            <a:lvl7pPr marL="2971800" indent="-228600" eaLnBrk="0" fontAlgn="base" hangingPunct="0">
+              <a:spcBef>
+                <a:spcPct val="0"/>
+              </a:spcBef>
+              <a:spcAft>
+                <a:spcPct val="0"/>
+              </a:spcAft>
+              <a:defRPr sz="2400">
+                <a:solidFill>
+                  <a:schemeClr val="tx1"/>
+                </a:solidFill>
+                <a:latin typeface="Trebuchet MS" charset="0"/>
+                <a:ea typeface="ＭＳ Ｐゴシック" charset="0"/>
+              </a:defRPr>
+            </a:lvl7pPr>
+            <a:lvl8pPr marL="3429000" indent="-228600" eaLnBrk="0" fontAlgn="base" hangingPunct="0">
+              <a:spcBef>
+                <a:spcPct val="0"/>
+              </a:spcBef>
+              <a:spcAft>
+                <a:spcPct val="0"/>
+              </a:spcAft>
+              <a:defRPr sz="2400">
+                <a:solidFill>
+                  <a:schemeClr val="tx1"/>
+                </a:solidFill>
+                <a:latin typeface="Trebuchet MS" charset="0"/>
+                <a:ea typeface="ＭＳ Ｐゴシック" charset="0"/>
+              </a:defRPr>
+            </a:lvl8pPr>
+            <a:lvl9pPr marL="3886200" indent="-228600" eaLnBrk="0" fontAlgn="base" hangingPunct="0">
+              <a:spcBef>
+                <a:spcPct val="0"/>
+              </a:spcBef>
+              <a:spcAft>
+                <a:spcPct val="0"/>
+              </a:spcAft>
+              <a:defRPr sz="2400">
+                <a:solidFill>
+                  <a:schemeClr val="tx1"/>
+                </a:solidFill>
+                <a:latin typeface="Trebuchet MS" charset="0"/>
+                <a:ea typeface="ＭＳ Ｐゴシック" charset="0"/>
+              </a:defRPr>
+            </a:lvl9pPr>
+          </a:lstStyle>
+          <a:p>
+            <a:pPr algn="l" eaLnBrk="1" hangingPunct="1"/>
+            <a:r>
+              <a:rPr lang="en-US" sz="1200" b="1" dirty="0">
+                <a:solidFill>
+                  <a:srgbClr val="122956"/>
+                </a:solidFill>
+                <a:cs typeface="Trebuchet MS" charset="0"/>
+              </a:rPr>
+              <a:t>4</a:t>
+            </a:r>
+            <a:r>
+              <a:rPr lang="en-US" sz="1200" b="1" dirty="0" smtClean="0">
+                <a:solidFill>
+                  <a:srgbClr val="122956"/>
+                </a:solidFill>
+                <a:cs typeface="Trebuchet MS" charset="0"/>
+              </a:rPr>
+              <a:t>-</a:t>
+            </a:r>
+            <a:fld id="{31B56995-E14C-B64F-86C9-12D6DB74A41E}" type="slidenum">
+              <a:rPr lang="en-US" sz="1200" b="1">
+                <a:solidFill>
+                  <a:srgbClr val="122956"/>
+                </a:solidFill>
+                <a:cs typeface="Trebuchet MS" charset="0"/>
+              </a:rPr>
+              <a:pPr algn="l" eaLnBrk="1" hangingPunct="1"/>
+              <a:t>5</a:t>
+            </a:fld>
+            <a:endParaRPr lang="en-US" sz="1200" b="1" dirty="0">
+              <a:solidFill>
+                <a:srgbClr val="122956"/>
+              </a:solidFill>
+              <a:cs typeface="Trebuchet MS" charset="0"/>
             </a:endParaRPr>
           </a:p>
         </p:txBody>
@@ -15064,6 +17679,195 @@
           </a:extLst>
         </p:spPr>
       </p:pic>
+      <p:sp>
+        <p:nvSpPr>
+          <p:cNvPr id="5" name="Slide Number Placeholder 5"/>
+          <p:cNvSpPr>
+            <a:spLocks noGrp="1"/>
+          </p:cNvSpPr>
+          <p:nvPr>
+            <p:ph type="sldNum" sz="quarter" idx="12"/>
+          </p:nvPr>
+        </p:nvSpPr>
+        <p:spPr bwMode="auto">
+          <a:xfrm>
+            <a:off x="203200" y="6400800"/>
+            <a:ext cx="2133600" cy="365125"/>
+          </a:xfrm>
+          <a:noFill/>
+          <a:extLst>
+            <a:ext uri="{909E8E84-426E-40dd-AFC4-6F175D3DCCD1}">
+              <a14:hiddenFill xmlns:a14="http://schemas.microsoft.com/office/drawing/2010/main">
+                <a:solidFill>
+                  <a:srgbClr val="FFFFFF"/>
+                </a:solidFill>
+              </a14:hiddenFill>
+            </a:ext>
+            <a:ext uri="{91240B29-F687-4f45-9708-019B960494DF}">
+              <a14:hiddenLine xmlns:a14="http://schemas.microsoft.com/office/drawing/2010/main" w="9525">
+                <a:solidFill>
+                  <a:srgbClr val="000000"/>
+                </a:solidFill>
+                <a:miter lim="800000"/>
+                <a:headEnd/>
+                <a:tailEnd/>
+              </a14:hiddenLine>
+            </a:ext>
+          </a:extLst>
+        </p:spPr>
+        <p:txBody>
+          <a:bodyPr vert="horz" wrap="square" lIns="91440" tIns="45720" rIns="91440" bIns="45720" numCol="1" anchor="ctr" anchorCtr="0" compatLnSpc="1">
+            <a:prstTxWarp prst="textNoShape">
+              <a:avLst/>
+            </a:prstTxWarp>
+          </a:bodyPr>
+          <a:lstStyle>
+            <a:lvl1pPr eaLnBrk="0" hangingPunct="0">
+              <a:defRPr sz="2400">
+                <a:solidFill>
+                  <a:schemeClr val="tx1"/>
+                </a:solidFill>
+                <a:latin typeface="Trebuchet MS" charset="0"/>
+                <a:ea typeface="ＭＳ Ｐゴシック" charset="0"/>
+                <a:cs typeface="ＭＳ Ｐゴシック" charset="0"/>
+              </a:defRPr>
+            </a:lvl1pPr>
+            <a:lvl2pPr marL="742950" indent="-285750" eaLnBrk="0" hangingPunct="0">
+              <a:defRPr sz="2400">
+                <a:solidFill>
+                  <a:schemeClr val="tx1"/>
+                </a:solidFill>
+                <a:latin typeface="Trebuchet MS" charset="0"/>
+                <a:ea typeface="ＭＳ Ｐゴシック" charset="0"/>
+              </a:defRPr>
+            </a:lvl2pPr>
+            <a:lvl3pPr marL="1143000" indent="-228600" eaLnBrk="0" hangingPunct="0">
+              <a:defRPr sz="2400">
+                <a:solidFill>
+                  <a:schemeClr val="tx1"/>
+                </a:solidFill>
+                <a:latin typeface="Trebuchet MS" charset="0"/>
+                <a:ea typeface="ＭＳ Ｐゴシック" charset="0"/>
+              </a:defRPr>
+            </a:lvl3pPr>
+            <a:lvl4pPr marL="1600200" indent="-228600" eaLnBrk="0" hangingPunct="0">
+              <a:defRPr sz="2400">
+                <a:solidFill>
+                  <a:schemeClr val="tx1"/>
+                </a:solidFill>
+                <a:latin typeface="Trebuchet MS" charset="0"/>
+                <a:ea typeface="ＭＳ Ｐゴシック" charset="0"/>
+              </a:defRPr>
+            </a:lvl4pPr>
+            <a:lvl5pPr marL="2057400" indent="-228600" eaLnBrk="0" hangingPunct="0">
+              <a:defRPr sz="2400">
+                <a:solidFill>
+                  <a:schemeClr val="tx1"/>
+                </a:solidFill>
+                <a:latin typeface="Trebuchet MS" charset="0"/>
+                <a:ea typeface="ＭＳ Ｐゴシック" charset="0"/>
+              </a:defRPr>
+            </a:lvl5pPr>
+            <a:lvl6pPr marL="2514600" indent="-228600" eaLnBrk="0" fontAlgn="base" hangingPunct="0">
+              <a:spcBef>
+                <a:spcPct val="0"/>
+              </a:spcBef>
+              <a:spcAft>
+                <a:spcPct val="0"/>
+              </a:spcAft>
+              <a:defRPr sz="2400">
+                <a:solidFill>
+                  <a:schemeClr val="tx1"/>
+                </a:solidFill>
+                <a:latin typeface="Trebuchet MS" charset="0"/>
+                <a:ea typeface="ＭＳ Ｐゴシック" charset="0"/>
+              </a:defRPr>
+            </a:lvl6pPr>
+            <a:lvl7pPr marL="2971800" indent="-228600" eaLnBrk="0" fontAlgn="base" hangingPunct="0">
+              <a:spcBef>
+                <a:spcPct val="0"/>
+              </a:spcBef>
+              <a:spcAft>
+                <a:spcPct val="0"/>
+              </a:spcAft>
+              <a:defRPr sz="2400">
+                <a:solidFill>
+                  <a:schemeClr val="tx1"/>
+                </a:solidFill>
+                <a:latin typeface="Trebuchet MS" charset="0"/>
+                <a:ea typeface="ＭＳ Ｐゴシック" charset="0"/>
+              </a:defRPr>
+            </a:lvl7pPr>
+            <a:lvl8pPr marL="3429000" indent="-228600" eaLnBrk="0" fontAlgn="base" hangingPunct="0">
+              <a:spcBef>
+                <a:spcPct val="0"/>
+              </a:spcBef>
+              <a:spcAft>
+                <a:spcPct val="0"/>
+              </a:spcAft>
+              <a:defRPr sz="2400">
+                <a:solidFill>
+                  <a:schemeClr val="tx1"/>
+                </a:solidFill>
+                <a:latin typeface="Trebuchet MS" charset="0"/>
+                <a:ea typeface="ＭＳ Ｐゴシック" charset="0"/>
+              </a:defRPr>
+            </a:lvl8pPr>
+            <a:lvl9pPr marL="3886200" indent="-228600" eaLnBrk="0" fontAlgn="base" hangingPunct="0">
+              <a:spcBef>
+                <a:spcPct val="0"/>
+              </a:spcBef>
+              <a:spcAft>
+                <a:spcPct val="0"/>
+              </a:spcAft>
+              <a:defRPr sz="2400">
+                <a:solidFill>
+                  <a:schemeClr val="tx1"/>
+                </a:solidFill>
+                <a:latin typeface="Trebuchet MS" charset="0"/>
+                <a:ea typeface="ＭＳ Ｐゴシック" charset="0"/>
+              </a:defRPr>
+            </a:lvl9pPr>
+          </a:lstStyle>
+          <a:p>
+            <a:pPr algn="l" eaLnBrk="1" hangingPunct="1"/>
+            <a:r>
+              <a:rPr lang="en-US" sz="1200" b="1" dirty="0">
+                <a:solidFill>
+                  <a:srgbClr val="122956"/>
+                </a:solidFill>
+                <a:cs typeface="Trebuchet MS" charset="0"/>
+              </a:rPr>
+              <a:t>4</a:t>
+            </a:r>
+            <a:r>
+              <a:rPr lang="en-US" sz="1200" b="1" dirty="0" smtClean="0">
+                <a:solidFill>
+                  <a:srgbClr val="122956"/>
+                </a:solidFill>
+                <a:cs typeface="Trebuchet MS" charset="0"/>
+              </a:rPr>
+              <a:t>-</a:t>
+            </a:r>
+            <a:fld id="{31B56995-E14C-B64F-86C9-12D6DB74A41E}" type="slidenum">
+              <a:rPr lang="en-US" sz="1200" b="1">
+                <a:solidFill>
+                  <a:srgbClr val="122956"/>
+                </a:solidFill>
+                <a:cs typeface="Trebuchet MS" charset="0"/>
+              </a:rPr>
+              <a:pPr algn="l" eaLnBrk="1" hangingPunct="1"/>
+              <a:t>6</a:t>
+            </a:fld>
+            <a:endParaRPr lang="en-US" sz="1200" b="1" dirty="0">
+              <a:solidFill>
+                <a:srgbClr val="122956"/>
+              </a:solidFill>
+              <a:cs typeface="Trebuchet MS" charset="0"/>
+            </a:endParaRPr>
+          </a:p>
+        </p:txBody>
+      </p:sp>
     </p:spTree>
     <p:extLst>
       <p:ext uri="{BB962C8B-B14F-4D97-AF65-F5344CB8AC3E}">
@@ -15478,6 +18282,195 @@
           </a:p>
         </p:txBody>
       </p:sp>
+      <p:sp>
+        <p:nvSpPr>
+          <p:cNvPr id="11" name="Slide Number Placeholder 5"/>
+          <p:cNvSpPr>
+            <a:spLocks noGrp="1"/>
+          </p:cNvSpPr>
+          <p:nvPr>
+            <p:ph type="sldNum" sz="quarter" idx="12"/>
+          </p:nvPr>
+        </p:nvSpPr>
+        <p:spPr bwMode="auto">
+          <a:xfrm>
+            <a:off x="203200" y="6400800"/>
+            <a:ext cx="2133600" cy="365125"/>
+          </a:xfrm>
+          <a:noFill/>
+          <a:extLst>
+            <a:ext uri="{909E8E84-426E-40dd-AFC4-6F175D3DCCD1}">
+              <a14:hiddenFill xmlns:a14="http://schemas.microsoft.com/office/drawing/2010/main">
+                <a:solidFill>
+                  <a:srgbClr val="FFFFFF"/>
+                </a:solidFill>
+              </a14:hiddenFill>
+            </a:ext>
+            <a:ext uri="{91240B29-F687-4f45-9708-019B960494DF}">
+              <a14:hiddenLine xmlns:a14="http://schemas.microsoft.com/office/drawing/2010/main" w="9525">
+                <a:solidFill>
+                  <a:srgbClr val="000000"/>
+                </a:solidFill>
+                <a:miter lim="800000"/>
+                <a:headEnd/>
+                <a:tailEnd/>
+              </a14:hiddenLine>
+            </a:ext>
+          </a:extLst>
+        </p:spPr>
+        <p:txBody>
+          <a:bodyPr vert="horz" wrap="square" lIns="91440" tIns="45720" rIns="91440" bIns="45720" numCol="1" anchor="ctr" anchorCtr="0" compatLnSpc="1">
+            <a:prstTxWarp prst="textNoShape">
+              <a:avLst/>
+            </a:prstTxWarp>
+          </a:bodyPr>
+          <a:lstStyle>
+            <a:lvl1pPr eaLnBrk="0" hangingPunct="0">
+              <a:defRPr sz="2400">
+                <a:solidFill>
+                  <a:schemeClr val="tx1"/>
+                </a:solidFill>
+                <a:latin typeface="Trebuchet MS" charset="0"/>
+                <a:ea typeface="ＭＳ Ｐゴシック" charset="0"/>
+                <a:cs typeface="ＭＳ Ｐゴシック" charset="0"/>
+              </a:defRPr>
+            </a:lvl1pPr>
+            <a:lvl2pPr marL="742950" indent="-285750" eaLnBrk="0" hangingPunct="0">
+              <a:defRPr sz="2400">
+                <a:solidFill>
+                  <a:schemeClr val="tx1"/>
+                </a:solidFill>
+                <a:latin typeface="Trebuchet MS" charset="0"/>
+                <a:ea typeface="ＭＳ Ｐゴシック" charset="0"/>
+              </a:defRPr>
+            </a:lvl2pPr>
+            <a:lvl3pPr marL="1143000" indent="-228600" eaLnBrk="0" hangingPunct="0">
+              <a:defRPr sz="2400">
+                <a:solidFill>
+                  <a:schemeClr val="tx1"/>
+                </a:solidFill>
+                <a:latin typeface="Trebuchet MS" charset="0"/>
+                <a:ea typeface="ＭＳ Ｐゴシック" charset="0"/>
+              </a:defRPr>
+            </a:lvl3pPr>
+            <a:lvl4pPr marL="1600200" indent="-228600" eaLnBrk="0" hangingPunct="0">
+              <a:defRPr sz="2400">
+                <a:solidFill>
+                  <a:schemeClr val="tx1"/>
+                </a:solidFill>
+                <a:latin typeface="Trebuchet MS" charset="0"/>
+                <a:ea typeface="ＭＳ Ｐゴシック" charset="0"/>
+              </a:defRPr>
+            </a:lvl4pPr>
+            <a:lvl5pPr marL="2057400" indent="-228600" eaLnBrk="0" hangingPunct="0">
+              <a:defRPr sz="2400">
+                <a:solidFill>
+                  <a:schemeClr val="tx1"/>
+                </a:solidFill>
+                <a:latin typeface="Trebuchet MS" charset="0"/>
+                <a:ea typeface="ＭＳ Ｐゴシック" charset="0"/>
+              </a:defRPr>
+            </a:lvl5pPr>
+            <a:lvl6pPr marL="2514600" indent="-228600" eaLnBrk="0" fontAlgn="base" hangingPunct="0">
+              <a:spcBef>
+                <a:spcPct val="0"/>
+              </a:spcBef>
+              <a:spcAft>
+                <a:spcPct val="0"/>
+              </a:spcAft>
+              <a:defRPr sz="2400">
+                <a:solidFill>
+                  <a:schemeClr val="tx1"/>
+                </a:solidFill>
+                <a:latin typeface="Trebuchet MS" charset="0"/>
+                <a:ea typeface="ＭＳ Ｐゴシック" charset="0"/>
+              </a:defRPr>
+            </a:lvl6pPr>
+            <a:lvl7pPr marL="2971800" indent="-228600" eaLnBrk="0" fontAlgn="base" hangingPunct="0">
+              <a:spcBef>
+                <a:spcPct val="0"/>
+              </a:spcBef>
+              <a:spcAft>
+                <a:spcPct val="0"/>
+              </a:spcAft>
+              <a:defRPr sz="2400">
+                <a:solidFill>
+                  <a:schemeClr val="tx1"/>
+                </a:solidFill>
+                <a:latin typeface="Trebuchet MS" charset="0"/>
+                <a:ea typeface="ＭＳ Ｐゴシック" charset="0"/>
+              </a:defRPr>
+            </a:lvl7pPr>
+            <a:lvl8pPr marL="3429000" indent="-228600" eaLnBrk="0" fontAlgn="base" hangingPunct="0">
+              <a:spcBef>
+                <a:spcPct val="0"/>
+              </a:spcBef>
+              <a:spcAft>
+                <a:spcPct val="0"/>
+              </a:spcAft>
+              <a:defRPr sz="2400">
+                <a:solidFill>
+                  <a:schemeClr val="tx1"/>
+                </a:solidFill>
+                <a:latin typeface="Trebuchet MS" charset="0"/>
+                <a:ea typeface="ＭＳ Ｐゴシック" charset="0"/>
+              </a:defRPr>
+            </a:lvl8pPr>
+            <a:lvl9pPr marL="3886200" indent="-228600" eaLnBrk="0" fontAlgn="base" hangingPunct="0">
+              <a:spcBef>
+                <a:spcPct val="0"/>
+              </a:spcBef>
+              <a:spcAft>
+                <a:spcPct val="0"/>
+              </a:spcAft>
+              <a:defRPr sz="2400">
+                <a:solidFill>
+                  <a:schemeClr val="tx1"/>
+                </a:solidFill>
+                <a:latin typeface="Trebuchet MS" charset="0"/>
+                <a:ea typeface="ＭＳ Ｐゴシック" charset="0"/>
+              </a:defRPr>
+            </a:lvl9pPr>
+          </a:lstStyle>
+          <a:p>
+            <a:pPr algn="l" eaLnBrk="1" hangingPunct="1"/>
+            <a:r>
+              <a:rPr lang="en-US" sz="1200" b="1" dirty="0">
+                <a:solidFill>
+                  <a:srgbClr val="122956"/>
+                </a:solidFill>
+                <a:cs typeface="Trebuchet MS" charset="0"/>
+              </a:rPr>
+              <a:t>4</a:t>
+            </a:r>
+            <a:r>
+              <a:rPr lang="en-US" sz="1200" b="1" dirty="0" smtClean="0">
+                <a:solidFill>
+                  <a:srgbClr val="122956"/>
+                </a:solidFill>
+                <a:cs typeface="Trebuchet MS" charset="0"/>
+              </a:rPr>
+              <a:t>-</a:t>
+            </a:r>
+            <a:fld id="{31B56995-E14C-B64F-86C9-12D6DB74A41E}" type="slidenum">
+              <a:rPr lang="en-US" sz="1200" b="1">
+                <a:solidFill>
+                  <a:srgbClr val="122956"/>
+                </a:solidFill>
+                <a:cs typeface="Trebuchet MS" charset="0"/>
+              </a:rPr>
+              <a:pPr algn="l" eaLnBrk="1" hangingPunct="1"/>
+              <a:t>7</a:t>
+            </a:fld>
+            <a:endParaRPr lang="en-US" sz="1200" b="1" dirty="0">
+              <a:solidFill>
+                <a:srgbClr val="122956"/>
+              </a:solidFill>
+              <a:cs typeface="Trebuchet MS" charset="0"/>
+            </a:endParaRPr>
+          </a:p>
+        </p:txBody>
+      </p:sp>
     </p:spTree>
     <p:extLst>
       <p:ext uri="{BB962C8B-B14F-4D97-AF65-F5344CB8AC3E}">
@@ -16166,6 +19159,195 @@
               <a:t>(Row text via labels)</a:t>
             </a:r>
             <a:endParaRPr lang="en-US" sz="1800" dirty="0"/>
+          </a:p>
+        </p:txBody>
+      </p:sp>
+      <p:sp>
+        <p:nvSpPr>
+          <p:cNvPr id="16" name="Slide Number Placeholder 5"/>
+          <p:cNvSpPr>
+            <a:spLocks noGrp="1"/>
+          </p:cNvSpPr>
+          <p:nvPr>
+            <p:ph type="sldNum" sz="quarter" idx="12"/>
+          </p:nvPr>
+        </p:nvSpPr>
+        <p:spPr bwMode="auto">
+          <a:xfrm>
+            <a:off x="203200" y="6400800"/>
+            <a:ext cx="2133600" cy="365125"/>
+          </a:xfrm>
+          <a:noFill/>
+          <a:extLst>
+            <a:ext uri="{909E8E84-426E-40dd-AFC4-6F175D3DCCD1}">
+              <a14:hiddenFill xmlns:a14="http://schemas.microsoft.com/office/drawing/2010/main">
+                <a:solidFill>
+                  <a:srgbClr val="FFFFFF"/>
+                </a:solidFill>
+              </a14:hiddenFill>
+            </a:ext>
+            <a:ext uri="{91240B29-F687-4f45-9708-019B960494DF}">
+              <a14:hiddenLine xmlns:a14="http://schemas.microsoft.com/office/drawing/2010/main" w="9525">
+                <a:solidFill>
+                  <a:srgbClr val="000000"/>
+                </a:solidFill>
+                <a:miter lim="800000"/>
+                <a:headEnd/>
+                <a:tailEnd/>
+              </a14:hiddenLine>
+            </a:ext>
+          </a:extLst>
+        </p:spPr>
+        <p:txBody>
+          <a:bodyPr vert="horz" wrap="square" lIns="91440" tIns="45720" rIns="91440" bIns="45720" numCol="1" anchor="ctr" anchorCtr="0" compatLnSpc="1">
+            <a:prstTxWarp prst="textNoShape">
+              <a:avLst/>
+            </a:prstTxWarp>
+          </a:bodyPr>
+          <a:lstStyle>
+            <a:lvl1pPr eaLnBrk="0" hangingPunct="0">
+              <a:defRPr sz="2400">
+                <a:solidFill>
+                  <a:schemeClr val="tx1"/>
+                </a:solidFill>
+                <a:latin typeface="Trebuchet MS" charset="0"/>
+                <a:ea typeface="ＭＳ Ｐゴシック" charset="0"/>
+                <a:cs typeface="ＭＳ Ｐゴシック" charset="0"/>
+              </a:defRPr>
+            </a:lvl1pPr>
+            <a:lvl2pPr marL="742950" indent="-285750" eaLnBrk="0" hangingPunct="0">
+              <a:defRPr sz="2400">
+                <a:solidFill>
+                  <a:schemeClr val="tx1"/>
+                </a:solidFill>
+                <a:latin typeface="Trebuchet MS" charset="0"/>
+                <a:ea typeface="ＭＳ Ｐゴシック" charset="0"/>
+              </a:defRPr>
+            </a:lvl2pPr>
+            <a:lvl3pPr marL="1143000" indent="-228600" eaLnBrk="0" hangingPunct="0">
+              <a:defRPr sz="2400">
+                <a:solidFill>
+                  <a:schemeClr val="tx1"/>
+                </a:solidFill>
+                <a:latin typeface="Trebuchet MS" charset="0"/>
+                <a:ea typeface="ＭＳ Ｐゴシック" charset="0"/>
+              </a:defRPr>
+            </a:lvl3pPr>
+            <a:lvl4pPr marL="1600200" indent="-228600" eaLnBrk="0" hangingPunct="0">
+              <a:defRPr sz="2400">
+                <a:solidFill>
+                  <a:schemeClr val="tx1"/>
+                </a:solidFill>
+                <a:latin typeface="Trebuchet MS" charset="0"/>
+                <a:ea typeface="ＭＳ Ｐゴシック" charset="0"/>
+              </a:defRPr>
+            </a:lvl4pPr>
+            <a:lvl5pPr marL="2057400" indent="-228600" eaLnBrk="0" hangingPunct="0">
+              <a:defRPr sz="2400">
+                <a:solidFill>
+                  <a:schemeClr val="tx1"/>
+                </a:solidFill>
+                <a:latin typeface="Trebuchet MS" charset="0"/>
+                <a:ea typeface="ＭＳ Ｐゴシック" charset="0"/>
+              </a:defRPr>
+            </a:lvl5pPr>
+            <a:lvl6pPr marL="2514600" indent="-228600" eaLnBrk="0" fontAlgn="base" hangingPunct="0">
+              <a:spcBef>
+                <a:spcPct val="0"/>
+              </a:spcBef>
+              <a:spcAft>
+                <a:spcPct val="0"/>
+              </a:spcAft>
+              <a:defRPr sz="2400">
+                <a:solidFill>
+                  <a:schemeClr val="tx1"/>
+                </a:solidFill>
+                <a:latin typeface="Trebuchet MS" charset="0"/>
+                <a:ea typeface="ＭＳ Ｐゴシック" charset="0"/>
+              </a:defRPr>
+            </a:lvl6pPr>
+            <a:lvl7pPr marL="2971800" indent="-228600" eaLnBrk="0" fontAlgn="base" hangingPunct="0">
+              <a:spcBef>
+                <a:spcPct val="0"/>
+              </a:spcBef>
+              <a:spcAft>
+                <a:spcPct val="0"/>
+              </a:spcAft>
+              <a:defRPr sz="2400">
+                <a:solidFill>
+                  <a:schemeClr val="tx1"/>
+                </a:solidFill>
+                <a:latin typeface="Trebuchet MS" charset="0"/>
+                <a:ea typeface="ＭＳ Ｐゴシック" charset="0"/>
+              </a:defRPr>
+            </a:lvl7pPr>
+            <a:lvl8pPr marL="3429000" indent="-228600" eaLnBrk="0" fontAlgn="base" hangingPunct="0">
+              <a:spcBef>
+                <a:spcPct val="0"/>
+              </a:spcBef>
+              <a:spcAft>
+                <a:spcPct val="0"/>
+              </a:spcAft>
+              <a:defRPr sz="2400">
+                <a:solidFill>
+                  <a:schemeClr val="tx1"/>
+                </a:solidFill>
+                <a:latin typeface="Trebuchet MS" charset="0"/>
+                <a:ea typeface="ＭＳ Ｐゴシック" charset="0"/>
+              </a:defRPr>
+            </a:lvl8pPr>
+            <a:lvl9pPr marL="3886200" indent="-228600" eaLnBrk="0" fontAlgn="base" hangingPunct="0">
+              <a:spcBef>
+                <a:spcPct val="0"/>
+              </a:spcBef>
+              <a:spcAft>
+                <a:spcPct val="0"/>
+              </a:spcAft>
+              <a:defRPr sz="2400">
+                <a:solidFill>
+                  <a:schemeClr val="tx1"/>
+                </a:solidFill>
+                <a:latin typeface="Trebuchet MS" charset="0"/>
+                <a:ea typeface="ＭＳ Ｐゴシック" charset="0"/>
+              </a:defRPr>
+            </a:lvl9pPr>
+          </a:lstStyle>
+          <a:p>
+            <a:pPr algn="l" eaLnBrk="1" hangingPunct="1"/>
+            <a:r>
+              <a:rPr lang="en-US" sz="1200" b="1" dirty="0">
+                <a:solidFill>
+                  <a:srgbClr val="122956"/>
+                </a:solidFill>
+                <a:cs typeface="Trebuchet MS" charset="0"/>
+              </a:rPr>
+              <a:t>4</a:t>
+            </a:r>
+            <a:r>
+              <a:rPr lang="en-US" sz="1200" b="1" dirty="0" smtClean="0">
+                <a:solidFill>
+                  <a:srgbClr val="122956"/>
+                </a:solidFill>
+                <a:cs typeface="Trebuchet MS" charset="0"/>
+              </a:rPr>
+              <a:t>-</a:t>
+            </a:r>
+            <a:fld id="{31B56995-E14C-B64F-86C9-12D6DB74A41E}" type="slidenum">
+              <a:rPr lang="en-US" sz="1200" b="1">
+                <a:solidFill>
+                  <a:srgbClr val="122956"/>
+                </a:solidFill>
+                <a:cs typeface="Trebuchet MS" charset="0"/>
+              </a:rPr>
+              <a:pPr algn="l" eaLnBrk="1" hangingPunct="1"/>
+              <a:t>8</a:t>
+            </a:fld>
+            <a:endParaRPr lang="en-US" sz="1200" b="1" dirty="0">
+              <a:solidFill>
+                <a:srgbClr val="122956"/>
+              </a:solidFill>
+              <a:cs typeface="Trebuchet MS" charset="0"/>
+            </a:endParaRPr>
           </a:p>
         </p:txBody>
       </p:sp>
@@ -16764,6 +19946,195 @@
           </p:txBody>
         </p:sp>
       </p:grpSp>
+      <p:sp>
+        <p:nvSpPr>
+          <p:cNvPr id="16" name="Slide Number Placeholder 5"/>
+          <p:cNvSpPr>
+            <a:spLocks noGrp="1"/>
+          </p:cNvSpPr>
+          <p:nvPr>
+            <p:ph type="sldNum" sz="quarter" idx="12"/>
+          </p:nvPr>
+        </p:nvSpPr>
+        <p:spPr bwMode="auto">
+          <a:xfrm>
+            <a:off x="203200" y="6400800"/>
+            <a:ext cx="2133600" cy="365125"/>
+          </a:xfrm>
+          <a:noFill/>
+          <a:extLst>
+            <a:ext uri="{909E8E84-426E-40dd-AFC4-6F175D3DCCD1}">
+              <a14:hiddenFill xmlns:a14="http://schemas.microsoft.com/office/drawing/2010/main">
+                <a:solidFill>
+                  <a:srgbClr val="FFFFFF"/>
+                </a:solidFill>
+              </a14:hiddenFill>
+            </a:ext>
+            <a:ext uri="{91240B29-F687-4f45-9708-019B960494DF}">
+              <a14:hiddenLine xmlns:a14="http://schemas.microsoft.com/office/drawing/2010/main" w="9525">
+                <a:solidFill>
+                  <a:srgbClr val="000000"/>
+                </a:solidFill>
+                <a:miter lim="800000"/>
+                <a:headEnd/>
+                <a:tailEnd/>
+              </a14:hiddenLine>
+            </a:ext>
+          </a:extLst>
+        </p:spPr>
+        <p:txBody>
+          <a:bodyPr vert="horz" wrap="square" lIns="91440" tIns="45720" rIns="91440" bIns="45720" numCol="1" anchor="ctr" anchorCtr="0" compatLnSpc="1">
+            <a:prstTxWarp prst="textNoShape">
+              <a:avLst/>
+            </a:prstTxWarp>
+          </a:bodyPr>
+          <a:lstStyle>
+            <a:lvl1pPr eaLnBrk="0" hangingPunct="0">
+              <a:defRPr sz="2400">
+                <a:solidFill>
+                  <a:schemeClr val="tx1"/>
+                </a:solidFill>
+                <a:latin typeface="Trebuchet MS" charset="0"/>
+                <a:ea typeface="ＭＳ Ｐゴシック" charset="0"/>
+                <a:cs typeface="ＭＳ Ｐゴシック" charset="0"/>
+              </a:defRPr>
+            </a:lvl1pPr>
+            <a:lvl2pPr marL="742950" indent="-285750" eaLnBrk="0" hangingPunct="0">
+              <a:defRPr sz="2400">
+                <a:solidFill>
+                  <a:schemeClr val="tx1"/>
+                </a:solidFill>
+                <a:latin typeface="Trebuchet MS" charset="0"/>
+                <a:ea typeface="ＭＳ Ｐゴシック" charset="0"/>
+              </a:defRPr>
+            </a:lvl2pPr>
+            <a:lvl3pPr marL="1143000" indent="-228600" eaLnBrk="0" hangingPunct="0">
+              <a:defRPr sz="2400">
+                <a:solidFill>
+                  <a:schemeClr val="tx1"/>
+                </a:solidFill>
+                <a:latin typeface="Trebuchet MS" charset="0"/>
+                <a:ea typeface="ＭＳ Ｐゴシック" charset="0"/>
+              </a:defRPr>
+            </a:lvl3pPr>
+            <a:lvl4pPr marL="1600200" indent="-228600" eaLnBrk="0" hangingPunct="0">
+              <a:defRPr sz="2400">
+                <a:solidFill>
+                  <a:schemeClr val="tx1"/>
+                </a:solidFill>
+                <a:latin typeface="Trebuchet MS" charset="0"/>
+                <a:ea typeface="ＭＳ Ｐゴシック" charset="0"/>
+              </a:defRPr>
+            </a:lvl4pPr>
+            <a:lvl5pPr marL="2057400" indent="-228600" eaLnBrk="0" hangingPunct="0">
+              <a:defRPr sz="2400">
+                <a:solidFill>
+                  <a:schemeClr val="tx1"/>
+                </a:solidFill>
+                <a:latin typeface="Trebuchet MS" charset="0"/>
+                <a:ea typeface="ＭＳ Ｐゴシック" charset="0"/>
+              </a:defRPr>
+            </a:lvl5pPr>
+            <a:lvl6pPr marL="2514600" indent="-228600" eaLnBrk="0" fontAlgn="base" hangingPunct="0">
+              <a:spcBef>
+                <a:spcPct val="0"/>
+              </a:spcBef>
+              <a:spcAft>
+                <a:spcPct val="0"/>
+              </a:spcAft>
+              <a:defRPr sz="2400">
+                <a:solidFill>
+                  <a:schemeClr val="tx1"/>
+                </a:solidFill>
+                <a:latin typeface="Trebuchet MS" charset="0"/>
+                <a:ea typeface="ＭＳ Ｐゴシック" charset="0"/>
+              </a:defRPr>
+            </a:lvl6pPr>
+            <a:lvl7pPr marL="2971800" indent="-228600" eaLnBrk="0" fontAlgn="base" hangingPunct="0">
+              <a:spcBef>
+                <a:spcPct val="0"/>
+              </a:spcBef>
+              <a:spcAft>
+                <a:spcPct val="0"/>
+              </a:spcAft>
+              <a:defRPr sz="2400">
+                <a:solidFill>
+                  <a:schemeClr val="tx1"/>
+                </a:solidFill>
+                <a:latin typeface="Trebuchet MS" charset="0"/>
+                <a:ea typeface="ＭＳ Ｐゴシック" charset="0"/>
+              </a:defRPr>
+            </a:lvl7pPr>
+            <a:lvl8pPr marL="3429000" indent="-228600" eaLnBrk="0" fontAlgn="base" hangingPunct="0">
+              <a:spcBef>
+                <a:spcPct val="0"/>
+              </a:spcBef>
+              <a:spcAft>
+                <a:spcPct val="0"/>
+              </a:spcAft>
+              <a:defRPr sz="2400">
+                <a:solidFill>
+                  <a:schemeClr val="tx1"/>
+                </a:solidFill>
+                <a:latin typeface="Trebuchet MS" charset="0"/>
+                <a:ea typeface="ＭＳ Ｐゴシック" charset="0"/>
+              </a:defRPr>
+            </a:lvl8pPr>
+            <a:lvl9pPr marL="3886200" indent="-228600" eaLnBrk="0" fontAlgn="base" hangingPunct="0">
+              <a:spcBef>
+                <a:spcPct val="0"/>
+              </a:spcBef>
+              <a:spcAft>
+                <a:spcPct val="0"/>
+              </a:spcAft>
+              <a:defRPr sz="2400">
+                <a:solidFill>
+                  <a:schemeClr val="tx1"/>
+                </a:solidFill>
+                <a:latin typeface="Trebuchet MS" charset="0"/>
+                <a:ea typeface="ＭＳ Ｐゴシック" charset="0"/>
+              </a:defRPr>
+            </a:lvl9pPr>
+          </a:lstStyle>
+          <a:p>
+            <a:pPr algn="l" eaLnBrk="1" hangingPunct="1"/>
+            <a:r>
+              <a:rPr lang="en-US" sz="1200" b="1" dirty="0">
+                <a:solidFill>
+                  <a:srgbClr val="122956"/>
+                </a:solidFill>
+                <a:cs typeface="Trebuchet MS" charset="0"/>
+              </a:rPr>
+              <a:t>4</a:t>
+            </a:r>
+            <a:r>
+              <a:rPr lang="en-US" sz="1200" b="1" dirty="0" smtClean="0">
+                <a:solidFill>
+                  <a:srgbClr val="122956"/>
+                </a:solidFill>
+                <a:cs typeface="Trebuchet MS" charset="0"/>
+              </a:rPr>
+              <a:t>-</a:t>
+            </a:r>
+            <a:fld id="{31B56995-E14C-B64F-86C9-12D6DB74A41E}" type="slidenum">
+              <a:rPr lang="en-US" sz="1200" b="1">
+                <a:solidFill>
+                  <a:srgbClr val="122956"/>
+                </a:solidFill>
+                <a:cs typeface="Trebuchet MS" charset="0"/>
+              </a:rPr>
+              <a:pPr algn="l" eaLnBrk="1" hangingPunct="1"/>
+              <a:t>9</a:t>
+            </a:fld>
+            <a:endParaRPr lang="en-US" sz="1200" b="1" dirty="0">
+              <a:solidFill>
+                <a:srgbClr val="122956"/>
+              </a:solidFill>
+              <a:cs typeface="Trebuchet MS" charset="0"/>
+            </a:endParaRPr>
+          </a:p>
+        </p:txBody>
+      </p:sp>
     </p:spTree>
     <p:extLst>
       <p:ext uri="{BB962C8B-B14F-4D97-AF65-F5344CB8AC3E}">

--- a/320.pptx
+++ b/320.pptx
@@ -251,7 +251,7 @@
               <a:pPr>
                 <a:defRPr/>
               </a:pPr>
-              <a:t>8/19/11</a:t>
+              <a:t>9/27/11</a:t>
             </a:fld>
             <a:endParaRPr lang="en-US"/>
           </a:p>
@@ -434,7 +434,7 @@
               <a:pPr>
                 <a:defRPr/>
               </a:pPr>
-              <a:t>8/19/11</a:t>
+              <a:t>9/27/11</a:t>
             </a:fld>
             <a:endParaRPr lang="en-US"/>
           </a:p>
@@ -4049,7 +4049,7 @@
               <a:pPr>
                 <a:defRPr/>
               </a:pPr>
-              <a:t>8/19/11</a:t>
+              <a:t>9/27/11</a:t>
             </a:fld>
             <a:endParaRPr lang="en-US"/>
           </a:p>
@@ -4429,7 +4429,7 @@
               <a:pPr>
                 <a:defRPr/>
               </a:pPr>
-              <a:t>8/19/11</a:t>
+              <a:t>9/27/11</a:t>
             </a:fld>
             <a:endParaRPr lang="en-US"/>
           </a:p>
@@ -4991,7 +4991,7 @@
               <a:pPr>
                 <a:defRPr/>
               </a:pPr>
-              <a:t>8/19/11</a:t>
+              <a:t>9/27/11</a:t>
             </a:fld>
             <a:endParaRPr lang="en-US"/>
           </a:p>
@@ -5601,7 +5601,7 @@
               <a:pPr>
                 <a:defRPr/>
               </a:pPr>
-              <a:t>8/19/11</a:t>
+              <a:t>9/27/11</a:t>
             </a:fld>
             <a:endParaRPr lang="en-US"/>
           </a:p>
@@ -5723,7 +5723,7 @@
               <a:pPr>
                 <a:defRPr/>
               </a:pPr>
-              <a:t>8/19/11</a:t>
+              <a:t>9/27/11</a:t>
             </a:fld>
             <a:endParaRPr lang="en-US"/>
           </a:p>
@@ -6010,7 +6010,7 @@
               <a:pPr>
                 <a:defRPr/>
               </a:pPr>
-              <a:t>8/19/11</a:t>
+              <a:t>9/27/11</a:t>
             </a:fld>
             <a:endParaRPr lang="en-US"/>
           </a:p>
@@ -7742,22 +7742,13 @@
           <a:p>
             <a:pPr algn="l" eaLnBrk="1" hangingPunct="1"/>
             <a:r>
-              <a:rPr lang="en-US" sz="1200" b="1" dirty="0">
+              <a:rPr lang="en-US" sz="1200" b="1" dirty="0" smtClean="0">
                 <a:solidFill>
                   <a:srgbClr val="122956"/>
                 </a:solidFill>
                 <a:cs typeface="Trebuchet MS" charset="0"/>
               </a:rPr>
-              <a:t>4</a:t>
-            </a:r>
-            <a:r>
-              <a:rPr lang="en-US" sz="1200" b="1" dirty="0" smtClean="0">
-                <a:solidFill>
-                  <a:srgbClr val="122956"/>
-                </a:solidFill>
-                <a:cs typeface="Trebuchet MS" charset="0"/>
-              </a:rPr>
-              <a:t>-</a:t>
+              <a:t>TBL-</a:t>
             </a:r>
             <a:fld id="{31B56995-E14C-B64F-86C9-12D6DB74A41E}" type="slidenum">
               <a:rPr lang="en-US" sz="1200" b="1">
@@ -7969,16 +7960,7 @@
                 </a:solidFill>
                 <a:cs typeface="Trebuchet MS" charset="0"/>
               </a:rPr>
-              <a:t>4</a:t>
-            </a:r>
-            <a:r>
-              <a:rPr lang="en-US" sz="1200" b="1" dirty="0" smtClean="0">
-                <a:solidFill>
-                  <a:srgbClr val="122956"/>
-                </a:solidFill>
-                <a:cs typeface="Trebuchet MS" charset="0"/>
-              </a:rPr>
-              <a:t>-</a:t>
+              <a:t>TBL-</a:t>
             </a:r>
             <a:fld id="{31B56995-E14C-B64F-86C9-12D6DB74A41E}" type="slidenum">
               <a:rPr lang="en-US" sz="1200" b="1">
@@ -9693,16 +9675,7 @@
                 </a:solidFill>
                 <a:cs typeface="Trebuchet MS" charset="0"/>
               </a:rPr>
-              <a:t>4</a:t>
-            </a:r>
-            <a:r>
-              <a:rPr lang="en-US" sz="1200" b="1" dirty="0" smtClean="0">
-                <a:solidFill>
-                  <a:srgbClr val="122956"/>
-                </a:solidFill>
-                <a:cs typeface="Trebuchet MS" charset="0"/>
-              </a:rPr>
-              <a:t>-</a:t>
+              <a:t>TBL-</a:t>
             </a:r>
             <a:fld id="{31B56995-E14C-B64F-86C9-12D6DB74A41E}" type="slidenum">
               <a:rPr lang="en-US" sz="1200" b="1">
@@ -10357,16 +10330,7 @@
                 </a:solidFill>
                 <a:cs typeface="Trebuchet MS" charset="0"/>
               </a:rPr>
-              <a:t>4</a:t>
-            </a:r>
-            <a:r>
-              <a:rPr lang="en-US" sz="1200" b="1" dirty="0" smtClean="0">
-                <a:solidFill>
-                  <a:srgbClr val="122956"/>
-                </a:solidFill>
-                <a:cs typeface="Trebuchet MS" charset="0"/>
-              </a:rPr>
-              <a:t>-</a:t>
+              <a:t>TBL-</a:t>
             </a:r>
             <a:fld id="{31B56995-E14C-B64F-86C9-12D6DB74A41E}" type="slidenum">
               <a:rPr lang="en-US" sz="1200" b="1">
@@ -11846,16 +11810,7 @@
                 </a:solidFill>
                 <a:cs typeface="Trebuchet MS" charset="0"/>
               </a:rPr>
-              <a:t>4</a:t>
-            </a:r>
-            <a:r>
-              <a:rPr lang="en-US" sz="1200" b="1" dirty="0" smtClean="0">
-                <a:solidFill>
-                  <a:srgbClr val="122956"/>
-                </a:solidFill>
-                <a:cs typeface="Trebuchet MS" charset="0"/>
-              </a:rPr>
-              <a:t>-</a:t>
+              <a:t>TBL-</a:t>
             </a:r>
             <a:fld id="{31B56995-E14C-B64F-86C9-12D6DB74A41E}" type="slidenum">
               <a:rPr lang="en-US" sz="1200" b="1">
@@ -13565,16 +13520,7 @@
                 </a:solidFill>
                 <a:cs typeface="Trebuchet MS" charset="0"/>
               </a:rPr>
-              <a:t>4</a:t>
-            </a:r>
-            <a:r>
-              <a:rPr lang="en-US" sz="1200" b="1" dirty="0" smtClean="0">
-                <a:solidFill>
-                  <a:srgbClr val="122956"/>
-                </a:solidFill>
-                <a:cs typeface="Trebuchet MS" charset="0"/>
-              </a:rPr>
-              <a:t>-</a:t>
+              <a:t>TBL-</a:t>
             </a:r>
             <a:fld id="{31B56995-E14C-B64F-86C9-12D6DB74A41E}" type="slidenum">
               <a:rPr lang="en-US" sz="1200" b="1">
@@ -13930,16 +13876,7 @@
                 </a:solidFill>
                 <a:cs typeface="Trebuchet MS" charset="0"/>
               </a:rPr>
-              <a:t>4</a:t>
-            </a:r>
-            <a:r>
-              <a:rPr lang="en-US" sz="1200" b="1" dirty="0" smtClean="0">
-                <a:solidFill>
-                  <a:srgbClr val="122956"/>
-                </a:solidFill>
-                <a:cs typeface="Trebuchet MS" charset="0"/>
-              </a:rPr>
-              <a:t>-</a:t>
+              <a:t>TBL-</a:t>
             </a:r>
             <a:fld id="{31B56995-E14C-B64F-86C9-12D6DB74A41E}" type="slidenum">
               <a:rPr lang="en-US" sz="1200" b="1">
@@ -14249,16 +14186,7 @@
                 </a:solidFill>
                 <a:cs typeface="Trebuchet MS" charset="0"/>
               </a:rPr>
-              <a:t>4</a:t>
-            </a:r>
-            <a:r>
-              <a:rPr lang="en-US" sz="1200" b="1" dirty="0" smtClean="0">
-                <a:solidFill>
-                  <a:srgbClr val="122956"/>
-                </a:solidFill>
-                <a:cs typeface="Trebuchet MS" charset="0"/>
-              </a:rPr>
-              <a:t>-</a:t>
+              <a:t>TBL-</a:t>
             </a:r>
             <a:fld id="{31B56995-E14C-B64F-86C9-12D6DB74A41E}" type="slidenum">
               <a:rPr lang="en-US" sz="1200" b="1">
@@ -14606,16 +14534,7 @@
                 </a:solidFill>
                 <a:cs typeface="Trebuchet MS" charset="0"/>
               </a:rPr>
-              <a:t>4</a:t>
-            </a:r>
-            <a:r>
-              <a:rPr lang="en-US" sz="1200" b="1" dirty="0" smtClean="0">
-                <a:solidFill>
-                  <a:srgbClr val="122956"/>
-                </a:solidFill>
-                <a:cs typeface="Trebuchet MS" charset="0"/>
-              </a:rPr>
-              <a:t>-</a:t>
+              <a:t>TBL-</a:t>
             </a:r>
             <a:fld id="{31B56995-E14C-B64F-86C9-12D6DB74A41E}" type="slidenum">
               <a:rPr lang="en-US" sz="1200" b="1">
@@ -14925,16 +14844,7 @@
                 </a:solidFill>
                 <a:cs typeface="Trebuchet MS" charset="0"/>
               </a:rPr>
-              <a:t>4</a:t>
-            </a:r>
-            <a:r>
-              <a:rPr lang="en-US" sz="1200" b="1" dirty="0" smtClean="0">
-                <a:solidFill>
-                  <a:srgbClr val="122956"/>
-                </a:solidFill>
-                <a:cs typeface="Trebuchet MS" charset="0"/>
-              </a:rPr>
-              <a:t>-</a:t>
+              <a:t>TBL-</a:t>
             </a:r>
             <a:fld id="{31B56995-E14C-B64F-86C9-12D6DB74A41E}" type="slidenum">
               <a:rPr lang="en-US" sz="1200" b="1">
@@ -15218,22 +15128,13 @@
           <a:p>
             <a:pPr algn="l" eaLnBrk="1" hangingPunct="1"/>
             <a:r>
-              <a:rPr lang="en-US" sz="1200" b="1" dirty="0">
+              <a:rPr lang="en-US" sz="1200" b="1" dirty="0" smtClean="0">
                 <a:solidFill>
                   <a:srgbClr val="122956"/>
                 </a:solidFill>
                 <a:cs typeface="Trebuchet MS" charset="0"/>
               </a:rPr>
-              <a:t>4</a:t>
-            </a:r>
-            <a:r>
-              <a:rPr lang="en-US" sz="1200" b="1" dirty="0" smtClean="0">
-                <a:solidFill>
-                  <a:srgbClr val="122956"/>
-                </a:solidFill>
-                <a:cs typeface="Trebuchet MS" charset="0"/>
-              </a:rPr>
-              <a:t>-</a:t>
+              <a:t>TBL-</a:t>
             </a:r>
             <a:fld id="{31B56995-E14C-B64F-86C9-12D6DB74A41E}" type="slidenum">
               <a:rPr lang="en-US" sz="1200" b="1">
@@ -15752,22 +15653,13 @@
           <a:p>
             <a:pPr algn="l" eaLnBrk="1" hangingPunct="1"/>
             <a:r>
-              <a:rPr lang="en-US" sz="1200" b="1" dirty="0">
+              <a:rPr lang="en-US" sz="1200" b="1" dirty="0" smtClean="0">
                 <a:solidFill>
                   <a:srgbClr val="122956"/>
                 </a:solidFill>
                 <a:cs typeface="Trebuchet MS" charset="0"/>
               </a:rPr>
-              <a:t>4</a:t>
-            </a:r>
-            <a:r>
-              <a:rPr lang="en-US" sz="1200" b="1" dirty="0" smtClean="0">
-                <a:solidFill>
-                  <a:srgbClr val="122956"/>
-                </a:solidFill>
-                <a:cs typeface="Trebuchet MS" charset="0"/>
-              </a:rPr>
-              <a:t>-</a:t>
+              <a:t>TBL-</a:t>
             </a:r>
             <a:fld id="{31B56995-E14C-B64F-86C9-12D6DB74A41E}" type="slidenum">
               <a:rPr lang="en-US" sz="1200" b="1">
@@ -16865,16 +16757,7 @@
                 </a:solidFill>
                 <a:cs typeface="Trebuchet MS" charset="0"/>
               </a:rPr>
-              <a:t>4</a:t>
-            </a:r>
-            <a:r>
-              <a:rPr lang="en-US" sz="1200" b="1" dirty="0" smtClean="0">
-                <a:solidFill>
-                  <a:srgbClr val="122956"/>
-                </a:solidFill>
-                <a:cs typeface="Trebuchet MS" charset="0"/>
-              </a:rPr>
-              <a:t>-</a:t>
+              <a:t>TBL-</a:t>
             </a:r>
             <a:fld id="{31B56995-E14C-B64F-86C9-12D6DB74A41E}" type="slidenum">
               <a:rPr lang="en-US" sz="1200" b="1">
@@ -17342,16 +17225,7 @@
                 </a:solidFill>
                 <a:cs typeface="Trebuchet MS" charset="0"/>
               </a:rPr>
-              <a:t>4</a:t>
-            </a:r>
-            <a:r>
-              <a:rPr lang="en-US" sz="1200" b="1" dirty="0" smtClean="0">
-                <a:solidFill>
-                  <a:srgbClr val="122956"/>
-                </a:solidFill>
-                <a:cs typeface="Trebuchet MS" charset="0"/>
-              </a:rPr>
-              <a:t>-</a:t>
+              <a:t>TBL-</a:t>
             </a:r>
             <a:fld id="{31B56995-E14C-B64F-86C9-12D6DB74A41E}" type="slidenum">
               <a:rPr lang="en-US" sz="1200" b="1">
@@ -17838,16 +17712,7 @@
                 </a:solidFill>
                 <a:cs typeface="Trebuchet MS" charset="0"/>
               </a:rPr>
-              <a:t>4</a:t>
-            </a:r>
-            <a:r>
-              <a:rPr lang="en-US" sz="1200" b="1" dirty="0" smtClean="0">
-                <a:solidFill>
-                  <a:srgbClr val="122956"/>
-                </a:solidFill>
-                <a:cs typeface="Trebuchet MS" charset="0"/>
-              </a:rPr>
-              <a:t>-</a:t>
+              <a:t>TBL-</a:t>
             </a:r>
             <a:fld id="{31B56995-E14C-B64F-86C9-12D6DB74A41E}" type="slidenum">
               <a:rPr lang="en-US" sz="1200" b="1">
@@ -18441,16 +18306,7 @@
                 </a:solidFill>
                 <a:cs typeface="Trebuchet MS" charset="0"/>
               </a:rPr>
-              <a:t>4</a:t>
-            </a:r>
-            <a:r>
-              <a:rPr lang="en-US" sz="1200" b="1" dirty="0" smtClean="0">
-                <a:solidFill>
-                  <a:srgbClr val="122956"/>
-                </a:solidFill>
-                <a:cs typeface="Trebuchet MS" charset="0"/>
-              </a:rPr>
-              <a:t>-</a:t>
+              <a:t>TBL-</a:t>
             </a:r>
             <a:fld id="{31B56995-E14C-B64F-86C9-12D6DB74A41E}" type="slidenum">
               <a:rPr lang="en-US" sz="1200" b="1">
@@ -19321,16 +19177,7 @@
                 </a:solidFill>
                 <a:cs typeface="Trebuchet MS" charset="0"/>
               </a:rPr>
-              <a:t>4</a:t>
-            </a:r>
-            <a:r>
-              <a:rPr lang="en-US" sz="1200" b="1" dirty="0" smtClean="0">
-                <a:solidFill>
-                  <a:srgbClr val="122956"/>
-                </a:solidFill>
-                <a:cs typeface="Trebuchet MS" charset="0"/>
-              </a:rPr>
-              <a:t>-</a:t>
+              <a:t>TBL-</a:t>
             </a:r>
             <a:fld id="{31B56995-E14C-B64F-86C9-12D6DB74A41E}" type="slidenum">
               <a:rPr lang="en-US" sz="1200" b="1">
@@ -20105,16 +19952,7 @@
                 </a:solidFill>
                 <a:cs typeface="Trebuchet MS" charset="0"/>
               </a:rPr>
-              <a:t>4</a:t>
-            </a:r>
-            <a:r>
-              <a:rPr lang="en-US" sz="1200" b="1" dirty="0" smtClean="0">
-                <a:solidFill>
-                  <a:srgbClr val="122956"/>
-                </a:solidFill>
-                <a:cs typeface="Trebuchet MS" charset="0"/>
-              </a:rPr>
-              <a:t>-</a:t>
+              <a:t>TBL-</a:t>
             </a:r>
             <a:fld id="{31B56995-E14C-B64F-86C9-12D6DB74A41E}" type="slidenum">
               <a:rPr lang="en-US" sz="1200" b="1">

--- a/320.pptx
+++ b/320.pptx
@@ -251,7 +251,7 @@
               <a:pPr>
                 <a:defRPr/>
               </a:pPr>
-              <a:t>9/27/11</a:t>
+              <a:t>12/14/11</a:t>
             </a:fld>
             <a:endParaRPr lang="en-US"/>
           </a:p>
@@ -434,7 +434,7 @@
               <a:pPr>
                 <a:defRPr/>
               </a:pPr>
-              <a:t>9/27/11</a:t>
+              <a:t>12/14/11</a:t>
             </a:fld>
             <a:endParaRPr lang="en-US"/>
           </a:p>
@@ -1596,7 +1596,33 @@
           <a:p>
             <a:r>
               <a:rPr lang="en-US" baseline="0" dirty="0" smtClean="0"/>
-              <a:t>Titanium 1.8 will include native long-press support so the gist workaround won’t be needed</a:t>
+              <a:t>Titanium 1.8 </a:t>
+            </a:r>
+            <a:r>
+              <a:rPr lang="en-US" baseline="0" dirty="0" smtClean="0"/>
+              <a:t>adds support for native </a:t>
+            </a:r>
+            <a:r>
+              <a:rPr lang="en-US" baseline="0" dirty="0" smtClean="0"/>
+              <a:t>long-</a:t>
+            </a:r>
+            <a:r>
+              <a:rPr lang="en-US" baseline="0" dirty="0" smtClean="0"/>
+              <a:t>press event,</a:t>
+            </a:r>
+          </a:p>
+          <a:p>
+            <a:r>
+              <a:rPr lang="en-US" baseline="0" dirty="0" smtClean="0"/>
+              <a:t>gist </a:t>
+            </a:r>
+            <a:r>
+              <a:rPr lang="en-US" baseline="0" dirty="0" smtClean="0"/>
+              <a:t>workaround </a:t>
+            </a:r>
+            <a:r>
+              <a:rPr lang="en-US" baseline="0" dirty="0" smtClean="0"/>
+              <a:t>useful for older SDKs</a:t>
             </a:r>
             <a:endParaRPr lang="en-US" dirty="0"/>
           </a:p>
@@ -3401,16 +3427,17 @@
             </a:r>
           </a:p>
           <a:p>
-            <a:endParaRPr lang="en-US" dirty="0" smtClean="0"/>
-          </a:p>
-          <a:p>
             <a:r>
               <a:rPr lang="en-US" dirty="0" smtClean="0"/>
               <a:t>Useful</a:t>
             </a:r>
             <a:r>
               <a:rPr lang="en-US" baseline="0" dirty="0" smtClean="0"/>
-              <a:t> when you want to manipulate the row’s properties before/after adding to the table</a:t>
+              <a:t> </a:t>
+            </a:r>
+            <a:r>
+              <a:rPr lang="en-US" baseline="0" dirty="0" smtClean="0"/>
+              <a:t>when you want to manipulate the row’s properties before/after adding to the table</a:t>
             </a:r>
           </a:p>
           <a:p>
@@ -3420,6 +3447,25 @@
             </a:r>
           </a:p>
           <a:p>
+            <a:endParaRPr lang="en-US" dirty="0" smtClean="0"/>
+          </a:p>
+          <a:p>
+            <a:r>
+              <a:rPr lang="en-US" dirty="0" smtClean="0"/>
+              <a:t>As of SDK 1.8, </a:t>
+            </a:r>
+            <a:r>
+              <a:rPr lang="en-US" dirty="0" err="1" smtClean="0"/>
+              <a:t>appendRow</a:t>
+            </a:r>
+            <a:r>
+              <a:rPr lang="en-US" dirty="0" smtClean="0"/>
+              <a:t>() accepts row object,</a:t>
+            </a:r>
+            <a:r>
+              <a:rPr lang="en-US" baseline="0" dirty="0" smtClean="0"/>
+              <a:t> dictionary, or array (of rows/dictionary objects)</a:t>
+            </a:r>
             <a:endParaRPr lang="en-US" dirty="0"/>
           </a:p>
         </p:txBody>
@@ -4049,7 +4095,7 @@
               <a:pPr>
                 <a:defRPr/>
               </a:pPr>
-              <a:t>9/27/11</a:t>
+              <a:t>12/14/11</a:t>
             </a:fld>
             <a:endParaRPr lang="en-US"/>
           </a:p>
@@ -4429,7 +4475,7 @@
               <a:pPr>
                 <a:defRPr/>
               </a:pPr>
-              <a:t>9/27/11</a:t>
+              <a:t>12/14/11</a:t>
             </a:fld>
             <a:endParaRPr lang="en-US"/>
           </a:p>
@@ -4991,7 +5037,7 @@
               <a:pPr>
                 <a:defRPr/>
               </a:pPr>
-              <a:t>9/27/11</a:t>
+              <a:t>12/14/11</a:t>
             </a:fld>
             <a:endParaRPr lang="en-US"/>
           </a:p>
@@ -5601,7 +5647,7 @@
               <a:pPr>
                 <a:defRPr/>
               </a:pPr>
-              <a:t>9/27/11</a:t>
+              <a:t>12/14/11</a:t>
             </a:fld>
             <a:endParaRPr lang="en-US"/>
           </a:p>
@@ -5723,7 +5769,7 @@
               <a:pPr>
                 <a:defRPr/>
               </a:pPr>
-              <a:t>9/27/11</a:t>
+              <a:t>12/14/11</a:t>
             </a:fld>
             <a:endParaRPr lang="en-US"/>
           </a:p>
@@ -6010,7 +6056,7 @@
               <a:pPr>
                 <a:defRPr/>
               </a:pPr>
-              <a:t>9/27/11</a:t>
+              <a:t>12/14/11</a:t>
             </a:fld>
             <a:endParaRPr lang="en-US"/>
           </a:p>
@@ -13007,6 +13053,21 @@
               <a:rPr lang="en-US" sz="2000" dirty="0" smtClean="0"/>
               <a:t>)</a:t>
             </a:r>
+          </a:p>
+          <a:p>
+            <a:pPr marL="342900" indent="-342900">
+              <a:buFont typeface="Arial"/>
+              <a:buChar char="•"/>
+            </a:pPr>
+            <a:r>
+              <a:rPr lang="en-US" sz="2000" dirty="0" err="1" smtClean="0"/>
+              <a:t>longpress</a:t>
+            </a:r>
+            <a:r>
+              <a:rPr lang="en-US" sz="2000" dirty="0" smtClean="0"/>
+              <a:t> (1.8+)</a:t>
+            </a:r>
+            <a:endParaRPr lang="en-US" sz="2000" dirty="0" smtClean="0"/>
           </a:p>
           <a:p>
             <a:pPr marL="342900" indent="-342900">

--- a/320.pptx
+++ b/320.pptx
@@ -251,7 +251,7 @@
               <a:pPr>
                 <a:defRPr/>
               </a:pPr>
-              <a:t>12/14/11</a:t>
+              <a:t>1/5/12</a:t>
             </a:fld>
             <a:endParaRPr lang="en-US"/>
           </a:p>
@@ -434,7 +434,7 @@
               <a:pPr>
                 <a:defRPr/>
               </a:pPr>
-              <a:t>12/14/11</a:t>
+              <a:t>1/5/12</a:t>
             </a:fld>
             <a:endParaRPr lang="en-US"/>
           </a:p>
@@ -1596,33 +1596,13 @@
           <a:p>
             <a:r>
               <a:rPr lang="en-US" baseline="0" dirty="0" smtClean="0"/>
-              <a:t>Titanium 1.8 </a:t>
-            </a:r>
+              <a:t>Titanium 1.8 adds support for native long-press event,</a:t>
+            </a:r>
+          </a:p>
+          <a:p>
             <a:r>
               <a:rPr lang="en-US" baseline="0" dirty="0" smtClean="0"/>
-              <a:t>adds support for native </a:t>
-            </a:r>
-            <a:r>
-              <a:rPr lang="en-US" baseline="0" dirty="0" smtClean="0"/>
-              <a:t>long-</a:t>
-            </a:r>
-            <a:r>
-              <a:rPr lang="en-US" baseline="0" dirty="0" smtClean="0"/>
-              <a:t>press event,</a:t>
-            </a:r>
-          </a:p>
-          <a:p>
-            <a:r>
-              <a:rPr lang="en-US" baseline="0" dirty="0" smtClean="0"/>
-              <a:t>gist </a:t>
-            </a:r>
-            <a:r>
-              <a:rPr lang="en-US" baseline="0" dirty="0" smtClean="0"/>
-              <a:t>workaround </a:t>
-            </a:r>
-            <a:r>
-              <a:rPr lang="en-US" baseline="0" dirty="0" smtClean="0"/>
-              <a:t>useful for older SDKs</a:t>
+              <a:t>gist workaround useful for older SDKs</a:t>
             </a:r>
             <a:endParaRPr lang="en-US" dirty="0"/>
           </a:p>
@@ -3433,11 +3413,7 @@
             </a:r>
             <a:r>
               <a:rPr lang="en-US" baseline="0" dirty="0" smtClean="0"/>
-              <a:t> </a:t>
-            </a:r>
-            <a:r>
-              <a:rPr lang="en-US" baseline="0" dirty="0" smtClean="0"/>
-              <a:t>when you want to manipulate the row’s properties before/after adding to the table</a:t>
+              <a:t> when you want to manipulate the row’s properties before/after adding to the table</a:t>
             </a:r>
           </a:p>
           <a:p>
@@ -4095,7 +4071,7 @@
               <a:pPr>
                 <a:defRPr/>
               </a:pPr>
-              <a:t>12/14/11</a:t>
+              <a:t>1/5/12</a:t>
             </a:fld>
             <a:endParaRPr lang="en-US"/>
           </a:p>
@@ -4475,7 +4451,7 @@
               <a:pPr>
                 <a:defRPr/>
               </a:pPr>
-              <a:t>12/14/11</a:t>
+              <a:t>1/5/12</a:t>
             </a:fld>
             <a:endParaRPr lang="en-US"/>
           </a:p>
@@ -5037,7 +5013,7 @@
               <a:pPr>
                 <a:defRPr/>
               </a:pPr>
-              <a:t>12/14/11</a:t>
+              <a:t>1/5/12</a:t>
             </a:fld>
             <a:endParaRPr lang="en-US"/>
           </a:p>
@@ -5647,7 +5623,7 @@
               <a:pPr>
                 <a:defRPr/>
               </a:pPr>
-              <a:t>12/14/11</a:t>
+              <a:t>1/5/12</a:t>
             </a:fld>
             <a:endParaRPr lang="en-US"/>
           </a:p>
@@ -5769,7 +5745,7 @@
               <a:pPr>
                 <a:defRPr/>
               </a:pPr>
-              <a:t>12/14/11</a:t>
+              <a:t>1/5/12</a:t>
             </a:fld>
             <a:endParaRPr lang="en-US"/>
           </a:p>
@@ -6056,7 +6032,7 @@
               <a:pPr>
                 <a:defRPr/>
               </a:pPr>
-              <a:t>12/14/11</a:t>
+              <a:t>1/5/12</a:t>
             </a:fld>
             <a:endParaRPr lang="en-US"/>
           </a:p>
@@ -13067,7 +13043,6 @@
               <a:rPr lang="en-US" sz="2000" dirty="0" smtClean="0"/>
               <a:t> (1.8+)</a:t>
             </a:r>
-            <a:endParaRPr lang="en-US" sz="2000" dirty="0" smtClean="0"/>
           </a:p>
           <a:p>
             <a:pPr marL="342900" indent="-342900">
@@ -16480,10 +16455,10 @@
               <a:rPr lang="en-US" sz="2000" dirty="0">
                 <a:latin typeface="Monaco" charset="0"/>
               </a:rPr>
-              <a:t> table = new </a:t>
-            </a:r>
-            <a:r>
-              <a:rPr lang="en-US" sz="2000" dirty="0" err="1">
+              <a:t> table = </a:t>
+            </a:r>
+            <a:r>
+              <a:rPr lang="en-US" sz="2000" dirty="0" err="1" smtClean="0">
                 <a:latin typeface="Monaco" charset="0"/>
               </a:rPr>
               <a:t>Titanium.UI.createTableView</a:t>
@@ -17014,10 +16989,10 @@
                 <a:latin typeface="Courier"/>
                 <a:cs typeface="Courier"/>
               </a:rPr>
-              <a:t>table = new </a:t>
-            </a:r>
-            <a:r>
-              <a:rPr lang="en-US" sz="2000" dirty="0" err="1">
+              <a:t>table = </a:t>
+            </a:r>
+            <a:r>
+              <a:rPr lang="en-US" sz="2000" dirty="0" err="1" smtClean="0">
                 <a:latin typeface="Courier"/>
                 <a:cs typeface="Courier"/>
               </a:rPr>
@@ -17404,10 +17379,10 @@
               <a:rPr lang="en-US" sz="2000" dirty="0">
                 <a:latin typeface="Monaco" charset="0"/>
               </a:rPr>
-              <a:t> row = new </a:t>
-            </a:r>
-            <a:r>
-              <a:rPr lang="en-US" sz="2000" dirty="0" err="1">
+              <a:t> row = </a:t>
+            </a:r>
+            <a:r>
+              <a:rPr lang="en-US" sz="2000" dirty="0" err="1" smtClean="0">
                 <a:latin typeface="Monaco" charset="0"/>
               </a:rPr>
               <a:t>Titanium.UI.createTableViewRow</a:t>
